--- a/Club Meetings 2023/Meeting 07 - July 02 2023/Sharing.pptx
+++ b/Club Meetings 2023/Meeting 07 - July 02 2023/Sharing.pptx
@@ -9,6 +9,15 @@
     <p:sldId id="257" r:id="rId3"/>
     <p:sldId id="259" r:id="rId4"/>
     <p:sldId id="258" r:id="rId5"/>
+    <p:sldId id="260" r:id="rId6"/>
+    <p:sldId id="261" r:id="rId7"/>
+    <p:sldId id="262" r:id="rId8"/>
+    <p:sldId id="263" r:id="rId9"/>
+    <p:sldId id="266" r:id="rId10"/>
+    <p:sldId id="267" r:id="rId11"/>
+    <p:sldId id="265" r:id="rId12"/>
+    <p:sldId id="264" r:id="rId13"/>
+    <p:sldId id="269" r:id="rId14"/>
   </p:sldIdLst>
   <p:sldSz cx="12192000" cy="6858000"/>
   <p:notesSz cx="6858000" cy="9144000"/>
@@ -264,7 +273,7 @@
           <a:p>
             <a:fld id="{6651E86F-4435-47D2-A141-1EB75546EE8A}" type="datetimeFigureOut">
               <a:rPr lang="en-SG" smtClean="0"/>
-              <a:t>26/6/2023</a:t>
+              <a:t>29/6/2023</a:t>
             </a:fld>
             <a:endParaRPr lang="en-SG"/>
           </a:p>
@@ -464,7 +473,7 @@
           <a:p>
             <a:fld id="{6651E86F-4435-47D2-A141-1EB75546EE8A}" type="datetimeFigureOut">
               <a:rPr lang="en-SG" smtClean="0"/>
-              <a:t>26/6/2023</a:t>
+              <a:t>29/6/2023</a:t>
             </a:fld>
             <a:endParaRPr lang="en-SG"/>
           </a:p>
@@ -674,7 +683,7 @@
           <a:p>
             <a:fld id="{6651E86F-4435-47D2-A141-1EB75546EE8A}" type="datetimeFigureOut">
               <a:rPr lang="en-SG" smtClean="0"/>
-              <a:t>26/6/2023</a:t>
+              <a:t>29/6/2023</a:t>
             </a:fld>
             <a:endParaRPr lang="en-SG"/>
           </a:p>
@@ -874,7 +883,7 @@
           <a:p>
             <a:fld id="{6651E86F-4435-47D2-A141-1EB75546EE8A}" type="datetimeFigureOut">
               <a:rPr lang="en-SG" smtClean="0"/>
-              <a:t>26/6/2023</a:t>
+              <a:t>29/6/2023</a:t>
             </a:fld>
             <a:endParaRPr lang="en-SG"/>
           </a:p>
@@ -1150,7 +1159,7 @@
           <a:p>
             <a:fld id="{6651E86F-4435-47D2-A141-1EB75546EE8A}" type="datetimeFigureOut">
               <a:rPr lang="en-SG" smtClean="0"/>
-              <a:t>26/6/2023</a:t>
+              <a:t>29/6/2023</a:t>
             </a:fld>
             <a:endParaRPr lang="en-SG"/>
           </a:p>
@@ -1418,7 +1427,7 @@
           <a:p>
             <a:fld id="{6651E86F-4435-47D2-A141-1EB75546EE8A}" type="datetimeFigureOut">
               <a:rPr lang="en-SG" smtClean="0"/>
-              <a:t>26/6/2023</a:t>
+              <a:t>29/6/2023</a:t>
             </a:fld>
             <a:endParaRPr lang="en-SG"/>
           </a:p>
@@ -1833,7 +1842,7 @@
           <a:p>
             <a:fld id="{6651E86F-4435-47D2-A141-1EB75546EE8A}" type="datetimeFigureOut">
               <a:rPr lang="en-SG" smtClean="0"/>
-              <a:t>26/6/2023</a:t>
+              <a:t>29/6/2023</a:t>
             </a:fld>
             <a:endParaRPr lang="en-SG"/>
           </a:p>
@@ -1975,7 +1984,7 @@
           <a:p>
             <a:fld id="{6651E86F-4435-47D2-A141-1EB75546EE8A}" type="datetimeFigureOut">
               <a:rPr lang="en-SG" smtClean="0"/>
-              <a:t>26/6/2023</a:t>
+              <a:t>29/6/2023</a:t>
             </a:fld>
             <a:endParaRPr lang="en-SG"/>
           </a:p>
@@ -2088,7 +2097,7 @@
           <a:p>
             <a:fld id="{6651E86F-4435-47D2-A141-1EB75546EE8A}" type="datetimeFigureOut">
               <a:rPr lang="en-SG" smtClean="0"/>
-              <a:t>26/6/2023</a:t>
+              <a:t>29/6/2023</a:t>
             </a:fld>
             <a:endParaRPr lang="en-SG"/>
           </a:p>
@@ -2401,7 +2410,7 @@
           <a:p>
             <a:fld id="{6651E86F-4435-47D2-A141-1EB75546EE8A}" type="datetimeFigureOut">
               <a:rPr lang="en-SG" smtClean="0"/>
-              <a:t>26/6/2023</a:t>
+              <a:t>29/6/2023</a:t>
             </a:fld>
             <a:endParaRPr lang="en-SG"/>
           </a:p>
@@ -2690,7 +2699,7 @@
           <a:p>
             <a:fld id="{6651E86F-4435-47D2-A141-1EB75546EE8A}" type="datetimeFigureOut">
               <a:rPr lang="en-SG" smtClean="0"/>
-              <a:t>26/6/2023</a:t>
+              <a:t>29/6/2023</a:t>
             </a:fld>
             <a:endParaRPr lang="en-SG"/>
           </a:p>
@@ -2933,7 +2942,7 @@
           <a:p>
             <a:fld id="{6651E86F-4435-47D2-A141-1EB75546EE8A}" type="datetimeFigureOut">
               <a:rPr lang="en-SG" smtClean="0"/>
-              <a:t>26/6/2023</a:t>
+              <a:t>29/6/2023</a:t>
             </a:fld>
             <a:endParaRPr lang="en-SG"/>
           </a:p>
@@ -4218,6 +4227,2704 @@
 </p:sld>
 </file>
 
+<file path=ppt/slides/slide10.xml><?xml version="1.0" encoding="utf-8"?>
+<p:sld xmlns:a="http://schemas.openxmlformats.org/drawingml/2006/main" xmlns:r="http://schemas.openxmlformats.org/officeDocument/2006/relationships" xmlns:p="http://schemas.openxmlformats.org/presentationml/2006/main">
+  <p:cSld>
+    <p:spTree>
+      <p:nvGrpSpPr>
+        <p:cNvPr id="1" name=""/>
+        <p:cNvGrpSpPr/>
+        <p:nvPr/>
+      </p:nvGrpSpPr>
+      <p:grpSpPr>
+        <a:xfrm>
+          <a:off x="0" y="0"/>
+          <a:ext cx="0" cy="0"/>
+          <a:chOff x="0" y="0"/>
+          <a:chExt cx="0" cy="0"/>
+        </a:xfrm>
+      </p:grpSpPr>
+      <p:pic>
+        <p:nvPicPr>
+          <p:cNvPr id="5" name="Picture 4">
+            <a:extLst>
+              <a:ext uri="{FF2B5EF4-FFF2-40B4-BE49-F238E27FC236}">
+                <a16:creationId xmlns:a16="http://schemas.microsoft.com/office/drawing/2014/main" id="{E989B1C4-3FA0-F516-1F71-918B6F6EC810}"/>
+              </a:ext>
+            </a:extLst>
+          </p:cNvPr>
+          <p:cNvPicPr>
+            <a:picLocks noChangeAspect="1"/>
+          </p:cNvPicPr>
+          <p:nvPr/>
+        </p:nvPicPr>
+        <p:blipFill>
+          <a:blip r:embed="rId2"/>
+          <a:stretch>
+            <a:fillRect/>
+          </a:stretch>
+        </p:blipFill>
+        <p:spPr>
+          <a:xfrm>
+            <a:off x="247650" y="333375"/>
+            <a:ext cx="11696700" cy="6191250"/>
+          </a:xfrm>
+          <a:prstGeom prst="rect">
+            <a:avLst/>
+          </a:prstGeom>
+        </p:spPr>
+      </p:pic>
+      <p:pic>
+        <p:nvPicPr>
+          <p:cNvPr id="10" name="Picture 9">
+            <a:extLst>
+              <a:ext uri="{FF2B5EF4-FFF2-40B4-BE49-F238E27FC236}">
+                <a16:creationId xmlns:a16="http://schemas.microsoft.com/office/drawing/2014/main" id="{DE33AB1C-03A0-9CD1-A667-3CDD726328F8}"/>
+              </a:ext>
+            </a:extLst>
+          </p:cNvPr>
+          <p:cNvPicPr>
+            <a:picLocks noChangeAspect="1"/>
+          </p:cNvPicPr>
+          <p:nvPr/>
+        </p:nvPicPr>
+        <p:blipFill>
+          <a:blip r:embed="rId3"/>
+          <a:stretch>
+            <a:fillRect/>
+          </a:stretch>
+        </p:blipFill>
+        <p:spPr>
+          <a:xfrm>
+            <a:off x="247650" y="2954013"/>
+            <a:ext cx="5314950" cy="2200275"/>
+          </a:xfrm>
+          <a:prstGeom prst="rect">
+            <a:avLst/>
+          </a:prstGeom>
+        </p:spPr>
+      </p:pic>
+      <p:sp>
+        <p:nvSpPr>
+          <p:cNvPr id="11" name="Rectangle 10">
+            <a:extLst>
+              <a:ext uri="{FF2B5EF4-FFF2-40B4-BE49-F238E27FC236}">
+                <a16:creationId xmlns:a16="http://schemas.microsoft.com/office/drawing/2014/main" id="{F8FDB18D-B5C8-DD75-3A13-079D2AB7A04C}"/>
+              </a:ext>
+            </a:extLst>
+          </p:cNvPr>
+          <p:cNvSpPr/>
+          <p:nvPr/>
+        </p:nvSpPr>
+        <p:spPr>
+          <a:xfrm>
+            <a:off x="5562600" y="1540426"/>
+            <a:ext cx="1332722" cy="372350"/>
+          </a:xfrm>
+          <a:prstGeom prst="rect">
+            <a:avLst/>
+          </a:prstGeom>
+          <a:noFill/>
+          <a:ln w="63500"/>
+        </p:spPr>
+        <p:style>
+          <a:lnRef idx="2">
+            <a:schemeClr val="accent1">
+              <a:shade val="15000"/>
+            </a:schemeClr>
+          </a:lnRef>
+          <a:fillRef idx="1">
+            <a:schemeClr val="accent1"/>
+          </a:fillRef>
+          <a:effectRef idx="0">
+            <a:schemeClr val="accent1"/>
+          </a:effectRef>
+          <a:fontRef idx="minor">
+            <a:schemeClr val="lt1"/>
+          </a:fontRef>
+        </p:style>
+        <p:txBody>
+          <a:bodyPr rtlCol="0" anchor="ctr"/>
+          <a:lstStyle/>
+          <a:p>
+            <a:pPr algn="ctr"/>
+            <a:endParaRPr lang="en-SG"/>
+          </a:p>
+        </p:txBody>
+      </p:sp>
+      <p:sp>
+        <p:nvSpPr>
+          <p:cNvPr id="12" name="Rectangle 11">
+            <a:extLst>
+              <a:ext uri="{FF2B5EF4-FFF2-40B4-BE49-F238E27FC236}">
+                <a16:creationId xmlns:a16="http://schemas.microsoft.com/office/drawing/2014/main" id="{9CBAB439-D6C5-E6F2-32AF-1F43591CE121}"/>
+              </a:ext>
+            </a:extLst>
+          </p:cNvPr>
+          <p:cNvSpPr/>
+          <p:nvPr/>
+        </p:nvSpPr>
+        <p:spPr>
+          <a:xfrm>
+            <a:off x="6895322" y="1540426"/>
+            <a:ext cx="1045029" cy="372350"/>
+          </a:xfrm>
+          <a:prstGeom prst="rect">
+            <a:avLst/>
+          </a:prstGeom>
+          <a:noFill/>
+          <a:ln w="63500"/>
+        </p:spPr>
+        <p:style>
+          <a:lnRef idx="2">
+            <a:schemeClr val="accent1">
+              <a:shade val="15000"/>
+            </a:schemeClr>
+          </a:lnRef>
+          <a:fillRef idx="1">
+            <a:schemeClr val="accent1"/>
+          </a:fillRef>
+          <a:effectRef idx="0">
+            <a:schemeClr val="accent1"/>
+          </a:effectRef>
+          <a:fontRef idx="minor">
+            <a:schemeClr val="lt1"/>
+          </a:fontRef>
+        </p:style>
+        <p:txBody>
+          <a:bodyPr rtlCol="0" anchor="ctr"/>
+          <a:lstStyle/>
+          <a:p>
+            <a:pPr algn="ctr"/>
+            <a:endParaRPr lang="en-SG"/>
+          </a:p>
+        </p:txBody>
+      </p:sp>
+      <p:sp>
+        <p:nvSpPr>
+          <p:cNvPr id="13" name="Rectangle 12">
+            <a:extLst>
+              <a:ext uri="{FF2B5EF4-FFF2-40B4-BE49-F238E27FC236}">
+                <a16:creationId xmlns:a16="http://schemas.microsoft.com/office/drawing/2014/main" id="{3505AF42-51F7-1CA5-35CB-FBEA8A771544}"/>
+              </a:ext>
+            </a:extLst>
+          </p:cNvPr>
+          <p:cNvSpPr/>
+          <p:nvPr/>
+        </p:nvSpPr>
+        <p:spPr>
+          <a:xfrm>
+            <a:off x="7940351" y="1543537"/>
+            <a:ext cx="1520890" cy="372350"/>
+          </a:xfrm>
+          <a:prstGeom prst="rect">
+            <a:avLst/>
+          </a:prstGeom>
+          <a:noFill/>
+          <a:ln w="63500"/>
+        </p:spPr>
+        <p:style>
+          <a:lnRef idx="2">
+            <a:schemeClr val="accent1">
+              <a:shade val="15000"/>
+            </a:schemeClr>
+          </a:lnRef>
+          <a:fillRef idx="1">
+            <a:schemeClr val="accent1"/>
+          </a:fillRef>
+          <a:effectRef idx="0">
+            <a:schemeClr val="accent1"/>
+          </a:effectRef>
+          <a:fontRef idx="minor">
+            <a:schemeClr val="lt1"/>
+          </a:fontRef>
+        </p:style>
+        <p:txBody>
+          <a:bodyPr rtlCol="0" anchor="ctr"/>
+          <a:lstStyle/>
+          <a:p>
+            <a:pPr algn="ctr"/>
+            <a:endParaRPr lang="en-SG"/>
+          </a:p>
+        </p:txBody>
+      </p:sp>
+      <p:sp>
+        <p:nvSpPr>
+          <p:cNvPr id="14" name="Rectangle 13">
+            <a:extLst>
+              <a:ext uri="{FF2B5EF4-FFF2-40B4-BE49-F238E27FC236}">
+                <a16:creationId xmlns:a16="http://schemas.microsoft.com/office/drawing/2014/main" id="{48AE5770-E736-A91E-C292-752C962BA539}"/>
+              </a:ext>
+            </a:extLst>
+          </p:cNvPr>
+          <p:cNvSpPr/>
+          <p:nvPr/>
+        </p:nvSpPr>
+        <p:spPr>
+          <a:xfrm>
+            <a:off x="9442580" y="1540426"/>
+            <a:ext cx="839755" cy="372350"/>
+          </a:xfrm>
+          <a:prstGeom prst="rect">
+            <a:avLst/>
+          </a:prstGeom>
+          <a:noFill/>
+          <a:ln w="63500"/>
+        </p:spPr>
+        <p:style>
+          <a:lnRef idx="2">
+            <a:schemeClr val="accent1">
+              <a:shade val="15000"/>
+            </a:schemeClr>
+          </a:lnRef>
+          <a:fillRef idx="1">
+            <a:schemeClr val="accent1"/>
+          </a:fillRef>
+          <a:effectRef idx="0">
+            <a:schemeClr val="accent1"/>
+          </a:effectRef>
+          <a:fontRef idx="minor">
+            <a:schemeClr val="lt1"/>
+          </a:fontRef>
+        </p:style>
+        <p:txBody>
+          <a:bodyPr rtlCol="0" anchor="ctr"/>
+          <a:lstStyle/>
+          <a:p>
+            <a:pPr algn="ctr"/>
+            <a:endParaRPr lang="en-SG"/>
+          </a:p>
+        </p:txBody>
+      </p:sp>
+      <p:pic>
+        <p:nvPicPr>
+          <p:cNvPr id="17" name="Picture 16">
+            <a:extLst>
+              <a:ext uri="{FF2B5EF4-FFF2-40B4-BE49-F238E27FC236}">
+                <a16:creationId xmlns:a16="http://schemas.microsoft.com/office/drawing/2014/main" id="{A56B944A-2383-A42F-01D6-77E83AFD81AD}"/>
+              </a:ext>
+            </a:extLst>
+          </p:cNvPr>
+          <p:cNvPicPr>
+            <a:picLocks noChangeAspect="1"/>
+          </p:cNvPicPr>
+          <p:nvPr/>
+        </p:nvPicPr>
+        <p:blipFill>
+          <a:blip r:embed="rId4"/>
+          <a:stretch>
+            <a:fillRect/>
+          </a:stretch>
+        </p:blipFill>
+        <p:spPr>
+          <a:xfrm>
+            <a:off x="361950" y="361620"/>
+            <a:ext cx="11468100" cy="2962275"/>
+          </a:xfrm>
+          <a:prstGeom prst="rect">
+            <a:avLst/>
+          </a:prstGeom>
+        </p:spPr>
+      </p:pic>
+    </p:spTree>
+    <p:extLst>
+      <p:ext uri="{BB962C8B-B14F-4D97-AF65-F5344CB8AC3E}">
+        <p14:creationId xmlns:p14="http://schemas.microsoft.com/office/powerpoint/2010/main" val="128187032"/>
+      </p:ext>
+    </p:extLst>
+  </p:cSld>
+  <p:clrMapOvr>
+    <a:masterClrMapping/>
+  </p:clrMapOvr>
+  <p:timing>
+    <p:tnLst>
+      <p:par>
+        <p:cTn id="1" dur="indefinite" restart="never" nodeType="tmRoot">
+          <p:childTnLst>
+            <p:seq concurrent="1" nextAc="seek">
+              <p:cTn id="2" dur="indefinite" nodeType="mainSeq">
+                <p:childTnLst>
+                  <p:par>
+                    <p:cTn id="3" fill="hold">
+                      <p:stCondLst>
+                        <p:cond delay="indefinite"/>
+                      </p:stCondLst>
+                      <p:childTnLst>
+                        <p:par>
+                          <p:cTn id="4" fill="hold">
+                            <p:stCondLst>
+                              <p:cond delay="0"/>
+                            </p:stCondLst>
+                            <p:childTnLst>
+                              <p:par>
+                                <p:cTn id="5" presetID="2" presetClass="entr" presetSubtype="4" fill="hold" nodeType="clickEffect">
+                                  <p:stCondLst>
+                                    <p:cond delay="0"/>
+                                  </p:stCondLst>
+                                  <p:childTnLst>
+                                    <p:set>
+                                      <p:cBhvr>
+                                        <p:cTn id="6" dur="1" fill="hold">
+                                          <p:stCondLst>
+                                            <p:cond delay="0"/>
+                                          </p:stCondLst>
+                                        </p:cTn>
+                                        <p:tgtEl>
+                                          <p:spTgt spid="10"/>
+                                        </p:tgtEl>
+                                        <p:attrNameLst>
+                                          <p:attrName>style.visibility</p:attrName>
+                                        </p:attrNameLst>
+                                      </p:cBhvr>
+                                      <p:to>
+                                        <p:strVal val="visible"/>
+                                      </p:to>
+                                    </p:set>
+                                    <p:anim calcmode="lin" valueType="num">
+                                      <p:cBhvr additive="base">
+                                        <p:cTn id="7" dur="500" fill="hold"/>
+                                        <p:tgtEl>
+                                          <p:spTgt spid="10"/>
+                                        </p:tgtEl>
+                                        <p:attrNameLst>
+                                          <p:attrName>ppt_x</p:attrName>
+                                        </p:attrNameLst>
+                                      </p:cBhvr>
+                                      <p:tavLst>
+                                        <p:tav tm="0">
+                                          <p:val>
+                                            <p:strVal val="#ppt_x"/>
+                                          </p:val>
+                                        </p:tav>
+                                        <p:tav tm="100000">
+                                          <p:val>
+                                            <p:strVal val="#ppt_x"/>
+                                          </p:val>
+                                        </p:tav>
+                                      </p:tavLst>
+                                    </p:anim>
+                                    <p:anim calcmode="lin" valueType="num">
+                                      <p:cBhvr additive="base">
+                                        <p:cTn id="8" dur="500" fill="hold"/>
+                                        <p:tgtEl>
+                                          <p:spTgt spid="10"/>
+                                        </p:tgtEl>
+                                        <p:attrNameLst>
+                                          <p:attrName>ppt_y</p:attrName>
+                                        </p:attrNameLst>
+                                      </p:cBhvr>
+                                      <p:tavLst>
+                                        <p:tav tm="0">
+                                          <p:val>
+                                            <p:strVal val="1+#ppt_h/2"/>
+                                          </p:val>
+                                        </p:tav>
+                                        <p:tav tm="100000">
+                                          <p:val>
+                                            <p:strVal val="#ppt_y"/>
+                                          </p:val>
+                                        </p:tav>
+                                      </p:tavLst>
+                                    </p:anim>
+                                  </p:childTnLst>
+                                </p:cTn>
+                              </p:par>
+                            </p:childTnLst>
+                          </p:cTn>
+                        </p:par>
+                      </p:childTnLst>
+                    </p:cTn>
+                  </p:par>
+                  <p:par>
+                    <p:cTn id="9" fill="hold">
+                      <p:stCondLst>
+                        <p:cond delay="indefinite"/>
+                      </p:stCondLst>
+                      <p:childTnLst>
+                        <p:par>
+                          <p:cTn id="10" fill="hold">
+                            <p:stCondLst>
+                              <p:cond delay="0"/>
+                            </p:stCondLst>
+                            <p:childTnLst>
+                              <p:par>
+                                <p:cTn id="11" presetID="1" presetClass="exit" presetSubtype="0" fill="hold" nodeType="clickEffect">
+                                  <p:stCondLst>
+                                    <p:cond delay="0"/>
+                                  </p:stCondLst>
+                                  <p:childTnLst>
+                                    <p:set>
+                                      <p:cBhvr>
+                                        <p:cTn id="12" dur="1" fill="hold">
+                                          <p:stCondLst>
+                                            <p:cond delay="0"/>
+                                          </p:stCondLst>
+                                        </p:cTn>
+                                        <p:tgtEl>
+                                          <p:spTgt spid="10"/>
+                                        </p:tgtEl>
+                                        <p:attrNameLst>
+                                          <p:attrName>style.visibility</p:attrName>
+                                        </p:attrNameLst>
+                                      </p:cBhvr>
+                                      <p:to>
+                                        <p:strVal val="hidden"/>
+                                      </p:to>
+                                    </p:set>
+                                  </p:childTnLst>
+                                </p:cTn>
+                              </p:par>
+                            </p:childTnLst>
+                          </p:cTn>
+                        </p:par>
+                      </p:childTnLst>
+                    </p:cTn>
+                  </p:par>
+                  <p:par>
+                    <p:cTn id="13" fill="hold">
+                      <p:stCondLst>
+                        <p:cond delay="indefinite"/>
+                      </p:stCondLst>
+                      <p:childTnLst>
+                        <p:par>
+                          <p:cTn id="14" fill="hold">
+                            <p:stCondLst>
+                              <p:cond delay="0"/>
+                            </p:stCondLst>
+                            <p:childTnLst>
+                              <p:par>
+                                <p:cTn id="15" presetID="2" presetClass="entr" presetSubtype="4" fill="hold" grpId="0" nodeType="clickEffect">
+                                  <p:stCondLst>
+                                    <p:cond delay="0"/>
+                                  </p:stCondLst>
+                                  <p:childTnLst>
+                                    <p:set>
+                                      <p:cBhvr>
+                                        <p:cTn id="16" dur="1" fill="hold">
+                                          <p:stCondLst>
+                                            <p:cond delay="0"/>
+                                          </p:stCondLst>
+                                        </p:cTn>
+                                        <p:tgtEl>
+                                          <p:spTgt spid="11"/>
+                                        </p:tgtEl>
+                                        <p:attrNameLst>
+                                          <p:attrName>style.visibility</p:attrName>
+                                        </p:attrNameLst>
+                                      </p:cBhvr>
+                                      <p:to>
+                                        <p:strVal val="visible"/>
+                                      </p:to>
+                                    </p:set>
+                                    <p:anim calcmode="lin" valueType="num">
+                                      <p:cBhvr additive="base">
+                                        <p:cTn id="17" dur="500" fill="hold"/>
+                                        <p:tgtEl>
+                                          <p:spTgt spid="11"/>
+                                        </p:tgtEl>
+                                        <p:attrNameLst>
+                                          <p:attrName>ppt_x</p:attrName>
+                                        </p:attrNameLst>
+                                      </p:cBhvr>
+                                      <p:tavLst>
+                                        <p:tav tm="0">
+                                          <p:val>
+                                            <p:strVal val="#ppt_x"/>
+                                          </p:val>
+                                        </p:tav>
+                                        <p:tav tm="100000">
+                                          <p:val>
+                                            <p:strVal val="#ppt_x"/>
+                                          </p:val>
+                                        </p:tav>
+                                      </p:tavLst>
+                                    </p:anim>
+                                    <p:anim calcmode="lin" valueType="num">
+                                      <p:cBhvr additive="base">
+                                        <p:cTn id="18" dur="500" fill="hold"/>
+                                        <p:tgtEl>
+                                          <p:spTgt spid="11"/>
+                                        </p:tgtEl>
+                                        <p:attrNameLst>
+                                          <p:attrName>ppt_y</p:attrName>
+                                        </p:attrNameLst>
+                                      </p:cBhvr>
+                                      <p:tavLst>
+                                        <p:tav tm="0">
+                                          <p:val>
+                                            <p:strVal val="1+#ppt_h/2"/>
+                                          </p:val>
+                                        </p:tav>
+                                        <p:tav tm="100000">
+                                          <p:val>
+                                            <p:strVal val="#ppt_y"/>
+                                          </p:val>
+                                        </p:tav>
+                                      </p:tavLst>
+                                    </p:anim>
+                                  </p:childTnLst>
+                                </p:cTn>
+                              </p:par>
+                            </p:childTnLst>
+                          </p:cTn>
+                        </p:par>
+                      </p:childTnLst>
+                    </p:cTn>
+                  </p:par>
+                  <p:par>
+                    <p:cTn id="19" fill="hold">
+                      <p:stCondLst>
+                        <p:cond delay="indefinite"/>
+                      </p:stCondLst>
+                      <p:childTnLst>
+                        <p:par>
+                          <p:cTn id="20" fill="hold">
+                            <p:stCondLst>
+                              <p:cond delay="0"/>
+                            </p:stCondLst>
+                            <p:childTnLst>
+                              <p:par>
+                                <p:cTn id="21" presetID="1" presetClass="exit" presetSubtype="0" fill="hold" grpId="1" nodeType="clickEffect">
+                                  <p:stCondLst>
+                                    <p:cond delay="0"/>
+                                  </p:stCondLst>
+                                  <p:childTnLst>
+                                    <p:set>
+                                      <p:cBhvr>
+                                        <p:cTn id="22" dur="1" fill="hold">
+                                          <p:stCondLst>
+                                            <p:cond delay="0"/>
+                                          </p:stCondLst>
+                                        </p:cTn>
+                                        <p:tgtEl>
+                                          <p:spTgt spid="11"/>
+                                        </p:tgtEl>
+                                        <p:attrNameLst>
+                                          <p:attrName>style.visibility</p:attrName>
+                                        </p:attrNameLst>
+                                      </p:cBhvr>
+                                      <p:to>
+                                        <p:strVal val="hidden"/>
+                                      </p:to>
+                                    </p:set>
+                                  </p:childTnLst>
+                                </p:cTn>
+                              </p:par>
+                            </p:childTnLst>
+                          </p:cTn>
+                        </p:par>
+                      </p:childTnLst>
+                    </p:cTn>
+                  </p:par>
+                  <p:par>
+                    <p:cTn id="23" fill="hold">
+                      <p:stCondLst>
+                        <p:cond delay="indefinite"/>
+                      </p:stCondLst>
+                      <p:childTnLst>
+                        <p:par>
+                          <p:cTn id="24" fill="hold">
+                            <p:stCondLst>
+                              <p:cond delay="0"/>
+                            </p:stCondLst>
+                            <p:childTnLst>
+                              <p:par>
+                                <p:cTn id="25" presetID="2" presetClass="entr" presetSubtype="4" fill="hold" grpId="0" nodeType="clickEffect">
+                                  <p:stCondLst>
+                                    <p:cond delay="0"/>
+                                  </p:stCondLst>
+                                  <p:childTnLst>
+                                    <p:set>
+                                      <p:cBhvr>
+                                        <p:cTn id="26" dur="1" fill="hold">
+                                          <p:stCondLst>
+                                            <p:cond delay="0"/>
+                                          </p:stCondLst>
+                                        </p:cTn>
+                                        <p:tgtEl>
+                                          <p:spTgt spid="12"/>
+                                        </p:tgtEl>
+                                        <p:attrNameLst>
+                                          <p:attrName>style.visibility</p:attrName>
+                                        </p:attrNameLst>
+                                      </p:cBhvr>
+                                      <p:to>
+                                        <p:strVal val="visible"/>
+                                      </p:to>
+                                    </p:set>
+                                    <p:anim calcmode="lin" valueType="num">
+                                      <p:cBhvr additive="base">
+                                        <p:cTn id="27" dur="500" fill="hold"/>
+                                        <p:tgtEl>
+                                          <p:spTgt spid="12"/>
+                                        </p:tgtEl>
+                                        <p:attrNameLst>
+                                          <p:attrName>ppt_x</p:attrName>
+                                        </p:attrNameLst>
+                                      </p:cBhvr>
+                                      <p:tavLst>
+                                        <p:tav tm="0">
+                                          <p:val>
+                                            <p:strVal val="#ppt_x"/>
+                                          </p:val>
+                                        </p:tav>
+                                        <p:tav tm="100000">
+                                          <p:val>
+                                            <p:strVal val="#ppt_x"/>
+                                          </p:val>
+                                        </p:tav>
+                                      </p:tavLst>
+                                    </p:anim>
+                                    <p:anim calcmode="lin" valueType="num">
+                                      <p:cBhvr additive="base">
+                                        <p:cTn id="28" dur="500" fill="hold"/>
+                                        <p:tgtEl>
+                                          <p:spTgt spid="12"/>
+                                        </p:tgtEl>
+                                        <p:attrNameLst>
+                                          <p:attrName>ppt_y</p:attrName>
+                                        </p:attrNameLst>
+                                      </p:cBhvr>
+                                      <p:tavLst>
+                                        <p:tav tm="0">
+                                          <p:val>
+                                            <p:strVal val="1+#ppt_h/2"/>
+                                          </p:val>
+                                        </p:tav>
+                                        <p:tav tm="100000">
+                                          <p:val>
+                                            <p:strVal val="#ppt_y"/>
+                                          </p:val>
+                                        </p:tav>
+                                      </p:tavLst>
+                                    </p:anim>
+                                  </p:childTnLst>
+                                </p:cTn>
+                              </p:par>
+                            </p:childTnLst>
+                          </p:cTn>
+                        </p:par>
+                      </p:childTnLst>
+                    </p:cTn>
+                  </p:par>
+                  <p:par>
+                    <p:cTn id="29" fill="hold">
+                      <p:stCondLst>
+                        <p:cond delay="indefinite"/>
+                      </p:stCondLst>
+                      <p:childTnLst>
+                        <p:par>
+                          <p:cTn id="30" fill="hold">
+                            <p:stCondLst>
+                              <p:cond delay="0"/>
+                            </p:stCondLst>
+                            <p:childTnLst>
+                              <p:par>
+                                <p:cTn id="31" presetID="1" presetClass="exit" presetSubtype="0" fill="hold" grpId="1" nodeType="clickEffect">
+                                  <p:stCondLst>
+                                    <p:cond delay="0"/>
+                                  </p:stCondLst>
+                                  <p:childTnLst>
+                                    <p:set>
+                                      <p:cBhvr>
+                                        <p:cTn id="32" dur="1" fill="hold">
+                                          <p:stCondLst>
+                                            <p:cond delay="0"/>
+                                          </p:stCondLst>
+                                        </p:cTn>
+                                        <p:tgtEl>
+                                          <p:spTgt spid="12"/>
+                                        </p:tgtEl>
+                                        <p:attrNameLst>
+                                          <p:attrName>style.visibility</p:attrName>
+                                        </p:attrNameLst>
+                                      </p:cBhvr>
+                                      <p:to>
+                                        <p:strVal val="hidden"/>
+                                      </p:to>
+                                    </p:set>
+                                  </p:childTnLst>
+                                </p:cTn>
+                              </p:par>
+                            </p:childTnLst>
+                          </p:cTn>
+                        </p:par>
+                      </p:childTnLst>
+                    </p:cTn>
+                  </p:par>
+                  <p:par>
+                    <p:cTn id="33" fill="hold">
+                      <p:stCondLst>
+                        <p:cond delay="indefinite"/>
+                      </p:stCondLst>
+                      <p:childTnLst>
+                        <p:par>
+                          <p:cTn id="34" fill="hold">
+                            <p:stCondLst>
+                              <p:cond delay="0"/>
+                            </p:stCondLst>
+                            <p:childTnLst>
+                              <p:par>
+                                <p:cTn id="35" presetID="2" presetClass="entr" presetSubtype="4" fill="hold" grpId="0" nodeType="clickEffect">
+                                  <p:stCondLst>
+                                    <p:cond delay="0"/>
+                                  </p:stCondLst>
+                                  <p:childTnLst>
+                                    <p:set>
+                                      <p:cBhvr>
+                                        <p:cTn id="36" dur="1" fill="hold">
+                                          <p:stCondLst>
+                                            <p:cond delay="0"/>
+                                          </p:stCondLst>
+                                        </p:cTn>
+                                        <p:tgtEl>
+                                          <p:spTgt spid="13"/>
+                                        </p:tgtEl>
+                                        <p:attrNameLst>
+                                          <p:attrName>style.visibility</p:attrName>
+                                        </p:attrNameLst>
+                                      </p:cBhvr>
+                                      <p:to>
+                                        <p:strVal val="visible"/>
+                                      </p:to>
+                                    </p:set>
+                                    <p:anim calcmode="lin" valueType="num">
+                                      <p:cBhvr additive="base">
+                                        <p:cTn id="37" dur="500" fill="hold"/>
+                                        <p:tgtEl>
+                                          <p:spTgt spid="13"/>
+                                        </p:tgtEl>
+                                        <p:attrNameLst>
+                                          <p:attrName>ppt_x</p:attrName>
+                                        </p:attrNameLst>
+                                      </p:cBhvr>
+                                      <p:tavLst>
+                                        <p:tav tm="0">
+                                          <p:val>
+                                            <p:strVal val="#ppt_x"/>
+                                          </p:val>
+                                        </p:tav>
+                                        <p:tav tm="100000">
+                                          <p:val>
+                                            <p:strVal val="#ppt_x"/>
+                                          </p:val>
+                                        </p:tav>
+                                      </p:tavLst>
+                                    </p:anim>
+                                    <p:anim calcmode="lin" valueType="num">
+                                      <p:cBhvr additive="base">
+                                        <p:cTn id="38" dur="500" fill="hold"/>
+                                        <p:tgtEl>
+                                          <p:spTgt spid="13"/>
+                                        </p:tgtEl>
+                                        <p:attrNameLst>
+                                          <p:attrName>ppt_y</p:attrName>
+                                        </p:attrNameLst>
+                                      </p:cBhvr>
+                                      <p:tavLst>
+                                        <p:tav tm="0">
+                                          <p:val>
+                                            <p:strVal val="1+#ppt_h/2"/>
+                                          </p:val>
+                                        </p:tav>
+                                        <p:tav tm="100000">
+                                          <p:val>
+                                            <p:strVal val="#ppt_y"/>
+                                          </p:val>
+                                        </p:tav>
+                                      </p:tavLst>
+                                    </p:anim>
+                                  </p:childTnLst>
+                                </p:cTn>
+                              </p:par>
+                            </p:childTnLst>
+                          </p:cTn>
+                        </p:par>
+                      </p:childTnLst>
+                    </p:cTn>
+                  </p:par>
+                  <p:par>
+                    <p:cTn id="39" fill="hold">
+                      <p:stCondLst>
+                        <p:cond delay="indefinite"/>
+                      </p:stCondLst>
+                      <p:childTnLst>
+                        <p:par>
+                          <p:cTn id="40" fill="hold">
+                            <p:stCondLst>
+                              <p:cond delay="0"/>
+                            </p:stCondLst>
+                            <p:childTnLst>
+                              <p:par>
+                                <p:cTn id="41" presetID="1" presetClass="exit" presetSubtype="0" fill="hold" grpId="1" nodeType="clickEffect">
+                                  <p:stCondLst>
+                                    <p:cond delay="0"/>
+                                  </p:stCondLst>
+                                  <p:childTnLst>
+                                    <p:set>
+                                      <p:cBhvr>
+                                        <p:cTn id="42" dur="1" fill="hold">
+                                          <p:stCondLst>
+                                            <p:cond delay="0"/>
+                                          </p:stCondLst>
+                                        </p:cTn>
+                                        <p:tgtEl>
+                                          <p:spTgt spid="13"/>
+                                        </p:tgtEl>
+                                        <p:attrNameLst>
+                                          <p:attrName>style.visibility</p:attrName>
+                                        </p:attrNameLst>
+                                      </p:cBhvr>
+                                      <p:to>
+                                        <p:strVal val="hidden"/>
+                                      </p:to>
+                                    </p:set>
+                                  </p:childTnLst>
+                                </p:cTn>
+                              </p:par>
+                            </p:childTnLst>
+                          </p:cTn>
+                        </p:par>
+                      </p:childTnLst>
+                    </p:cTn>
+                  </p:par>
+                  <p:par>
+                    <p:cTn id="43" fill="hold">
+                      <p:stCondLst>
+                        <p:cond delay="indefinite"/>
+                      </p:stCondLst>
+                      <p:childTnLst>
+                        <p:par>
+                          <p:cTn id="44" fill="hold">
+                            <p:stCondLst>
+                              <p:cond delay="0"/>
+                            </p:stCondLst>
+                            <p:childTnLst>
+                              <p:par>
+                                <p:cTn id="45" presetID="2" presetClass="entr" presetSubtype="4" fill="hold" grpId="0" nodeType="clickEffect">
+                                  <p:stCondLst>
+                                    <p:cond delay="0"/>
+                                  </p:stCondLst>
+                                  <p:childTnLst>
+                                    <p:set>
+                                      <p:cBhvr>
+                                        <p:cTn id="46" dur="1" fill="hold">
+                                          <p:stCondLst>
+                                            <p:cond delay="0"/>
+                                          </p:stCondLst>
+                                        </p:cTn>
+                                        <p:tgtEl>
+                                          <p:spTgt spid="14"/>
+                                        </p:tgtEl>
+                                        <p:attrNameLst>
+                                          <p:attrName>style.visibility</p:attrName>
+                                        </p:attrNameLst>
+                                      </p:cBhvr>
+                                      <p:to>
+                                        <p:strVal val="visible"/>
+                                      </p:to>
+                                    </p:set>
+                                    <p:anim calcmode="lin" valueType="num">
+                                      <p:cBhvr additive="base">
+                                        <p:cTn id="47" dur="500" fill="hold"/>
+                                        <p:tgtEl>
+                                          <p:spTgt spid="14"/>
+                                        </p:tgtEl>
+                                        <p:attrNameLst>
+                                          <p:attrName>ppt_x</p:attrName>
+                                        </p:attrNameLst>
+                                      </p:cBhvr>
+                                      <p:tavLst>
+                                        <p:tav tm="0">
+                                          <p:val>
+                                            <p:strVal val="#ppt_x"/>
+                                          </p:val>
+                                        </p:tav>
+                                        <p:tav tm="100000">
+                                          <p:val>
+                                            <p:strVal val="#ppt_x"/>
+                                          </p:val>
+                                        </p:tav>
+                                      </p:tavLst>
+                                    </p:anim>
+                                    <p:anim calcmode="lin" valueType="num">
+                                      <p:cBhvr additive="base">
+                                        <p:cTn id="48" dur="500" fill="hold"/>
+                                        <p:tgtEl>
+                                          <p:spTgt spid="14"/>
+                                        </p:tgtEl>
+                                        <p:attrNameLst>
+                                          <p:attrName>ppt_y</p:attrName>
+                                        </p:attrNameLst>
+                                      </p:cBhvr>
+                                      <p:tavLst>
+                                        <p:tav tm="0">
+                                          <p:val>
+                                            <p:strVal val="1+#ppt_h/2"/>
+                                          </p:val>
+                                        </p:tav>
+                                        <p:tav tm="100000">
+                                          <p:val>
+                                            <p:strVal val="#ppt_y"/>
+                                          </p:val>
+                                        </p:tav>
+                                      </p:tavLst>
+                                    </p:anim>
+                                  </p:childTnLst>
+                                </p:cTn>
+                              </p:par>
+                            </p:childTnLst>
+                          </p:cTn>
+                        </p:par>
+                      </p:childTnLst>
+                    </p:cTn>
+                  </p:par>
+                  <p:par>
+                    <p:cTn id="49" fill="hold">
+                      <p:stCondLst>
+                        <p:cond delay="indefinite"/>
+                      </p:stCondLst>
+                      <p:childTnLst>
+                        <p:par>
+                          <p:cTn id="50" fill="hold">
+                            <p:stCondLst>
+                              <p:cond delay="0"/>
+                            </p:stCondLst>
+                            <p:childTnLst>
+                              <p:par>
+                                <p:cTn id="51" presetID="1" presetClass="exit" presetSubtype="0" fill="hold" grpId="1" nodeType="clickEffect">
+                                  <p:stCondLst>
+                                    <p:cond delay="0"/>
+                                  </p:stCondLst>
+                                  <p:childTnLst>
+                                    <p:set>
+                                      <p:cBhvr>
+                                        <p:cTn id="52" dur="1" fill="hold">
+                                          <p:stCondLst>
+                                            <p:cond delay="0"/>
+                                          </p:stCondLst>
+                                        </p:cTn>
+                                        <p:tgtEl>
+                                          <p:spTgt spid="14"/>
+                                        </p:tgtEl>
+                                        <p:attrNameLst>
+                                          <p:attrName>style.visibility</p:attrName>
+                                        </p:attrNameLst>
+                                      </p:cBhvr>
+                                      <p:to>
+                                        <p:strVal val="hidden"/>
+                                      </p:to>
+                                    </p:set>
+                                  </p:childTnLst>
+                                </p:cTn>
+                              </p:par>
+                            </p:childTnLst>
+                          </p:cTn>
+                        </p:par>
+                      </p:childTnLst>
+                    </p:cTn>
+                  </p:par>
+                  <p:par>
+                    <p:cTn id="53" fill="hold">
+                      <p:stCondLst>
+                        <p:cond delay="indefinite"/>
+                      </p:stCondLst>
+                      <p:childTnLst>
+                        <p:par>
+                          <p:cTn id="54" fill="hold">
+                            <p:stCondLst>
+                              <p:cond delay="0"/>
+                            </p:stCondLst>
+                            <p:childTnLst>
+                              <p:par>
+                                <p:cTn id="55" presetID="2" presetClass="entr" presetSubtype="4" fill="hold" nodeType="clickEffect">
+                                  <p:stCondLst>
+                                    <p:cond delay="0"/>
+                                  </p:stCondLst>
+                                  <p:childTnLst>
+                                    <p:set>
+                                      <p:cBhvr>
+                                        <p:cTn id="56" dur="1" fill="hold">
+                                          <p:stCondLst>
+                                            <p:cond delay="0"/>
+                                          </p:stCondLst>
+                                        </p:cTn>
+                                        <p:tgtEl>
+                                          <p:spTgt spid="17"/>
+                                        </p:tgtEl>
+                                        <p:attrNameLst>
+                                          <p:attrName>style.visibility</p:attrName>
+                                        </p:attrNameLst>
+                                      </p:cBhvr>
+                                      <p:to>
+                                        <p:strVal val="visible"/>
+                                      </p:to>
+                                    </p:set>
+                                    <p:anim calcmode="lin" valueType="num">
+                                      <p:cBhvr additive="base">
+                                        <p:cTn id="57" dur="500" fill="hold"/>
+                                        <p:tgtEl>
+                                          <p:spTgt spid="17"/>
+                                        </p:tgtEl>
+                                        <p:attrNameLst>
+                                          <p:attrName>ppt_x</p:attrName>
+                                        </p:attrNameLst>
+                                      </p:cBhvr>
+                                      <p:tavLst>
+                                        <p:tav tm="0">
+                                          <p:val>
+                                            <p:strVal val="#ppt_x"/>
+                                          </p:val>
+                                        </p:tav>
+                                        <p:tav tm="100000">
+                                          <p:val>
+                                            <p:strVal val="#ppt_x"/>
+                                          </p:val>
+                                        </p:tav>
+                                      </p:tavLst>
+                                    </p:anim>
+                                    <p:anim calcmode="lin" valueType="num">
+                                      <p:cBhvr additive="base">
+                                        <p:cTn id="58" dur="500" fill="hold"/>
+                                        <p:tgtEl>
+                                          <p:spTgt spid="17"/>
+                                        </p:tgtEl>
+                                        <p:attrNameLst>
+                                          <p:attrName>ppt_y</p:attrName>
+                                        </p:attrNameLst>
+                                      </p:cBhvr>
+                                      <p:tavLst>
+                                        <p:tav tm="0">
+                                          <p:val>
+                                            <p:strVal val="1+#ppt_h/2"/>
+                                          </p:val>
+                                        </p:tav>
+                                        <p:tav tm="100000">
+                                          <p:val>
+                                            <p:strVal val="#ppt_y"/>
+                                          </p:val>
+                                        </p:tav>
+                                      </p:tavLst>
+                                    </p:anim>
+                                  </p:childTnLst>
+                                </p:cTn>
+                              </p:par>
+                            </p:childTnLst>
+                          </p:cTn>
+                        </p:par>
+                      </p:childTnLst>
+                    </p:cTn>
+                  </p:par>
+                  <p:par>
+                    <p:cTn id="59" fill="hold">
+                      <p:stCondLst>
+                        <p:cond delay="indefinite"/>
+                      </p:stCondLst>
+                      <p:childTnLst>
+                        <p:par>
+                          <p:cTn id="60" fill="hold">
+                            <p:stCondLst>
+                              <p:cond delay="0"/>
+                            </p:stCondLst>
+                            <p:childTnLst>
+                              <p:par>
+                                <p:cTn id="61" presetID="1" presetClass="exit" presetSubtype="0" fill="hold" nodeType="clickEffect">
+                                  <p:stCondLst>
+                                    <p:cond delay="0"/>
+                                  </p:stCondLst>
+                                  <p:childTnLst>
+                                    <p:set>
+                                      <p:cBhvr>
+                                        <p:cTn id="62" dur="1" fill="hold">
+                                          <p:stCondLst>
+                                            <p:cond delay="0"/>
+                                          </p:stCondLst>
+                                        </p:cTn>
+                                        <p:tgtEl>
+                                          <p:spTgt spid="17"/>
+                                        </p:tgtEl>
+                                        <p:attrNameLst>
+                                          <p:attrName>style.visibility</p:attrName>
+                                        </p:attrNameLst>
+                                      </p:cBhvr>
+                                      <p:to>
+                                        <p:strVal val="hidden"/>
+                                      </p:to>
+                                    </p:set>
+                                  </p:childTnLst>
+                                </p:cTn>
+                              </p:par>
+                            </p:childTnLst>
+                          </p:cTn>
+                        </p:par>
+                      </p:childTnLst>
+                    </p:cTn>
+                  </p:par>
+                </p:childTnLst>
+              </p:cTn>
+              <p:prevCondLst>
+                <p:cond evt="onPrev" delay="0">
+                  <p:tgtEl>
+                    <p:sldTgt/>
+                  </p:tgtEl>
+                </p:cond>
+              </p:prevCondLst>
+              <p:nextCondLst>
+                <p:cond evt="onNext" delay="0">
+                  <p:tgtEl>
+                    <p:sldTgt/>
+                  </p:tgtEl>
+                </p:cond>
+              </p:nextCondLst>
+            </p:seq>
+          </p:childTnLst>
+        </p:cTn>
+      </p:par>
+    </p:tnLst>
+    <p:bldLst>
+      <p:bldP spid="11" grpId="0" animBg="1"/>
+      <p:bldP spid="11" grpId="1" animBg="1"/>
+      <p:bldP spid="12" grpId="0" animBg="1"/>
+      <p:bldP spid="12" grpId="1" animBg="1"/>
+      <p:bldP spid="13" grpId="0" animBg="1"/>
+      <p:bldP spid="13" grpId="1" animBg="1"/>
+      <p:bldP spid="14" grpId="0" animBg="1"/>
+      <p:bldP spid="14" grpId="1" animBg="1"/>
+    </p:bldLst>
+  </p:timing>
+</p:sld>
+</file>
+
+<file path=ppt/slides/slide11.xml><?xml version="1.0" encoding="utf-8"?>
+<p:sld xmlns:a="http://schemas.openxmlformats.org/drawingml/2006/main" xmlns:r="http://schemas.openxmlformats.org/officeDocument/2006/relationships" xmlns:p="http://schemas.openxmlformats.org/presentationml/2006/main">
+  <p:cSld>
+    <p:spTree>
+      <p:nvGrpSpPr>
+        <p:cNvPr id="1" name=""/>
+        <p:cNvGrpSpPr/>
+        <p:nvPr/>
+      </p:nvGrpSpPr>
+      <p:grpSpPr>
+        <a:xfrm>
+          <a:off x="0" y="0"/>
+          <a:ext cx="0" cy="0"/>
+          <a:chOff x="0" y="0"/>
+          <a:chExt cx="0" cy="0"/>
+        </a:xfrm>
+      </p:grpSpPr>
+      <p:pic>
+        <p:nvPicPr>
+          <p:cNvPr id="3" name="Picture 2">
+            <a:extLst>
+              <a:ext uri="{FF2B5EF4-FFF2-40B4-BE49-F238E27FC236}">
+                <a16:creationId xmlns:a16="http://schemas.microsoft.com/office/drawing/2014/main" id="{6CB2D11A-6C68-C43A-2199-04339A08C01E}"/>
+              </a:ext>
+            </a:extLst>
+          </p:cNvPr>
+          <p:cNvPicPr>
+            <a:picLocks noChangeAspect="1"/>
+          </p:cNvPicPr>
+          <p:nvPr/>
+        </p:nvPicPr>
+        <p:blipFill>
+          <a:blip r:embed="rId2"/>
+          <a:stretch>
+            <a:fillRect/>
+          </a:stretch>
+        </p:blipFill>
+        <p:spPr>
+          <a:xfrm>
+            <a:off x="924410" y="586662"/>
+            <a:ext cx="6181725" cy="6057900"/>
+          </a:xfrm>
+          <a:prstGeom prst="rect">
+            <a:avLst/>
+          </a:prstGeom>
+        </p:spPr>
+      </p:pic>
+      <p:grpSp>
+        <p:nvGrpSpPr>
+          <p:cNvPr id="10" name="Group 9">
+            <a:extLst>
+              <a:ext uri="{FF2B5EF4-FFF2-40B4-BE49-F238E27FC236}">
+                <a16:creationId xmlns:a16="http://schemas.microsoft.com/office/drawing/2014/main" id="{6AC5EF34-FC6C-5C30-3B2E-8204D616C4B2}"/>
+              </a:ext>
+            </a:extLst>
+          </p:cNvPr>
+          <p:cNvGrpSpPr/>
+          <p:nvPr/>
+        </p:nvGrpSpPr>
+        <p:grpSpPr>
+          <a:xfrm>
+            <a:off x="6366655" y="419722"/>
+            <a:ext cx="4988660" cy="3484352"/>
+            <a:chOff x="6347995" y="2362775"/>
+            <a:chExt cx="4988660" cy="3484352"/>
+          </a:xfrm>
+        </p:grpSpPr>
+        <p:pic>
+          <p:nvPicPr>
+            <p:cNvPr id="6" name="Picture 5">
+              <a:extLst>
+                <a:ext uri="{FF2B5EF4-FFF2-40B4-BE49-F238E27FC236}">
+                  <a16:creationId xmlns:a16="http://schemas.microsoft.com/office/drawing/2014/main" id="{0C1F232D-CC70-260E-60B5-77448CE1C5BB}"/>
+                </a:ext>
+              </a:extLst>
+            </p:cNvPr>
+            <p:cNvPicPr>
+              <a:picLocks noChangeAspect="1"/>
+            </p:cNvPicPr>
+            <p:nvPr/>
+          </p:nvPicPr>
+          <p:blipFill>
+            <a:blip r:embed="rId3"/>
+            <a:stretch>
+              <a:fillRect/>
+            </a:stretch>
+          </p:blipFill>
+          <p:spPr>
+            <a:xfrm>
+              <a:off x="6347995" y="2362775"/>
+              <a:ext cx="4988660" cy="3484352"/>
+            </a:xfrm>
+            <a:prstGeom prst="rect">
+              <a:avLst/>
+            </a:prstGeom>
+          </p:spPr>
+        </p:pic>
+        <p:sp>
+          <p:nvSpPr>
+            <p:cNvPr id="9" name="TextBox 8">
+              <a:extLst>
+                <a:ext uri="{FF2B5EF4-FFF2-40B4-BE49-F238E27FC236}">
+                  <a16:creationId xmlns:a16="http://schemas.microsoft.com/office/drawing/2014/main" id="{D23F48EC-4BA4-E7AC-A162-D8042A753686}"/>
+                </a:ext>
+              </a:extLst>
+            </p:cNvPr>
+            <p:cNvSpPr txBox="1"/>
+            <p:nvPr/>
+          </p:nvSpPr>
+          <p:spPr>
+            <a:xfrm>
+              <a:off x="6347995" y="2422976"/>
+              <a:ext cx="4988660" cy="276999"/>
+            </a:xfrm>
+            <a:prstGeom prst="rect">
+              <a:avLst/>
+            </a:prstGeom>
+            <a:solidFill>
+              <a:schemeClr val="bg2"/>
+            </a:solidFill>
+          </p:spPr>
+          <p:txBody>
+            <a:bodyPr wrap="square" rtlCol="0">
+              <a:spAutoFit/>
+            </a:bodyPr>
+            <a:lstStyle/>
+            <a:p>
+              <a:r>
+                <a:rPr lang="en-US" sz="1200" dirty="0"/>
+                <a:t>192.168.0.243?key=STOP</a:t>
+              </a:r>
+              <a:endParaRPr lang="en-SG" sz="1200" dirty="0"/>
+            </a:p>
+          </p:txBody>
+        </p:sp>
+      </p:grpSp>
+      <p:grpSp>
+        <p:nvGrpSpPr>
+          <p:cNvPr id="2" name="Group 1">
+            <a:extLst>
+              <a:ext uri="{FF2B5EF4-FFF2-40B4-BE49-F238E27FC236}">
+                <a16:creationId xmlns:a16="http://schemas.microsoft.com/office/drawing/2014/main" id="{9283CAB5-2610-6427-ACFD-32649DB086E6}"/>
+              </a:ext>
+            </a:extLst>
+          </p:cNvPr>
+          <p:cNvGrpSpPr/>
+          <p:nvPr/>
+        </p:nvGrpSpPr>
+        <p:grpSpPr>
+          <a:xfrm>
+            <a:off x="4674247" y="4237977"/>
+            <a:ext cx="7793395" cy="1807505"/>
+            <a:chOff x="1534885" y="1728160"/>
+            <a:chExt cx="7793395" cy="1807505"/>
+          </a:xfrm>
+        </p:grpSpPr>
+        <p:sp>
+          <p:nvSpPr>
+            <p:cNvPr id="4" name="Rectangle 3">
+              <a:extLst>
+                <a:ext uri="{FF2B5EF4-FFF2-40B4-BE49-F238E27FC236}">
+                  <a16:creationId xmlns:a16="http://schemas.microsoft.com/office/drawing/2014/main" id="{A5E1B3A0-61F8-7EB0-6E8B-E0095209D873}"/>
+                </a:ext>
+              </a:extLst>
+            </p:cNvPr>
+            <p:cNvSpPr/>
+            <p:nvPr/>
+          </p:nvSpPr>
+          <p:spPr>
+            <a:xfrm>
+              <a:off x="1534885" y="1728160"/>
+              <a:ext cx="7793395" cy="1807505"/>
+            </a:xfrm>
+            <a:prstGeom prst="rect">
+              <a:avLst/>
+            </a:prstGeom>
+          </p:spPr>
+          <p:style>
+            <a:lnRef idx="2">
+              <a:schemeClr val="accent1">
+                <a:shade val="15000"/>
+              </a:schemeClr>
+            </a:lnRef>
+            <a:fillRef idx="1">
+              <a:schemeClr val="accent1"/>
+            </a:fillRef>
+            <a:effectRef idx="0">
+              <a:schemeClr val="accent1"/>
+            </a:effectRef>
+            <a:fontRef idx="minor">
+              <a:schemeClr val="lt1"/>
+            </a:fontRef>
+          </p:style>
+          <p:txBody>
+            <a:bodyPr rtlCol="0" anchor="ctr"/>
+            <a:lstStyle/>
+            <a:p>
+              <a:pPr algn="ctr"/>
+              <a:endParaRPr lang="en-SG"/>
+            </a:p>
+          </p:txBody>
+        </p:sp>
+        <p:pic>
+          <p:nvPicPr>
+            <p:cNvPr id="5" name="Picture 4">
+              <a:extLst>
+                <a:ext uri="{FF2B5EF4-FFF2-40B4-BE49-F238E27FC236}">
+                  <a16:creationId xmlns:a16="http://schemas.microsoft.com/office/drawing/2014/main" id="{DC274A2A-8750-4525-2096-9E69F6AFAD49}"/>
+                </a:ext>
+              </a:extLst>
+            </p:cNvPr>
+            <p:cNvPicPr>
+              <a:picLocks noChangeAspect="1"/>
+            </p:cNvPicPr>
+            <p:nvPr/>
+          </p:nvPicPr>
+          <p:blipFill>
+            <a:blip r:embed="rId4"/>
+            <a:stretch>
+              <a:fillRect/>
+            </a:stretch>
+          </p:blipFill>
+          <p:spPr>
+            <a:xfrm>
+              <a:off x="1858541" y="1912776"/>
+              <a:ext cx="7058025" cy="1438275"/>
+            </a:xfrm>
+            <a:prstGeom prst="rect">
+              <a:avLst/>
+            </a:prstGeom>
+          </p:spPr>
+        </p:pic>
+      </p:grpSp>
+    </p:spTree>
+    <p:extLst>
+      <p:ext uri="{BB962C8B-B14F-4D97-AF65-F5344CB8AC3E}">
+        <p14:creationId xmlns:p14="http://schemas.microsoft.com/office/powerpoint/2010/main" val="4282018284"/>
+      </p:ext>
+    </p:extLst>
+  </p:cSld>
+  <p:clrMapOvr>
+    <a:masterClrMapping/>
+  </p:clrMapOvr>
+  <p:timing>
+    <p:tnLst>
+      <p:par>
+        <p:cTn id="1" dur="indefinite" restart="never" nodeType="tmRoot">
+          <p:childTnLst>
+            <p:seq concurrent="1" nextAc="seek">
+              <p:cTn id="2" dur="indefinite" nodeType="mainSeq">
+                <p:childTnLst>
+                  <p:par>
+                    <p:cTn id="3" fill="hold">
+                      <p:stCondLst>
+                        <p:cond delay="indefinite"/>
+                      </p:stCondLst>
+                      <p:childTnLst>
+                        <p:par>
+                          <p:cTn id="4" fill="hold">
+                            <p:stCondLst>
+                              <p:cond delay="0"/>
+                            </p:stCondLst>
+                            <p:childTnLst>
+                              <p:par>
+                                <p:cTn id="5" presetID="2" presetClass="entr" presetSubtype="4" fill="hold" nodeType="clickEffect">
+                                  <p:stCondLst>
+                                    <p:cond delay="0"/>
+                                  </p:stCondLst>
+                                  <p:childTnLst>
+                                    <p:set>
+                                      <p:cBhvr>
+                                        <p:cTn id="6" dur="1" fill="hold">
+                                          <p:stCondLst>
+                                            <p:cond delay="0"/>
+                                          </p:stCondLst>
+                                        </p:cTn>
+                                        <p:tgtEl>
+                                          <p:spTgt spid="10"/>
+                                        </p:tgtEl>
+                                        <p:attrNameLst>
+                                          <p:attrName>style.visibility</p:attrName>
+                                        </p:attrNameLst>
+                                      </p:cBhvr>
+                                      <p:to>
+                                        <p:strVal val="visible"/>
+                                      </p:to>
+                                    </p:set>
+                                    <p:anim calcmode="lin" valueType="num">
+                                      <p:cBhvr additive="base">
+                                        <p:cTn id="7" dur="500" fill="hold"/>
+                                        <p:tgtEl>
+                                          <p:spTgt spid="10"/>
+                                        </p:tgtEl>
+                                        <p:attrNameLst>
+                                          <p:attrName>ppt_x</p:attrName>
+                                        </p:attrNameLst>
+                                      </p:cBhvr>
+                                      <p:tavLst>
+                                        <p:tav tm="0">
+                                          <p:val>
+                                            <p:strVal val="#ppt_x"/>
+                                          </p:val>
+                                        </p:tav>
+                                        <p:tav tm="100000">
+                                          <p:val>
+                                            <p:strVal val="#ppt_x"/>
+                                          </p:val>
+                                        </p:tav>
+                                      </p:tavLst>
+                                    </p:anim>
+                                    <p:anim calcmode="lin" valueType="num">
+                                      <p:cBhvr additive="base">
+                                        <p:cTn id="8" dur="500" fill="hold"/>
+                                        <p:tgtEl>
+                                          <p:spTgt spid="10"/>
+                                        </p:tgtEl>
+                                        <p:attrNameLst>
+                                          <p:attrName>ppt_y</p:attrName>
+                                        </p:attrNameLst>
+                                      </p:cBhvr>
+                                      <p:tavLst>
+                                        <p:tav tm="0">
+                                          <p:val>
+                                            <p:strVal val="1+#ppt_h/2"/>
+                                          </p:val>
+                                        </p:tav>
+                                        <p:tav tm="100000">
+                                          <p:val>
+                                            <p:strVal val="#ppt_y"/>
+                                          </p:val>
+                                        </p:tav>
+                                      </p:tavLst>
+                                    </p:anim>
+                                  </p:childTnLst>
+                                </p:cTn>
+                              </p:par>
+                            </p:childTnLst>
+                          </p:cTn>
+                        </p:par>
+                      </p:childTnLst>
+                    </p:cTn>
+                  </p:par>
+                  <p:par>
+                    <p:cTn id="9" fill="hold">
+                      <p:stCondLst>
+                        <p:cond delay="indefinite"/>
+                      </p:stCondLst>
+                      <p:childTnLst>
+                        <p:par>
+                          <p:cTn id="10" fill="hold">
+                            <p:stCondLst>
+                              <p:cond delay="0"/>
+                            </p:stCondLst>
+                            <p:childTnLst>
+                              <p:par>
+                                <p:cTn id="11" presetID="2" presetClass="entr" presetSubtype="4" fill="hold" nodeType="clickEffect">
+                                  <p:stCondLst>
+                                    <p:cond delay="0"/>
+                                  </p:stCondLst>
+                                  <p:childTnLst>
+                                    <p:set>
+                                      <p:cBhvr>
+                                        <p:cTn id="12" dur="1" fill="hold">
+                                          <p:stCondLst>
+                                            <p:cond delay="0"/>
+                                          </p:stCondLst>
+                                        </p:cTn>
+                                        <p:tgtEl>
+                                          <p:spTgt spid="2"/>
+                                        </p:tgtEl>
+                                        <p:attrNameLst>
+                                          <p:attrName>style.visibility</p:attrName>
+                                        </p:attrNameLst>
+                                      </p:cBhvr>
+                                      <p:to>
+                                        <p:strVal val="visible"/>
+                                      </p:to>
+                                    </p:set>
+                                    <p:anim calcmode="lin" valueType="num">
+                                      <p:cBhvr additive="base">
+                                        <p:cTn id="13" dur="500" fill="hold"/>
+                                        <p:tgtEl>
+                                          <p:spTgt spid="2"/>
+                                        </p:tgtEl>
+                                        <p:attrNameLst>
+                                          <p:attrName>ppt_x</p:attrName>
+                                        </p:attrNameLst>
+                                      </p:cBhvr>
+                                      <p:tavLst>
+                                        <p:tav tm="0">
+                                          <p:val>
+                                            <p:strVal val="#ppt_x"/>
+                                          </p:val>
+                                        </p:tav>
+                                        <p:tav tm="100000">
+                                          <p:val>
+                                            <p:strVal val="#ppt_x"/>
+                                          </p:val>
+                                        </p:tav>
+                                      </p:tavLst>
+                                    </p:anim>
+                                    <p:anim calcmode="lin" valueType="num">
+                                      <p:cBhvr additive="base">
+                                        <p:cTn id="14" dur="500" fill="hold"/>
+                                        <p:tgtEl>
+                                          <p:spTgt spid="2"/>
+                                        </p:tgtEl>
+                                        <p:attrNameLst>
+                                          <p:attrName>ppt_y</p:attrName>
+                                        </p:attrNameLst>
+                                      </p:cBhvr>
+                                      <p:tavLst>
+                                        <p:tav tm="0">
+                                          <p:val>
+                                            <p:strVal val="1+#ppt_h/2"/>
+                                          </p:val>
+                                        </p:tav>
+                                        <p:tav tm="100000">
+                                          <p:val>
+                                            <p:strVal val="#ppt_y"/>
+                                          </p:val>
+                                        </p:tav>
+                                      </p:tavLst>
+                                    </p:anim>
+                                  </p:childTnLst>
+                                </p:cTn>
+                              </p:par>
+                            </p:childTnLst>
+                          </p:cTn>
+                        </p:par>
+                      </p:childTnLst>
+                    </p:cTn>
+                  </p:par>
+                </p:childTnLst>
+              </p:cTn>
+              <p:prevCondLst>
+                <p:cond evt="onPrev" delay="0">
+                  <p:tgtEl>
+                    <p:sldTgt/>
+                  </p:tgtEl>
+                </p:cond>
+              </p:prevCondLst>
+              <p:nextCondLst>
+                <p:cond evt="onNext" delay="0">
+                  <p:tgtEl>
+                    <p:sldTgt/>
+                  </p:tgtEl>
+                </p:cond>
+              </p:nextCondLst>
+            </p:seq>
+          </p:childTnLst>
+        </p:cTn>
+      </p:par>
+    </p:tnLst>
+  </p:timing>
+</p:sld>
+</file>
+
+<file path=ppt/slides/slide12.xml><?xml version="1.0" encoding="utf-8"?>
+<p:sld xmlns:a="http://schemas.openxmlformats.org/drawingml/2006/main" xmlns:r="http://schemas.openxmlformats.org/officeDocument/2006/relationships" xmlns:p="http://schemas.openxmlformats.org/presentationml/2006/main">
+  <p:cSld>
+    <p:spTree>
+      <p:nvGrpSpPr>
+        <p:cNvPr id="1" name=""/>
+        <p:cNvGrpSpPr/>
+        <p:nvPr/>
+      </p:nvGrpSpPr>
+      <p:grpSpPr>
+        <a:xfrm>
+          <a:off x="0" y="0"/>
+          <a:ext cx="0" cy="0"/>
+          <a:chOff x="0" y="0"/>
+          <a:chExt cx="0" cy="0"/>
+        </a:xfrm>
+      </p:grpSpPr>
+      <p:grpSp>
+        <p:nvGrpSpPr>
+          <p:cNvPr id="5" name="Group 4">
+            <a:extLst>
+              <a:ext uri="{FF2B5EF4-FFF2-40B4-BE49-F238E27FC236}">
+                <a16:creationId xmlns:a16="http://schemas.microsoft.com/office/drawing/2014/main" id="{3CA41C4F-1B51-28F1-03F0-0F66E45AA03B}"/>
+              </a:ext>
+            </a:extLst>
+          </p:cNvPr>
+          <p:cNvGrpSpPr/>
+          <p:nvPr/>
+        </p:nvGrpSpPr>
+        <p:grpSpPr>
+          <a:xfrm>
+            <a:off x="1557878" y="827706"/>
+            <a:ext cx="8687138" cy="5162548"/>
+            <a:chOff x="1557878" y="827706"/>
+            <a:chExt cx="8687138" cy="5162548"/>
+          </a:xfrm>
+        </p:grpSpPr>
+        <p:grpSp>
+          <p:nvGrpSpPr>
+            <p:cNvPr id="24" name="Group 23">
+              <a:extLst>
+                <a:ext uri="{FF2B5EF4-FFF2-40B4-BE49-F238E27FC236}">
+                  <a16:creationId xmlns:a16="http://schemas.microsoft.com/office/drawing/2014/main" id="{6BECB40F-6902-56D8-BDAC-478C92D37F65}"/>
+                </a:ext>
+              </a:extLst>
+            </p:cNvPr>
+            <p:cNvGrpSpPr/>
+            <p:nvPr/>
+          </p:nvGrpSpPr>
+          <p:grpSpPr>
+            <a:xfrm>
+              <a:off x="1557878" y="827706"/>
+              <a:ext cx="8687138" cy="5162548"/>
+              <a:chOff x="736779" y="566448"/>
+              <a:chExt cx="8687138" cy="5162548"/>
+            </a:xfrm>
+          </p:grpSpPr>
+          <p:sp>
+            <p:nvSpPr>
+              <p:cNvPr id="2" name="Oval 1">
+                <a:extLst>
+                  <a:ext uri="{FF2B5EF4-FFF2-40B4-BE49-F238E27FC236}">
+                    <a16:creationId xmlns:a16="http://schemas.microsoft.com/office/drawing/2014/main" id="{5F99D81D-132B-96FE-7DF4-CB1A05FE7089}"/>
+                  </a:ext>
+                </a:extLst>
+              </p:cNvPr>
+              <p:cNvSpPr/>
+              <p:nvPr/>
+            </p:nvSpPr>
+            <p:spPr>
+              <a:xfrm>
+                <a:off x="2444620" y="1073020"/>
+                <a:ext cx="6979297" cy="4655976"/>
+              </a:xfrm>
+              <a:prstGeom prst="ellipse">
+                <a:avLst/>
+              </a:prstGeom>
+              <a:noFill/>
+              <a:ln w="25400"/>
+            </p:spPr>
+            <p:style>
+              <a:lnRef idx="2">
+                <a:schemeClr val="accent1">
+                  <a:shade val="15000"/>
+                </a:schemeClr>
+              </a:lnRef>
+              <a:fillRef idx="1">
+                <a:schemeClr val="accent1"/>
+              </a:fillRef>
+              <a:effectRef idx="0">
+                <a:schemeClr val="accent1"/>
+              </a:effectRef>
+              <a:fontRef idx="minor">
+                <a:schemeClr val="lt1"/>
+              </a:fontRef>
+            </p:style>
+            <p:txBody>
+              <a:bodyPr rtlCol="0" anchor="ctr"/>
+              <a:lstStyle/>
+              <a:p>
+                <a:pPr algn="ctr"/>
+                <a:endParaRPr lang="en-SG"/>
+              </a:p>
+            </p:txBody>
+          </p:sp>
+          <p:pic>
+            <p:nvPicPr>
+              <p:cNvPr id="4" name="Picture 3">
+                <a:extLst>
+                  <a:ext uri="{FF2B5EF4-FFF2-40B4-BE49-F238E27FC236}">
+                    <a16:creationId xmlns:a16="http://schemas.microsoft.com/office/drawing/2014/main" id="{3B3730DC-B9CF-BC6C-365C-8A214D42B67A}"/>
+                  </a:ext>
+                </a:extLst>
+              </p:cNvPr>
+              <p:cNvPicPr>
+                <a:picLocks noChangeAspect="1"/>
+              </p:cNvPicPr>
+              <p:nvPr/>
+            </p:nvPicPr>
+            <p:blipFill>
+              <a:blip r:embed="rId2"/>
+              <a:stretch>
+                <a:fillRect/>
+              </a:stretch>
+            </p:blipFill>
+            <p:spPr>
+              <a:xfrm>
+                <a:off x="2351946" y="3840623"/>
+                <a:ext cx="1895475" cy="1838325"/>
+              </a:xfrm>
+              <a:prstGeom prst="rect">
+                <a:avLst/>
+              </a:prstGeom>
+            </p:spPr>
+          </p:pic>
+          <p:grpSp>
+            <p:nvGrpSpPr>
+              <p:cNvPr id="9" name="Group 8">
+                <a:extLst>
+                  <a:ext uri="{FF2B5EF4-FFF2-40B4-BE49-F238E27FC236}">
+                    <a16:creationId xmlns:a16="http://schemas.microsoft.com/office/drawing/2014/main" id="{393388F9-39CF-3E84-DB44-9318E05AC191}"/>
+                  </a:ext>
+                </a:extLst>
+              </p:cNvPr>
+              <p:cNvGrpSpPr/>
+              <p:nvPr/>
+            </p:nvGrpSpPr>
+            <p:grpSpPr>
+              <a:xfrm>
+                <a:off x="7079310" y="4287028"/>
+                <a:ext cx="1933575" cy="1390650"/>
+                <a:chOff x="7079310" y="4287028"/>
+                <a:chExt cx="1933575" cy="1390650"/>
+              </a:xfrm>
+            </p:grpSpPr>
+            <p:pic>
+              <p:nvPicPr>
+                <p:cNvPr id="6" name="Picture 5">
+                  <a:extLst>
+                    <a:ext uri="{FF2B5EF4-FFF2-40B4-BE49-F238E27FC236}">
+                      <a16:creationId xmlns:a16="http://schemas.microsoft.com/office/drawing/2014/main" id="{3AB42160-98A3-8ABB-5F4E-087F2D9CFC5A}"/>
+                    </a:ext>
+                  </a:extLst>
+                </p:cNvPr>
+                <p:cNvPicPr>
+                  <a:picLocks noChangeAspect="1"/>
+                </p:cNvPicPr>
+                <p:nvPr/>
+              </p:nvPicPr>
+              <p:blipFill>
+                <a:blip r:embed="rId3"/>
+                <a:stretch>
+                  <a:fillRect/>
+                </a:stretch>
+              </p:blipFill>
+              <p:spPr>
+                <a:xfrm>
+                  <a:off x="7079310" y="4287028"/>
+                  <a:ext cx="1933575" cy="1390650"/>
+                </a:xfrm>
+                <a:prstGeom prst="rect">
+                  <a:avLst/>
+                </a:prstGeom>
+              </p:spPr>
+            </p:pic>
+            <p:pic>
+              <p:nvPicPr>
+                <p:cNvPr id="8" name="Picture 7">
+                  <a:extLst>
+                    <a:ext uri="{FF2B5EF4-FFF2-40B4-BE49-F238E27FC236}">
+                      <a16:creationId xmlns:a16="http://schemas.microsoft.com/office/drawing/2014/main" id="{72C197B9-5A7D-4566-C688-EAC410D27C7F}"/>
+                    </a:ext>
+                  </a:extLst>
+                </p:cNvPr>
+                <p:cNvPicPr>
+                  <a:picLocks noChangeAspect="1"/>
+                </p:cNvPicPr>
+                <p:nvPr/>
+              </p:nvPicPr>
+              <p:blipFill>
+                <a:blip r:embed="rId4"/>
+                <a:stretch>
+                  <a:fillRect/>
+                </a:stretch>
+              </p:blipFill>
+              <p:spPr>
+                <a:xfrm>
+                  <a:off x="7660433" y="4799931"/>
+                  <a:ext cx="824058" cy="364843"/>
+                </a:xfrm>
+                <a:prstGeom prst="rect">
+                  <a:avLst/>
+                </a:prstGeom>
+              </p:spPr>
+            </p:pic>
+          </p:grpSp>
+          <p:grpSp>
+            <p:nvGrpSpPr>
+              <p:cNvPr id="13" name="Group 12">
+                <a:extLst>
+                  <a:ext uri="{FF2B5EF4-FFF2-40B4-BE49-F238E27FC236}">
+                    <a16:creationId xmlns:a16="http://schemas.microsoft.com/office/drawing/2014/main" id="{0F33076F-FD54-821A-3791-797DD300172C}"/>
+                  </a:ext>
+                </a:extLst>
+              </p:cNvPr>
+              <p:cNvGrpSpPr/>
+              <p:nvPr/>
+            </p:nvGrpSpPr>
+            <p:grpSpPr>
+              <a:xfrm>
+                <a:off x="8072462" y="1173077"/>
+                <a:ext cx="1095375" cy="1905000"/>
+                <a:chOff x="8072462" y="1173077"/>
+                <a:chExt cx="1095375" cy="1905000"/>
+              </a:xfrm>
+            </p:grpSpPr>
+            <p:pic>
+              <p:nvPicPr>
+                <p:cNvPr id="11" name="Picture 10">
+                  <a:extLst>
+                    <a:ext uri="{FF2B5EF4-FFF2-40B4-BE49-F238E27FC236}">
+                      <a16:creationId xmlns:a16="http://schemas.microsoft.com/office/drawing/2014/main" id="{E1B7CF1D-50BD-9E7D-D0F7-8FF753A83274}"/>
+                    </a:ext>
+                  </a:extLst>
+                </p:cNvPr>
+                <p:cNvPicPr>
+                  <a:picLocks noChangeAspect="1"/>
+                </p:cNvPicPr>
+                <p:nvPr/>
+              </p:nvPicPr>
+              <p:blipFill>
+                <a:blip r:embed="rId5"/>
+                <a:stretch>
+                  <a:fillRect/>
+                </a:stretch>
+              </p:blipFill>
+              <p:spPr>
+                <a:xfrm>
+                  <a:off x="8072462" y="1173077"/>
+                  <a:ext cx="1095375" cy="1905000"/>
+                </a:xfrm>
+                <a:prstGeom prst="rect">
+                  <a:avLst/>
+                </a:prstGeom>
+              </p:spPr>
+            </p:pic>
+            <p:pic>
+              <p:nvPicPr>
+                <p:cNvPr id="12" name="Picture 11">
+                  <a:extLst>
+                    <a:ext uri="{FF2B5EF4-FFF2-40B4-BE49-F238E27FC236}">
+                      <a16:creationId xmlns:a16="http://schemas.microsoft.com/office/drawing/2014/main" id="{D067460A-6F02-C217-0C29-970566EEDDDA}"/>
+                    </a:ext>
+                  </a:extLst>
+                </p:cNvPr>
+                <p:cNvPicPr>
+                  <a:picLocks noChangeAspect="1"/>
+                </p:cNvPicPr>
+                <p:nvPr/>
+              </p:nvPicPr>
+              <p:blipFill>
+                <a:blip r:embed="rId4"/>
+                <a:stretch>
+                  <a:fillRect/>
+                </a:stretch>
+              </p:blipFill>
+              <p:spPr>
+                <a:xfrm>
+                  <a:off x="8266921" y="1510803"/>
+                  <a:ext cx="745964" cy="1185743"/>
+                </a:xfrm>
+                <a:prstGeom prst="rect">
+                  <a:avLst/>
+                </a:prstGeom>
+              </p:spPr>
+            </p:pic>
+          </p:grpSp>
+          <p:sp>
+            <p:nvSpPr>
+              <p:cNvPr id="14" name="TextBox 13">
+                <a:extLst>
+                  <a:ext uri="{FF2B5EF4-FFF2-40B4-BE49-F238E27FC236}">
+                    <a16:creationId xmlns:a16="http://schemas.microsoft.com/office/drawing/2014/main" id="{E1ED924D-FD6D-8CCD-F9BB-F45E47333F79}"/>
+                  </a:ext>
+                </a:extLst>
+              </p:cNvPr>
+              <p:cNvSpPr txBox="1"/>
+              <p:nvPr/>
+            </p:nvSpPr>
+            <p:spPr>
+              <a:xfrm>
+                <a:off x="4752117" y="2354182"/>
+                <a:ext cx="2364302" cy="369332"/>
+              </a:xfrm>
+              <a:prstGeom prst="rect">
+                <a:avLst/>
+              </a:prstGeom>
+              <a:noFill/>
+            </p:spPr>
+            <p:txBody>
+              <a:bodyPr wrap="none" rtlCol="0">
+                <a:spAutoFit/>
+              </a:bodyPr>
+              <a:lstStyle/>
+              <a:p>
+                <a:r>
+                  <a:rPr lang="en-US" dirty="0"/>
+                  <a:t>LOCAL AREA NETWORK</a:t>
+                </a:r>
+                <a:endParaRPr lang="en-SG" dirty="0"/>
+              </a:p>
+            </p:txBody>
+          </p:sp>
+          <p:pic>
+            <p:nvPicPr>
+              <p:cNvPr id="16" name="Picture 15">
+                <a:extLst>
+                  <a:ext uri="{FF2B5EF4-FFF2-40B4-BE49-F238E27FC236}">
+                    <a16:creationId xmlns:a16="http://schemas.microsoft.com/office/drawing/2014/main" id="{9F92566F-E750-2AB6-8375-0290BAC580DF}"/>
+                  </a:ext>
+                </a:extLst>
+              </p:cNvPr>
+              <p:cNvPicPr>
+                <a:picLocks noChangeAspect="1"/>
+              </p:cNvPicPr>
+              <p:nvPr/>
+            </p:nvPicPr>
+            <p:blipFill>
+              <a:blip r:embed="rId6"/>
+              <a:stretch>
+                <a:fillRect/>
+              </a:stretch>
+            </p:blipFill>
+            <p:spPr>
+              <a:xfrm>
+                <a:off x="3186089" y="566448"/>
+                <a:ext cx="1866900" cy="1485900"/>
+              </a:xfrm>
+              <a:prstGeom prst="rect">
+                <a:avLst/>
+              </a:prstGeom>
+            </p:spPr>
+          </p:pic>
+          <p:grpSp>
+            <p:nvGrpSpPr>
+              <p:cNvPr id="17" name="Group 16">
+                <a:extLst>
+                  <a:ext uri="{FF2B5EF4-FFF2-40B4-BE49-F238E27FC236}">
+                    <a16:creationId xmlns:a16="http://schemas.microsoft.com/office/drawing/2014/main" id="{0FF937B0-8509-70C3-0B82-EA1ED2B62B77}"/>
+                  </a:ext>
+                </a:extLst>
+              </p:cNvPr>
+              <p:cNvGrpSpPr/>
+              <p:nvPr/>
+            </p:nvGrpSpPr>
+            <p:grpSpPr>
+              <a:xfrm>
+                <a:off x="736779" y="827705"/>
+                <a:ext cx="877417" cy="1644907"/>
+                <a:chOff x="8072462" y="1173077"/>
+                <a:chExt cx="1095375" cy="1905000"/>
+              </a:xfrm>
+            </p:grpSpPr>
+            <p:pic>
+              <p:nvPicPr>
+                <p:cNvPr id="18" name="Picture 17">
+                  <a:extLst>
+                    <a:ext uri="{FF2B5EF4-FFF2-40B4-BE49-F238E27FC236}">
+                      <a16:creationId xmlns:a16="http://schemas.microsoft.com/office/drawing/2014/main" id="{C73556F0-DC0A-90E5-1B1C-F0AA48B48958}"/>
+                    </a:ext>
+                  </a:extLst>
+                </p:cNvPr>
+                <p:cNvPicPr>
+                  <a:picLocks noChangeAspect="1"/>
+                </p:cNvPicPr>
+                <p:nvPr/>
+              </p:nvPicPr>
+              <p:blipFill>
+                <a:blip r:embed="rId5"/>
+                <a:stretch>
+                  <a:fillRect/>
+                </a:stretch>
+              </p:blipFill>
+              <p:spPr>
+                <a:xfrm>
+                  <a:off x="8072462" y="1173077"/>
+                  <a:ext cx="1095375" cy="1905000"/>
+                </a:xfrm>
+                <a:prstGeom prst="rect">
+                  <a:avLst/>
+                </a:prstGeom>
+              </p:spPr>
+            </p:pic>
+            <p:pic>
+              <p:nvPicPr>
+                <p:cNvPr id="19" name="Picture 18">
+                  <a:extLst>
+                    <a:ext uri="{FF2B5EF4-FFF2-40B4-BE49-F238E27FC236}">
+                      <a16:creationId xmlns:a16="http://schemas.microsoft.com/office/drawing/2014/main" id="{5DED1D28-B4F7-DCF8-69C3-F2EDDA64ADA6}"/>
+                    </a:ext>
+                  </a:extLst>
+                </p:cNvPr>
+                <p:cNvPicPr>
+                  <a:picLocks noChangeAspect="1"/>
+                </p:cNvPicPr>
+                <p:nvPr/>
+              </p:nvPicPr>
+              <p:blipFill>
+                <a:blip r:embed="rId4"/>
+                <a:stretch>
+                  <a:fillRect/>
+                </a:stretch>
+              </p:blipFill>
+              <p:spPr>
+                <a:xfrm>
+                  <a:off x="8266921" y="1510803"/>
+                  <a:ext cx="745964" cy="1185743"/>
+                </a:xfrm>
+                <a:prstGeom prst="rect">
+                  <a:avLst/>
+                </a:prstGeom>
+              </p:spPr>
+            </p:pic>
+          </p:grpSp>
+          <p:cxnSp>
+            <p:nvCxnSpPr>
+              <p:cNvPr id="21" name="Connector: Elbow 20">
+                <a:extLst>
+                  <a:ext uri="{FF2B5EF4-FFF2-40B4-BE49-F238E27FC236}">
+                    <a16:creationId xmlns:a16="http://schemas.microsoft.com/office/drawing/2014/main" id="{4CA5E539-3F45-6128-C06E-2BF20BFCDCF9}"/>
+                  </a:ext>
+                </a:extLst>
+              </p:cNvPr>
+              <p:cNvCxnSpPr>
+                <a:cxnSpLocks/>
+              </p:cNvCxnSpPr>
+              <p:nvPr/>
+            </p:nvCxnSpPr>
+            <p:spPr>
+              <a:xfrm>
+                <a:off x="1680516" y="1173077"/>
+                <a:ext cx="1381453" cy="337726"/>
+              </a:xfrm>
+              <a:prstGeom prst="bentConnector3">
+                <a:avLst/>
+              </a:prstGeom>
+              <a:ln w="41275">
+                <a:headEnd type="triangle"/>
+                <a:tailEnd type="triangle"/>
+              </a:ln>
+            </p:spPr>
+            <p:style>
+              <a:lnRef idx="1">
+                <a:schemeClr val="accent1"/>
+              </a:lnRef>
+              <a:fillRef idx="0">
+                <a:schemeClr val="accent1"/>
+              </a:fillRef>
+              <a:effectRef idx="0">
+                <a:schemeClr val="accent1"/>
+              </a:effectRef>
+              <a:fontRef idx="minor">
+                <a:schemeClr val="tx1"/>
+              </a:fontRef>
+            </p:style>
+          </p:cxnSp>
+        </p:grpSp>
+        <p:sp>
+          <p:nvSpPr>
+            <p:cNvPr id="3" name="TextBox 2">
+              <a:extLst>
+                <a:ext uri="{FF2B5EF4-FFF2-40B4-BE49-F238E27FC236}">
+                  <a16:creationId xmlns:a16="http://schemas.microsoft.com/office/drawing/2014/main" id="{C510E5C7-7FA6-87F4-4020-A63BEC4C4DB1}"/>
+                </a:ext>
+              </a:extLst>
+            </p:cNvPr>
+            <p:cNvSpPr txBox="1"/>
+            <p:nvPr/>
+          </p:nvSpPr>
+          <p:spPr>
+            <a:xfrm>
+              <a:off x="2311175" y="4549584"/>
+              <a:ext cx="1527982" cy="369332"/>
+            </a:xfrm>
+            <a:prstGeom prst="rect">
+              <a:avLst/>
+            </a:prstGeom>
+            <a:solidFill>
+              <a:srgbClr val="FFC000"/>
+            </a:solidFill>
+          </p:spPr>
+          <p:txBody>
+            <a:bodyPr wrap="none" rtlCol="0">
+              <a:spAutoFit/>
+            </a:bodyPr>
+            <a:lstStyle/>
+            <a:p>
+              <a:r>
+                <a:rPr lang="en-US" dirty="0"/>
+                <a:t>192.168.0.243</a:t>
+              </a:r>
+              <a:endParaRPr lang="en-SG" dirty="0"/>
+            </a:p>
+          </p:txBody>
+        </p:sp>
+      </p:grpSp>
+      <p:sp>
+        <p:nvSpPr>
+          <p:cNvPr id="7" name="TextBox 6">
+            <a:extLst>
+              <a:ext uri="{FF2B5EF4-FFF2-40B4-BE49-F238E27FC236}">
+                <a16:creationId xmlns:a16="http://schemas.microsoft.com/office/drawing/2014/main" id="{7B45A7AF-9AA7-542F-27A6-260CD778E500}"/>
+              </a:ext>
+            </a:extLst>
+          </p:cNvPr>
+          <p:cNvSpPr txBox="1"/>
+          <p:nvPr/>
+        </p:nvSpPr>
+        <p:spPr>
+          <a:xfrm>
+            <a:off x="5573216" y="3226898"/>
+            <a:ext cx="2628027" cy="646331"/>
+          </a:xfrm>
+          <a:prstGeom prst="rect">
+            <a:avLst/>
+          </a:prstGeom>
+          <a:solidFill>
+            <a:srgbClr val="FFC000"/>
+          </a:solidFill>
+        </p:spPr>
+        <p:txBody>
+          <a:bodyPr wrap="none" rtlCol="0">
+            <a:spAutoFit/>
+          </a:bodyPr>
+          <a:lstStyle/>
+          <a:p>
+            <a:r>
+              <a:rPr lang="en-US" dirty="0" err="1"/>
+              <a:t>SSID:VirusGenerator</a:t>
+            </a:r>
+            <a:endParaRPr lang="en-US" dirty="0"/>
+          </a:p>
+          <a:p>
+            <a:r>
+              <a:rPr lang="en-US" dirty="0"/>
+              <a:t>PWD : VGAquarius090317</a:t>
+            </a:r>
+            <a:endParaRPr lang="en-SG" dirty="0"/>
+          </a:p>
+        </p:txBody>
+      </p:sp>
+    </p:spTree>
+    <p:extLst>
+      <p:ext uri="{BB962C8B-B14F-4D97-AF65-F5344CB8AC3E}">
+        <p14:creationId xmlns:p14="http://schemas.microsoft.com/office/powerpoint/2010/main" val="3272356991"/>
+      </p:ext>
+    </p:extLst>
+  </p:cSld>
+  <p:clrMapOvr>
+    <a:masterClrMapping/>
+  </p:clrMapOvr>
+  <p:timing>
+    <p:tnLst>
+      <p:par>
+        <p:cTn id="1" dur="indefinite" restart="never" nodeType="tmRoot">
+          <p:childTnLst>
+            <p:seq concurrent="1" nextAc="seek">
+              <p:cTn id="2" dur="indefinite" nodeType="mainSeq">
+                <p:childTnLst>
+                  <p:par>
+                    <p:cTn id="3" fill="hold">
+                      <p:stCondLst>
+                        <p:cond delay="indefinite"/>
+                      </p:stCondLst>
+                      <p:childTnLst>
+                        <p:par>
+                          <p:cTn id="4" fill="hold">
+                            <p:stCondLst>
+                              <p:cond delay="0"/>
+                            </p:stCondLst>
+                            <p:childTnLst>
+                              <p:par>
+                                <p:cTn id="5" presetID="2" presetClass="entr" presetSubtype="4" fill="hold" grpId="0" nodeType="clickEffect">
+                                  <p:stCondLst>
+                                    <p:cond delay="0"/>
+                                  </p:stCondLst>
+                                  <p:childTnLst>
+                                    <p:set>
+                                      <p:cBhvr>
+                                        <p:cTn id="6" dur="1" fill="hold">
+                                          <p:stCondLst>
+                                            <p:cond delay="0"/>
+                                          </p:stCondLst>
+                                        </p:cTn>
+                                        <p:tgtEl>
+                                          <p:spTgt spid="7"/>
+                                        </p:tgtEl>
+                                        <p:attrNameLst>
+                                          <p:attrName>style.visibility</p:attrName>
+                                        </p:attrNameLst>
+                                      </p:cBhvr>
+                                      <p:to>
+                                        <p:strVal val="visible"/>
+                                      </p:to>
+                                    </p:set>
+                                    <p:anim calcmode="lin" valueType="num">
+                                      <p:cBhvr additive="base">
+                                        <p:cTn id="7" dur="500" fill="hold"/>
+                                        <p:tgtEl>
+                                          <p:spTgt spid="7"/>
+                                        </p:tgtEl>
+                                        <p:attrNameLst>
+                                          <p:attrName>ppt_x</p:attrName>
+                                        </p:attrNameLst>
+                                      </p:cBhvr>
+                                      <p:tavLst>
+                                        <p:tav tm="0">
+                                          <p:val>
+                                            <p:strVal val="#ppt_x"/>
+                                          </p:val>
+                                        </p:tav>
+                                        <p:tav tm="100000">
+                                          <p:val>
+                                            <p:strVal val="#ppt_x"/>
+                                          </p:val>
+                                        </p:tav>
+                                      </p:tavLst>
+                                    </p:anim>
+                                    <p:anim calcmode="lin" valueType="num">
+                                      <p:cBhvr additive="base">
+                                        <p:cTn id="8" dur="500" fill="hold"/>
+                                        <p:tgtEl>
+                                          <p:spTgt spid="7"/>
+                                        </p:tgtEl>
+                                        <p:attrNameLst>
+                                          <p:attrName>ppt_y</p:attrName>
+                                        </p:attrNameLst>
+                                      </p:cBhvr>
+                                      <p:tavLst>
+                                        <p:tav tm="0">
+                                          <p:val>
+                                            <p:strVal val="1+#ppt_h/2"/>
+                                          </p:val>
+                                        </p:tav>
+                                        <p:tav tm="100000">
+                                          <p:val>
+                                            <p:strVal val="#ppt_y"/>
+                                          </p:val>
+                                        </p:tav>
+                                      </p:tavLst>
+                                    </p:anim>
+                                  </p:childTnLst>
+                                </p:cTn>
+                              </p:par>
+                            </p:childTnLst>
+                          </p:cTn>
+                        </p:par>
+                      </p:childTnLst>
+                    </p:cTn>
+                  </p:par>
+                </p:childTnLst>
+              </p:cTn>
+              <p:prevCondLst>
+                <p:cond evt="onPrev" delay="0">
+                  <p:tgtEl>
+                    <p:sldTgt/>
+                  </p:tgtEl>
+                </p:cond>
+              </p:prevCondLst>
+              <p:nextCondLst>
+                <p:cond evt="onNext" delay="0">
+                  <p:tgtEl>
+                    <p:sldTgt/>
+                  </p:tgtEl>
+                </p:cond>
+              </p:nextCondLst>
+            </p:seq>
+          </p:childTnLst>
+        </p:cTn>
+      </p:par>
+    </p:tnLst>
+    <p:bldLst>
+      <p:bldP spid="7" grpId="0" animBg="1"/>
+    </p:bldLst>
+  </p:timing>
+</p:sld>
+</file>
+
+<file path=ppt/slides/slide13.xml><?xml version="1.0" encoding="utf-8"?>
+<p:sld xmlns:a="http://schemas.openxmlformats.org/drawingml/2006/main" xmlns:r="http://schemas.openxmlformats.org/officeDocument/2006/relationships" xmlns:p="http://schemas.openxmlformats.org/presentationml/2006/main">
+  <p:cSld>
+    <p:spTree>
+      <p:nvGrpSpPr>
+        <p:cNvPr id="1" name=""/>
+        <p:cNvGrpSpPr/>
+        <p:nvPr/>
+      </p:nvGrpSpPr>
+      <p:grpSpPr>
+        <a:xfrm>
+          <a:off x="0" y="0"/>
+          <a:ext cx="0" cy="0"/>
+          <a:chOff x="0" y="0"/>
+          <a:chExt cx="0" cy="0"/>
+        </a:xfrm>
+      </p:grpSpPr>
+      <p:sp>
+        <p:nvSpPr>
+          <p:cNvPr id="2" name="TextBox 1">
+            <a:extLst>
+              <a:ext uri="{FF2B5EF4-FFF2-40B4-BE49-F238E27FC236}">
+                <a16:creationId xmlns:a16="http://schemas.microsoft.com/office/drawing/2014/main" id="{6A78E231-DEF1-E0F1-2C97-86A9D59003BB}"/>
+              </a:ext>
+            </a:extLst>
+          </p:cNvPr>
+          <p:cNvSpPr txBox="1"/>
+          <p:nvPr/>
+        </p:nvSpPr>
+        <p:spPr>
+          <a:xfrm>
+            <a:off x="2678239" y="1997839"/>
+            <a:ext cx="7902326" cy="2862322"/>
+          </a:xfrm>
+          <a:prstGeom prst="rect">
+            <a:avLst/>
+          </a:prstGeom>
+          <a:solidFill>
+            <a:srgbClr val="FFC000"/>
+          </a:solidFill>
+        </p:spPr>
+        <p:txBody>
+          <a:bodyPr wrap="square" rtlCol="0">
+            <a:spAutoFit/>
+          </a:bodyPr>
+          <a:lstStyle/>
+          <a:p>
+            <a:r>
+              <a:rPr lang="en-US" dirty="0"/>
+              <a:t>CHATGPT</a:t>
+            </a:r>
+          </a:p>
+          <a:p>
+            <a:endParaRPr lang="en-SG" dirty="0"/>
+          </a:p>
+          <a:p>
+            <a:r>
+              <a:rPr lang="en-US" dirty="0"/>
+              <a:t>give me a html page using bootstrap. </a:t>
+            </a:r>
+          </a:p>
+          <a:p>
+            <a:r>
+              <a:rPr lang="en-US" dirty="0"/>
+              <a:t>1 FORWARD </a:t>
+            </a:r>
+            <a:r>
+              <a:rPr lang="en-US" dirty="0">
+                <a:solidFill>
+                  <a:srgbClr val="FF0000"/>
+                </a:solidFill>
+              </a:rPr>
+              <a:t>submit button </a:t>
+            </a:r>
+            <a:r>
+              <a:rPr lang="en-US" dirty="0"/>
+              <a:t>in green value ='FORWARD’ </a:t>
+            </a:r>
+          </a:p>
+          <a:p>
+            <a:r>
+              <a:rPr lang="en-US" dirty="0"/>
+              <a:t>1 BACKWARD </a:t>
+            </a:r>
+            <a:r>
+              <a:rPr lang="en-US" dirty="0">
+                <a:solidFill>
+                  <a:srgbClr val="FF0000"/>
+                </a:solidFill>
+              </a:rPr>
+              <a:t>submit button </a:t>
+            </a:r>
+            <a:r>
+              <a:rPr lang="en-US" dirty="0"/>
+              <a:t>in green value = 'BACKWARD’, </a:t>
+            </a:r>
+          </a:p>
+          <a:p>
+            <a:r>
+              <a:rPr lang="en-US" dirty="0"/>
+              <a:t>1 LEFT </a:t>
+            </a:r>
+            <a:r>
+              <a:rPr lang="en-US" dirty="0">
+                <a:solidFill>
+                  <a:srgbClr val="FF0000"/>
+                </a:solidFill>
+              </a:rPr>
+              <a:t>submit button </a:t>
+            </a:r>
+            <a:r>
+              <a:rPr lang="en-US" dirty="0"/>
+              <a:t>in blue value ='TURN LEFT’, </a:t>
+            </a:r>
+          </a:p>
+          <a:p>
+            <a:r>
+              <a:rPr lang="en-US" dirty="0"/>
+              <a:t>1 RIGHT </a:t>
+            </a:r>
+            <a:r>
+              <a:rPr lang="en-US" dirty="0">
+                <a:solidFill>
+                  <a:srgbClr val="FF0000"/>
+                </a:solidFill>
+              </a:rPr>
+              <a:t>submit button </a:t>
+            </a:r>
+            <a:r>
+              <a:rPr lang="en-US" dirty="0"/>
+              <a:t>in blue value ='TURN RIGHT' and </a:t>
+            </a:r>
+          </a:p>
+          <a:p>
+            <a:r>
+              <a:rPr lang="en-US" dirty="0"/>
+              <a:t>1 STOP </a:t>
+            </a:r>
+            <a:r>
+              <a:rPr lang="en-US" dirty="0">
+                <a:solidFill>
+                  <a:srgbClr val="FF0000"/>
+                </a:solidFill>
+              </a:rPr>
+              <a:t>submit button </a:t>
+            </a:r>
+            <a:r>
+              <a:rPr lang="en-US" dirty="0"/>
+              <a:t>value='STOP' in red in the middle of these 4 buttons. </a:t>
+            </a:r>
+          </a:p>
+          <a:p>
+            <a:r>
+              <a:rPr lang="en-US" dirty="0"/>
+              <a:t>Add a caption on top of these button : WEB CONTROLLED ROBOT CAR. </a:t>
+            </a:r>
+          </a:p>
+          <a:p>
+            <a:r>
+              <a:rPr lang="en-US" dirty="0"/>
+              <a:t>all buttons belong to same </a:t>
+            </a:r>
+            <a:r>
+              <a:rPr lang="en-US" dirty="0">
+                <a:solidFill>
+                  <a:srgbClr val="FF0000"/>
+                </a:solidFill>
+              </a:rPr>
+              <a:t>group name 'key' </a:t>
+            </a:r>
+          </a:p>
+        </p:txBody>
+      </p:sp>
+    </p:spTree>
+    <p:extLst>
+      <p:ext uri="{BB962C8B-B14F-4D97-AF65-F5344CB8AC3E}">
+        <p14:creationId xmlns:p14="http://schemas.microsoft.com/office/powerpoint/2010/main" val="3654433598"/>
+      </p:ext>
+    </p:extLst>
+  </p:cSld>
+  <p:clrMapOvr>
+    <a:masterClrMapping/>
+  </p:clrMapOvr>
+  <p:timing>
+    <p:tnLst>
+      <p:par>
+        <p:cTn id="1" dur="indefinite" restart="never" nodeType="tmRoot">
+          <p:childTnLst>
+            <p:seq concurrent="1" nextAc="seek">
+              <p:cTn id="2" dur="indefinite" nodeType="mainSeq">
+                <p:childTnLst>
+                  <p:par>
+                    <p:cTn id="3" fill="hold">
+                      <p:stCondLst>
+                        <p:cond delay="indefinite"/>
+                      </p:stCondLst>
+                      <p:childTnLst>
+                        <p:par>
+                          <p:cTn id="4" fill="hold">
+                            <p:stCondLst>
+                              <p:cond delay="0"/>
+                            </p:stCondLst>
+                            <p:childTnLst>
+                              <p:par>
+                                <p:cTn id="5" presetID="42" presetClass="entr" presetSubtype="0" fill="hold" grpId="0" nodeType="clickEffect">
+                                  <p:stCondLst>
+                                    <p:cond delay="0"/>
+                                  </p:stCondLst>
+                                  <p:childTnLst>
+                                    <p:set>
+                                      <p:cBhvr>
+                                        <p:cTn id="6" dur="1" fill="hold">
+                                          <p:stCondLst>
+                                            <p:cond delay="0"/>
+                                          </p:stCondLst>
+                                        </p:cTn>
+                                        <p:tgtEl>
+                                          <p:spTgt spid="2"/>
+                                        </p:tgtEl>
+                                        <p:attrNameLst>
+                                          <p:attrName>style.visibility</p:attrName>
+                                        </p:attrNameLst>
+                                      </p:cBhvr>
+                                      <p:to>
+                                        <p:strVal val="visible"/>
+                                      </p:to>
+                                    </p:set>
+                                    <p:animEffect transition="in" filter="fade">
+                                      <p:cBhvr>
+                                        <p:cTn id="7" dur="1000"/>
+                                        <p:tgtEl>
+                                          <p:spTgt spid="2"/>
+                                        </p:tgtEl>
+                                      </p:cBhvr>
+                                    </p:animEffect>
+                                    <p:anim calcmode="lin" valueType="num">
+                                      <p:cBhvr>
+                                        <p:cTn id="8" dur="1000" fill="hold"/>
+                                        <p:tgtEl>
+                                          <p:spTgt spid="2"/>
+                                        </p:tgtEl>
+                                        <p:attrNameLst>
+                                          <p:attrName>ppt_x</p:attrName>
+                                        </p:attrNameLst>
+                                      </p:cBhvr>
+                                      <p:tavLst>
+                                        <p:tav tm="0">
+                                          <p:val>
+                                            <p:strVal val="#ppt_x"/>
+                                          </p:val>
+                                        </p:tav>
+                                        <p:tav tm="100000">
+                                          <p:val>
+                                            <p:strVal val="#ppt_x"/>
+                                          </p:val>
+                                        </p:tav>
+                                      </p:tavLst>
+                                    </p:anim>
+                                    <p:anim calcmode="lin" valueType="num">
+                                      <p:cBhvr>
+                                        <p:cTn id="9" dur="1000" fill="hold"/>
+                                        <p:tgtEl>
+                                          <p:spTgt spid="2"/>
+                                        </p:tgtEl>
+                                        <p:attrNameLst>
+                                          <p:attrName>ppt_y</p:attrName>
+                                        </p:attrNameLst>
+                                      </p:cBhvr>
+                                      <p:tavLst>
+                                        <p:tav tm="0">
+                                          <p:val>
+                                            <p:strVal val="#ppt_y+.1"/>
+                                          </p:val>
+                                        </p:tav>
+                                        <p:tav tm="100000">
+                                          <p:val>
+                                            <p:strVal val="#ppt_y"/>
+                                          </p:val>
+                                        </p:tav>
+                                      </p:tavLst>
+                                    </p:anim>
+                                  </p:childTnLst>
+                                </p:cTn>
+                              </p:par>
+                            </p:childTnLst>
+                          </p:cTn>
+                        </p:par>
+                      </p:childTnLst>
+                    </p:cTn>
+                  </p:par>
+                  <p:par>
+                    <p:cTn id="10" fill="hold">
+                      <p:stCondLst>
+                        <p:cond delay="indefinite"/>
+                      </p:stCondLst>
+                      <p:childTnLst>
+                        <p:par>
+                          <p:cTn id="11" fill="hold">
+                            <p:stCondLst>
+                              <p:cond delay="0"/>
+                            </p:stCondLst>
+                            <p:childTnLst>
+                              <p:par>
+                                <p:cTn id="12" presetID="1" presetClass="exit" presetSubtype="0" fill="hold" grpId="1" nodeType="clickEffect">
+                                  <p:stCondLst>
+                                    <p:cond delay="0"/>
+                                  </p:stCondLst>
+                                  <p:childTnLst>
+                                    <p:set>
+                                      <p:cBhvr>
+                                        <p:cTn id="13" dur="1" fill="hold">
+                                          <p:stCondLst>
+                                            <p:cond delay="0"/>
+                                          </p:stCondLst>
+                                        </p:cTn>
+                                        <p:tgtEl>
+                                          <p:spTgt spid="2"/>
+                                        </p:tgtEl>
+                                        <p:attrNameLst>
+                                          <p:attrName>style.visibility</p:attrName>
+                                        </p:attrNameLst>
+                                      </p:cBhvr>
+                                      <p:to>
+                                        <p:strVal val="hidden"/>
+                                      </p:to>
+                                    </p:set>
+                                  </p:childTnLst>
+                                </p:cTn>
+                              </p:par>
+                            </p:childTnLst>
+                          </p:cTn>
+                        </p:par>
+                      </p:childTnLst>
+                    </p:cTn>
+                  </p:par>
+                </p:childTnLst>
+              </p:cTn>
+              <p:prevCondLst>
+                <p:cond evt="onPrev" delay="0">
+                  <p:tgtEl>
+                    <p:sldTgt/>
+                  </p:tgtEl>
+                </p:cond>
+              </p:prevCondLst>
+              <p:nextCondLst>
+                <p:cond evt="onNext" delay="0">
+                  <p:tgtEl>
+                    <p:sldTgt/>
+                  </p:tgtEl>
+                </p:cond>
+              </p:nextCondLst>
+            </p:seq>
+          </p:childTnLst>
+        </p:cTn>
+      </p:par>
+    </p:tnLst>
+    <p:bldLst>
+      <p:bldP spid="2" grpId="0" animBg="1"/>
+      <p:bldP spid="2" grpId="1" animBg="1"/>
+    </p:bldLst>
+  </p:timing>
+</p:sld>
+</file>
+
 <file path=ppt/slides/slide2.xml><?xml version="1.0" encoding="utf-8"?>
 <p:sld xmlns:a="http://schemas.openxmlformats.org/drawingml/2006/main" xmlns:r="http://schemas.openxmlformats.org/officeDocument/2006/relationships" xmlns:p="http://schemas.openxmlformats.org/presentationml/2006/main">
   <p:cSld>
@@ -6538,6 +9245,4287 @@
         </p:cTn>
       </p:par>
     </p:tnLst>
+  </p:timing>
+</p:sld>
+</file>
+
+<file path=ppt/slides/slide5.xml><?xml version="1.0" encoding="utf-8"?>
+<p:sld xmlns:a="http://schemas.openxmlformats.org/drawingml/2006/main" xmlns:r="http://schemas.openxmlformats.org/officeDocument/2006/relationships" xmlns:p="http://schemas.openxmlformats.org/presentationml/2006/main">
+  <p:cSld>
+    <p:spTree>
+      <p:nvGrpSpPr>
+        <p:cNvPr id="1" name=""/>
+        <p:cNvGrpSpPr/>
+        <p:nvPr/>
+      </p:nvGrpSpPr>
+      <p:grpSpPr>
+        <a:xfrm>
+          <a:off x="0" y="0"/>
+          <a:ext cx="0" cy="0"/>
+          <a:chOff x="0" y="0"/>
+          <a:chExt cx="0" cy="0"/>
+        </a:xfrm>
+      </p:grpSpPr>
+      <p:sp>
+        <p:nvSpPr>
+          <p:cNvPr id="3" name="TextBox 2">
+            <a:extLst>
+              <a:ext uri="{FF2B5EF4-FFF2-40B4-BE49-F238E27FC236}">
+                <a16:creationId xmlns:a16="http://schemas.microsoft.com/office/drawing/2014/main" id="{A2AB882A-6C63-D88D-94DF-15276E948DB5}"/>
+              </a:ext>
+            </a:extLst>
+          </p:cNvPr>
+          <p:cNvSpPr txBox="1"/>
+          <p:nvPr/>
+        </p:nvSpPr>
+        <p:spPr>
+          <a:xfrm>
+            <a:off x="4478467" y="352338"/>
+            <a:ext cx="2144498" cy="369332"/>
+          </a:xfrm>
+          <a:prstGeom prst="rect">
+            <a:avLst/>
+          </a:prstGeom>
+          <a:noFill/>
+        </p:spPr>
+        <p:txBody>
+          <a:bodyPr wrap="none" rtlCol="0">
+            <a:spAutoFit/>
+          </a:bodyPr>
+          <a:lstStyle/>
+          <a:p>
+            <a:r>
+              <a:rPr lang="en-US" dirty="0"/>
+              <a:t>Robby_with_class.py</a:t>
+            </a:r>
+            <a:endParaRPr lang="en-SG" dirty="0"/>
+          </a:p>
+        </p:txBody>
+      </p:sp>
+      <p:pic>
+        <p:nvPicPr>
+          <p:cNvPr id="5" name="Picture 4">
+            <a:extLst>
+              <a:ext uri="{FF2B5EF4-FFF2-40B4-BE49-F238E27FC236}">
+                <a16:creationId xmlns:a16="http://schemas.microsoft.com/office/drawing/2014/main" id="{C8568C46-D7EF-59CD-66EE-3F14942E7EC4}"/>
+              </a:ext>
+            </a:extLst>
+          </p:cNvPr>
+          <p:cNvPicPr>
+            <a:picLocks noChangeAspect="1"/>
+          </p:cNvPicPr>
+          <p:nvPr/>
+        </p:nvPicPr>
+        <p:blipFill>
+          <a:blip r:embed="rId2"/>
+          <a:stretch>
+            <a:fillRect/>
+          </a:stretch>
+        </p:blipFill>
+        <p:spPr>
+          <a:xfrm>
+            <a:off x="1970626" y="721670"/>
+            <a:ext cx="7562850" cy="5762625"/>
+          </a:xfrm>
+          <a:prstGeom prst="rect">
+            <a:avLst/>
+          </a:prstGeom>
+        </p:spPr>
+      </p:pic>
+      <p:sp>
+        <p:nvSpPr>
+          <p:cNvPr id="6" name="Rectangle 5">
+            <a:extLst>
+              <a:ext uri="{FF2B5EF4-FFF2-40B4-BE49-F238E27FC236}">
+                <a16:creationId xmlns:a16="http://schemas.microsoft.com/office/drawing/2014/main" id="{35368F75-5D94-CC65-CDF2-9BDFD458E669}"/>
+              </a:ext>
+            </a:extLst>
+          </p:cNvPr>
+          <p:cNvSpPr/>
+          <p:nvPr/>
+        </p:nvSpPr>
+        <p:spPr>
+          <a:xfrm>
+            <a:off x="2310147" y="721670"/>
+            <a:ext cx="4986392" cy="1657636"/>
+          </a:xfrm>
+          <a:prstGeom prst="rect">
+            <a:avLst/>
+          </a:prstGeom>
+          <a:noFill/>
+          <a:ln w="53975"/>
+        </p:spPr>
+        <p:style>
+          <a:lnRef idx="2">
+            <a:schemeClr val="accent1">
+              <a:shade val="15000"/>
+            </a:schemeClr>
+          </a:lnRef>
+          <a:fillRef idx="1">
+            <a:schemeClr val="accent1"/>
+          </a:fillRef>
+          <a:effectRef idx="0">
+            <a:schemeClr val="accent1"/>
+          </a:effectRef>
+          <a:fontRef idx="minor">
+            <a:schemeClr val="lt1"/>
+          </a:fontRef>
+        </p:style>
+        <p:txBody>
+          <a:bodyPr rtlCol="0" anchor="ctr"/>
+          <a:lstStyle/>
+          <a:p>
+            <a:pPr algn="ctr"/>
+            <a:endParaRPr lang="en-SG"/>
+          </a:p>
+        </p:txBody>
+      </p:sp>
+      <p:sp>
+        <p:nvSpPr>
+          <p:cNvPr id="7" name="Rectangle 6">
+            <a:extLst>
+              <a:ext uri="{FF2B5EF4-FFF2-40B4-BE49-F238E27FC236}">
+                <a16:creationId xmlns:a16="http://schemas.microsoft.com/office/drawing/2014/main" id="{FE9DD56F-0D3B-0333-E21F-CC570E7071B1}"/>
+              </a:ext>
+            </a:extLst>
+          </p:cNvPr>
+          <p:cNvSpPr/>
+          <p:nvPr/>
+        </p:nvSpPr>
+        <p:spPr>
+          <a:xfrm>
+            <a:off x="2310147" y="2478934"/>
+            <a:ext cx="6152718" cy="1915783"/>
+          </a:xfrm>
+          <a:prstGeom prst="rect">
+            <a:avLst/>
+          </a:prstGeom>
+          <a:noFill/>
+          <a:ln w="53975"/>
+        </p:spPr>
+        <p:style>
+          <a:lnRef idx="2">
+            <a:schemeClr val="accent1">
+              <a:shade val="15000"/>
+            </a:schemeClr>
+          </a:lnRef>
+          <a:fillRef idx="1">
+            <a:schemeClr val="accent1"/>
+          </a:fillRef>
+          <a:effectRef idx="0">
+            <a:schemeClr val="accent1"/>
+          </a:effectRef>
+          <a:fontRef idx="minor">
+            <a:schemeClr val="lt1"/>
+          </a:fontRef>
+        </p:style>
+        <p:txBody>
+          <a:bodyPr rtlCol="0" anchor="ctr"/>
+          <a:lstStyle/>
+          <a:p>
+            <a:pPr algn="ctr"/>
+            <a:endParaRPr lang="en-SG"/>
+          </a:p>
+        </p:txBody>
+      </p:sp>
+      <p:sp>
+        <p:nvSpPr>
+          <p:cNvPr id="8" name="Rectangle 7">
+            <a:extLst>
+              <a:ext uri="{FF2B5EF4-FFF2-40B4-BE49-F238E27FC236}">
+                <a16:creationId xmlns:a16="http://schemas.microsoft.com/office/drawing/2014/main" id="{DA0AEFE6-182C-FF35-4D5B-E6007A596CE1}"/>
+              </a:ext>
+            </a:extLst>
+          </p:cNvPr>
+          <p:cNvSpPr/>
+          <p:nvPr/>
+        </p:nvSpPr>
+        <p:spPr>
+          <a:xfrm>
+            <a:off x="2310147" y="4668140"/>
+            <a:ext cx="6152718" cy="1915783"/>
+          </a:xfrm>
+          <a:prstGeom prst="rect">
+            <a:avLst/>
+          </a:prstGeom>
+          <a:noFill/>
+          <a:ln w="53975"/>
+        </p:spPr>
+        <p:style>
+          <a:lnRef idx="2">
+            <a:schemeClr val="accent1">
+              <a:shade val="15000"/>
+            </a:schemeClr>
+          </a:lnRef>
+          <a:fillRef idx="1">
+            <a:schemeClr val="accent1"/>
+          </a:fillRef>
+          <a:effectRef idx="0">
+            <a:schemeClr val="accent1"/>
+          </a:effectRef>
+          <a:fontRef idx="minor">
+            <a:schemeClr val="lt1"/>
+          </a:fontRef>
+        </p:style>
+        <p:txBody>
+          <a:bodyPr rtlCol="0" anchor="ctr"/>
+          <a:lstStyle/>
+          <a:p>
+            <a:pPr algn="ctr"/>
+            <a:endParaRPr lang="en-SG"/>
+          </a:p>
+        </p:txBody>
+      </p:sp>
+    </p:spTree>
+    <p:extLst>
+      <p:ext uri="{BB962C8B-B14F-4D97-AF65-F5344CB8AC3E}">
+        <p14:creationId xmlns:p14="http://schemas.microsoft.com/office/powerpoint/2010/main" val="2554338964"/>
+      </p:ext>
+    </p:extLst>
+  </p:cSld>
+  <p:clrMapOvr>
+    <a:masterClrMapping/>
+  </p:clrMapOvr>
+  <p:timing>
+    <p:tnLst>
+      <p:par>
+        <p:cTn id="1" dur="indefinite" restart="never" nodeType="tmRoot">
+          <p:childTnLst>
+            <p:seq concurrent="1" nextAc="seek">
+              <p:cTn id="2" dur="indefinite" nodeType="mainSeq">
+                <p:childTnLst>
+                  <p:par>
+                    <p:cTn id="3" fill="hold">
+                      <p:stCondLst>
+                        <p:cond delay="indefinite"/>
+                      </p:stCondLst>
+                      <p:childTnLst>
+                        <p:par>
+                          <p:cTn id="4" fill="hold">
+                            <p:stCondLst>
+                              <p:cond delay="0"/>
+                            </p:stCondLst>
+                            <p:childTnLst>
+                              <p:par>
+                                <p:cTn id="5" presetID="2" presetClass="entr" presetSubtype="4" fill="hold" nodeType="clickEffect">
+                                  <p:stCondLst>
+                                    <p:cond delay="0"/>
+                                  </p:stCondLst>
+                                  <p:childTnLst>
+                                    <p:set>
+                                      <p:cBhvr>
+                                        <p:cTn id="6" dur="1" fill="hold">
+                                          <p:stCondLst>
+                                            <p:cond delay="0"/>
+                                          </p:stCondLst>
+                                        </p:cTn>
+                                        <p:tgtEl>
+                                          <p:spTgt spid="5"/>
+                                        </p:tgtEl>
+                                        <p:attrNameLst>
+                                          <p:attrName>style.visibility</p:attrName>
+                                        </p:attrNameLst>
+                                      </p:cBhvr>
+                                      <p:to>
+                                        <p:strVal val="visible"/>
+                                      </p:to>
+                                    </p:set>
+                                    <p:anim calcmode="lin" valueType="num">
+                                      <p:cBhvr additive="base">
+                                        <p:cTn id="7" dur="500" fill="hold"/>
+                                        <p:tgtEl>
+                                          <p:spTgt spid="5"/>
+                                        </p:tgtEl>
+                                        <p:attrNameLst>
+                                          <p:attrName>ppt_x</p:attrName>
+                                        </p:attrNameLst>
+                                      </p:cBhvr>
+                                      <p:tavLst>
+                                        <p:tav tm="0">
+                                          <p:val>
+                                            <p:strVal val="#ppt_x"/>
+                                          </p:val>
+                                        </p:tav>
+                                        <p:tav tm="100000">
+                                          <p:val>
+                                            <p:strVal val="#ppt_x"/>
+                                          </p:val>
+                                        </p:tav>
+                                      </p:tavLst>
+                                    </p:anim>
+                                    <p:anim calcmode="lin" valueType="num">
+                                      <p:cBhvr additive="base">
+                                        <p:cTn id="8" dur="500" fill="hold"/>
+                                        <p:tgtEl>
+                                          <p:spTgt spid="5"/>
+                                        </p:tgtEl>
+                                        <p:attrNameLst>
+                                          <p:attrName>ppt_y</p:attrName>
+                                        </p:attrNameLst>
+                                      </p:cBhvr>
+                                      <p:tavLst>
+                                        <p:tav tm="0">
+                                          <p:val>
+                                            <p:strVal val="1+#ppt_h/2"/>
+                                          </p:val>
+                                        </p:tav>
+                                        <p:tav tm="100000">
+                                          <p:val>
+                                            <p:strVal val="#ppt_y"/>
+                                          </p:val>
+                                        </p:tav>
+                                      </p:tavLst>
+                                    </p:anim>
+                                  </p:childTnLst>
+                                </p:cTn>
+                              </p:par>
+                            </p:childTnLst>
+                          </p:cTn>
+                        </p:par>
+                      </p:childTnLst>
+                    </p:cTn>
+                  </p:par>
+                  <p:par>
+                    <p:cTn id="9" fill="hold">
+                      <p:stCondLst>
+                        <p:cond delay="indefinite"/>
+                      </p:stCondLst>
+                      <p:childTnLst>
+                        <p:par>
+                          <p:cTn id="10" fill="hold">
+                            <p:stCondLst>
+                              <p:cond delay="0"/>
+                            </p:stCondLst>
+                            <p:childTnLst>
+                              <p:par>
+                                <p:cTn id="11" presetID="2" presetClass="entr" presetSubtype="4" fill="hold" grpId="0" nodeType="clickEffect">
+                                  <p:stCondLst>
+                                    <p:cond delay="0"/>
+                                  </p:stCondLst>
+                                  <p:childTnLst>
+                                    <p:set>
+                                      <p:cBhvr>
+                                        <p:cTn id="12" dur="1" fill="hold">
+                                          <p:stCondLst>
+                                            <p:cond delay="0"/>
+                                          </p:stCondLst>
+                                        </p:cTn>
+                                        <p:tgtEl>
+                                          <p:spTgt spid="6"/>
+                                        </p:tgtEl>
+                                        <p:attrNameLst>
+                                          <p:attrName>style.visibility</p:attrName>
+                                        </p:attrNameLst>
+                                      </p:cBhvr>
+                                      <p:to>
+                                        <p:strVal val="visible"/>
+                                      </p:to>
+                                    </p:set>
+                                    <p:anim calcmode="lin" valueType="num">
+                                      <p:cBhvr additive="base">
+                                        <p:cTn id="13" dur="500" fill="hold"/>
+                                        <p:tgtEl>
+                                          <p:spTgt spid="6"/>
+                                        </p:tgtEl>
+                                        <p:attrNameLst>
+                                          <p:attrName>ppt_x</p:attrName>
+                                        </p:attrNameLst>
+                                      </p:cBhvr>
+                                      <p:tavLst>
+                                        <p:tav tm="0">
+                                          <p:val>
+                                            <p:strVal val="#ppt_x"/>
+                                          </p:val>
+                                        </p:tav>
+                                        <p:tav tm="100000">
+                                          <p:val>
+                                            <p:strVal val="#ppt_x"/>
+                                          </p:val>
+                                        </p:tav>
+                                      </p:tavLst>
+                                    </p:anim>
+                                    <p:anim calcmode="lin" valueType="num">
+                                      <p:cBhvr additive="base">
+                                        <p:cTn id="14" dur="500" fill="hold"/>
+                                        <p:tgtEl>
+                                          <p:spTgt spid="6"/>
+                                        </p:tgtEl>
+                                        <p:attrNameLst>
+                                          <p:attrName>ppt_y</p:attrName>
+                                        </p:attrNameLst>
+                                      </p:cBhvr>
+                                      <p:tavLst>
+                                        <p:tav tm="0">
+                                          <p:val>
+                                            <p:strVal val="1+#ppt_h/2"/>
+                                          </p:val>
+                                        </p:tav>
+                                        <p:tav tm="100000">
+                                          <p:val>
+                                            <p:strVal val="#ppt_y"/>
+                                          </p:val>
+                                        </p:tav>
+                                      </p:tavLst>
+                                    </p:anim>
+                                  </p:childTnLst>
+                                </p:cTn>
+                              </p:par>
+                            </p:childTnLst>
+                          </p:cTn>
+                        </p:par>
+                      </p:childTnLst>
+                    </p:cTn>
+                  </p:par>
+                  <p:par>
+                    <p:cTn id="15" fill="hold">
+                      <p:stCondLst>
+                        <p:cond delay="indefinite"/>
+                      </p:stCondLst>
+                      <p:childTnLst>
+                        <p:par>
+                          <p:cTn id="16" fill="hold">
+                            <p:stCondLst>
+                              <p:cond delay="0"/>
+                            </p:stCondLst>
+                            <p:childTnLst>
+                              <p:par>
+                                <p:cTn id="17" presetID="1" presetClass="exit" presetSubtype="0" fill="hold" grpId="1" nodeType="clickEffect">
+                                  <p:stCondLst>
+                                    <p:cond delay="0"/>
+                                  </p:stCondLst>
+                                  <p:childTnLst>
+                                    <p:set>
+                                      <p:cBhvr>
+                                        <p:cTn id="18" dur="1" fill="hold">
+                                          <p:stCondLst>
+                                            <p:cond delay="0"/>
+                                          </p:stCondLst>
+                                        </p:cTn>
+                                        <p:tgtEl>
+                                          <p:spTgt spid="6"/>
+                                        </p:tgtEl>
+                                        <p:attrNameLst>
+                                          <p:attrName>style.visibility</p:attrName>
+                                        </p:attrNameLst>
+                                      </p:cBhvr>
+                                      <p:to>
+                                        <p:strVal val="hidden"/>
+                                      </p:to>
+                                    </p:set>
+                                  </p:childTnLst>
+                                </p:cTn>
+                              </p:par>
+                            </p:childTnLst>
+                          </p:cTn>
+                        </p:par>
+                      </p:childTnLst>
+                    </p:cTn>
+                  </p:par>
+                  <p:par>
+                    <p:cTn id="19" fill="hold">
+                      <p:stCondLst>
+                        <p:cond delay="indefinite"/>
+                      </p:stCondLst>
+                      <p:childTnLst>
+                        <p:par>
+                          <p:cTn id="20" fill="hold">
+                            <p:stCondLst>
+                              <p:cond delay="0"/>
+                            </p:stCondLst>
+                            <p:childTnLst>
+                              <p:par>
+                                <p:cTn id="21" presetID="2" presetClass="entr" presetSubtype="4" fill="hold" grpId="0" nodeType="clickEffect">
+                                  <p:stCondLst>
+                                    <p:cond delay="0"/>
+                                  </p:stCondLst>
+                                  <p:childTnLst>
+                                    <p:set>
+                                      <p:cBhvr>
+                                        <p:cTn id="22" dur="1" fill="hold">
+                                          <p:stCondLst>
+                                            <p:cond delay="0"/>
+                                          </p:stCondLst>
+                                        </p:cTn>
+                                        <p:tgtEl>
+                                          <p:spTgt spid="7"/>
+                                        </p:tgtEl>
+                                        <p:attrNameLst>
+                                          <p:attrName>style.visibility</p:attrName>
+                                        </p:attrNameLst>
+                                      </p:cBhvr>
+                                      <p:to>
+                                        <p:strVal val="visible"/>
+                                      </p:to>
+                                    </p:set>
+                                    <p:anim calcmode="lin" valueType="num">
+                                      <p:cBhvr additive="base">
+                                        <p:cTn id="23" dur="500" fill="hold"/>
+                                        <p:tgtEl>
+                                          <p:spTgt spid="7"/>
+                                        </p:tgtEl>
+                                        <p:attrNameLst>
+                                          <p:attrName>ppt_x</p:attrName>
+                                        </p:attrNameLst>
+                                      </p:cBhvr>
+                                      <p:tavLst>
+                                        <p:tav tm="0">
+                                          <p:val>
+                                            <p:strVal val="#ppt_x"/>
+                                          </p:val>
+                                        </p:tav>
+                                        <p:tav tm="100000">
+                                          <p:val>
+                                            <p:strVal val="#ppt_x"/>
+                                          </p:val>
+                                        </p:tav>
+                                      </p:tavLst>
+                                    </p:anim>
+                                    <p:anim calcmode="lin" valueType="num">
+                                      <p:cBhvr additive="base">
+                                        <p:cTn id="24" dur="500" fill="hold"/>
+                                        <p:tgtEl>
+                                          <p:spTgt spid="7"/>
+                                        </p:tgtEl>
+                                        <p:attrNameLst>
+                                          <p:attrName>ppt_y</p:attrName>
+                                        </p:attrNameLst>
+                                      </p:cBhvr>
+                                      <p:tavLst>
+                                        <p:tav tm="0">
+                                          <p:val>
+                                            <p:strVal val="1+#ppt_h/2"/>
+                                          </p:val>
+                                        </p:tav>
+                                        <p:tav tm="100000">
+                                          <p:val>
+                                            <p:strVal val="#ppt_y"/>
+                                          </p:val>
+                                        </p:tav>
+                                      </p:tavLst>
+                                    </p:anim>
+                                  </p:childTnLst>
+                                </p:cTn>
+                              </p:par>
+                            </p:childTnLst>
+                          </p:cTn>
+                        </p:par>
+                      </p:childTnLst>
+                    </p:cTn>
+                  </p:par>
+                  <p:par>
+                    <p:cTn id="25" fill="hold">
+                      <p:stCondLst>
+                        <p:cond delay="indefinite"/>
+                      </p:stCondLst>
+                      <p:childTnLst>
+                        <p:par>
+                          <p:cTn id="26" fill="hold">
+                            <p:stCondLst>
+                              <p:cond delay="0"/>
+                            </p:stCondLst>
+                            <p:childTnLst>
+                              <p:par>
+                                <p:cTn id="27" presetID="1" presetClass="exit" presetSubtype="0" fill="hold" grpId="1" nodeType="clickEffect">
+                                  <p:stCondLst>
+                                    <p:cond delay="0"/>
+                                  </p:stCondLst>
+                                  <p:childTnLst>
+                                    <p:set>
+                                      <p:cBhvr>
+                                        <p:cTn id="28" dur="1" fill="hold">
+                                          <p:stCondLst>
+                                            <p:cond delay="0"/>
+                                          </p:stCondLst>
+                                        </p:cTn>
+                                        <p:tgtEl>
+                                          <p:spTgt spid="7"/>
+                                        </p:tgtEl>
+                                        <p:attrNameLst>
+                                          <p:attrName>style.visibility</p:attrName>
+                                        </p:attrNameLst>
+                                      </p:cBhvr>
+                                      <p:to>
+                                        <p:strVal val="hidden"/>
+                                      </p:to>
+                                    </p:set>
+                                  </p:childTnLst>
+                                </p:cTn>
+                              </p:par>
+                            </p:childTnLst>
+                          </p:cTn>
+                        </p:par>
+                      </p:childTnLst>
+                    </p:cTn>
+                  </p:par>
+                  <p:par>
+                    <p:cTn id="29" fill="hold">
+                      <p:stCondLst>
+                        <p:cond delay="indefinite"/>
+                      </p:stCondLst>
+                      <p:childTnLst>
+                        <p:par>
+                          <p:cTn id="30" fill="hold">
+                            <p:stCondLst>
+                              <p:cond delay="0"/>
+                            </p:stCondLst>
+                            <p:childTnLst>
+                              <p:par>
+                                <p:cTn id="31" presetID="2" presetClass="entr" presetSubtype="4" fill="hold" grpId="0" nodeType="clickEffect">
+                                  <p:stCondLst>
+                                    <p:cond delay="0"/>
+                                  </p:stCondLst>
+                                  <p:childTnLst>
+                                    <p:set>
+                                      <p:cBhvr>
+                                        <p:cTn id="32" dur="1" fill="hold">
+                                          <p:stCondLst>
+                                            <p:cond delay="0"/>
+                                          </p:stCondLst>
+                                        </p:cTn>
+                                        <p:tgtEl>
+                                          <p:spTgt spid="8"/>
+                                        </p:tgtEl>
+                                        <p:attrNameLst>
+                                          <p:attrName>style.visibility</p:attrName>
+                                        </p:attrNameLst>
+                                      </p:cBhvr>
+                                      <p:to>
+                                        <p:strVal val="visible"/>
+                                      </p:to>
+                                    </p:set>
+                                    <p:anim calcmode="lin" valueType="num">
+                                      <p:cBhvr additive="base">
+                                        <p:cTn id="33" dur="500" fill="hold"/>
+                                        <p:tgtEl>
+                                          <p:spTgt spid="8"/>
+                                        </p:tgtEl>
+                                        <p:attrNameLst>
+                                          <p:attrName>ppt_x</p:attrName>
+                                        </p:attrNameLst>
+                                      </p:cBhvr>
+                                      <p:tavLst>
+                                        <p:tav tm="0">
+                                          <p:val>
+                                            <p:strVal val="#ppt_x"/>
+                                          </p:val>
+                                        </p:tav>
+                                        <p:tav tm="100000">
+                                          <p:val>
+                                            <p:strVal val="#ppt_x"/>
+                                          </p:val>
+                                        </p:tav>
+                                      </p:tavLst>
+                                    </p:anim>
+                                    <p:anim calcmode="lin" valueType="num">
+                                      <p:cBhvr additive="base">
+                                        <p:cTn id="34" dur="500" fill="hold"/>
+                                        <p:tgtEl>
+                                          <p:spTgt spid="8"/>
+                                        </p:tgtEl>
+                                        <p:attrNameLst>
+                                          <p:attrName>ppt_y</p:attrName>
+                                        </p:attrNameLst>
+                                      </p:cBhvr>
+                                      <p:tavLst>
+                                        <p:tav tm="0">
+                                          <p:val>
+                                            <p:strVal val="1+#ppt_h/2"/>
+                                          </p:val>
+                                        </p:tav>
+                                        <p:tav tm="100000">
+                                          <p:val>
+                                            <p:strVal val="#ppt_y"/>
+                                          </p:val>
+                                        </p:tav>
+                                      </p:tavLst>
+                                    </p:anim>
+                                  </p:childTnLst>
+                                </p:cTn>
+                              </p:par>
+                            </p:childTnLst>
+                          </p:cTn>
+                        </p:par>
+                      </p:childTnLst>
+                    </p:cTn>
+                  </p:par>
+                  <p:par>
+                    <p:cTn id="35" fill="hold">
+                      <p:stCondLst>
+                        <p:cond delay="indefinite"/>
+                      </p:stCondLst>
+                      <p:childTnLst>
+                        <p:par>
+                          <p:cTn id="36" fill="hold">
+                            <p:stCondLst>
+                              <p:cond delay="0"/>
+                            </p:stCondLst>
+                            <p:childTnLst>
+                              <p:par>
+                                <p:cTn id="37" presetID="1" presetClass="exit" presetSubtype="0" fill="hold" grpId="1" nodeType="clickEffect">
+                                  <p:stCondLst>
+                                    <p:cond delay="0"/>
+                                  </p:stCondLst>
+                                  <p:childTnLst>
+                                    <p:set>
+                                      <p:cBhvr>
+                                        <p:cTn id="38" dur="1" fill="hold">
+                                          <p:stCondLst>
+                                            <p:cond delay="0"/>
+                                          </p:stCondLst>
+                                        </p:cTn>
+                                        <p:tgtEl>
+                                          <p:spTgt spid="8"/>
+                                        </p:tgtEl>
+                                        <p:attrNameLst>
+                                          <p:attrName>style.visibility</p:attrName>
+                                        </p:attrNameLst>
+                                      </p:cBhvr>
+                                      <p:to>
+                                        <p:strVal val="hidden"/>
+                                      </p:to>
+                                    </p:set>
+                                  </p:childTnLst>
+                                </p:cTn>
+                              </p:par>
+                            </p:childTnLst>
+                          </p:cTn>
+                        </p:par>
+                      </p:childTnLst>
+                    </p:cTn>
+                  </p:par>
+                </p:childTnLst>
+              </p:cTn>
+              <p:prevCondLst>
+                <p:cond evt="onPrev" delay="0">
+                  <p:tgtEl>
+                    <p:sldTgt/>
+                  </p:tgtEl>
+                </p:cond>
+              </p:prevCondLst>
+              <p:nextCondLst>
+                <p:cond evt="onNext" delay="0">
+                  <p:tgtEl>
+                    <p:sldTgt/>
+                  </p:tgtEl>
+                </p:cond>
+              </p:nextCondLst>
+            </p:seq>
+          </p:childTnLst>
+        </p:cTn>
+      </p:par>
+    </p:tnLst>
+    <p:bldLst>
+      <p:bldP spid="6" grpId="0" animBg="1"/>
+      <p:bldP spid="6" grpId="1" animBg="1"/>
+      <p:bldP spid="7" grpId="0" animBg="1"/>
+      <p:bldP spid="7" grpId="1" animBg="1"/>
+      <p:bldP spid="8" grpId="0" animBg="1"/>
+      <p:bldP spid="8" grpId="1" animBg="1"/>
+    </p:bldLst>
+  </p:timing>
+</p:sld>
+</file>
+
+<file path=ppt/slides/slide6.xml><?xml version="1.0" encoding="utf-8"?>
+<p:sld xmlns:a="http://schemas.openxmlformats.org/drawingml/2006/main" xmlns:r="http://schemas.openxmlformats.org/officeDocument/2006/relationships" xmlns:p="http://schemas.openxmlformats.org/presentationml/2006/main">
+  <p:cSld>
+    <p:spTree>
+      <p:nvGrpSpPr>
+        <p:cNvPr id="1" name=""/>
+        <p:cNvGrpSpPr/>
+        <p:nvPr/>
+      </p:nvGrpSpPr>
+      <p:grpSpPr>
+        <a:xfrm>
+          <a:off x="0" y="0"/>
+          <a:ext cx="0" cy="0"/>
+          <a:chOff x="0" y="0"/>
+          <a:chExt cx="0" cy="0"/>
+        </a:xfrm>
+      </p:grpSpPr>
+      <p:sp>
+        <p:nvSpPr>
+          <p:cNvPr id="3" name="TextBox 2">
+            <a:extLst>
+              <a:ext uri="{FF2B5EF4-FFF2-40B4-BE49-F238E27FC236}">
+                <a16:creationId xmlns:a16="http://schemas.microsoft.com/office/drawing/2014/main" id="{A2AB882A-6C63-D88D-94DF-15276E948DB5}"/>
+              </a:ext>
+            </a:extLst>
+          </p:cNvPr>
+          <p:cNvSpPr txBox="1"/>
+          <p:nvPr/>
+        </p:nvSpPr>
+        <p:spPr>
+          <a:xfrm>
+            <a:off x="4478467" y="352338"/>
+            <a:ext cx="2144498" cy="369332"/>
+          </a:xfrm>
+          <a:prstGeom prst="rect">
+            <a:avLst/>
+          </a:prstGeom>
+          <a:noFill/>
+        </p:spPr>
+        <p:txBody>
+          <a:bodyPr wrap="none" rtlCol="0">
+            <a:spAutoFit/>
+          </a:bodyPr>
+          <a:lstStyle/>
+          <a:p>
+            <a:r>
+              <a:rPr lang="en-US" dirty="0"/>
+              <a:t>Robby_with_class.py</a:t>
+            </a:r>
+            <a:endParaRPr lang="en-SG" dirty="0"/>
+          </a:p>
+        </p:txBody>
+      </p:sp>
+      <p:pic>
+        <p:nvPicPr>
+          <p:cNvPr id="4" name="Picture 3">
+            <a:extLst>
+              <a:ext uri="{FF2B5EF4-FFF2-40B4-BE49-F238E27FC236}">
+                <a16:creationId xmlns:a16="http://schemas.microsoft.com/office/drawing/2014/main" id="{190A2F37-EC04-40A2-B4F8-71FE9C1AF6C4}"/>
+              </a:ext>
+            </a:extLst>
+          </p:cNvPr>
+          <p:cNvPicPr>
+            <a:picLocks noChangeAspect="1"/>
+          </p:cNvPicPr>
+          <p:nvPr/>
+        </p:nvPicPr>
+        <p:blipFill>
+          <a:blip r:embed="rId2"/>
+          <a:stretch>
+            <a:fillRect/>
+          </a:stretch>
+        </p:blipFill>
+        <p:spPr>
+          <a:xfrm>
+            <a:off x="2619375" y="47625"/>
+            <a:ext cx="6953250" cy="6762750"/>
+          </a:xfrm>
+          <a:prstGeom prst="rect">
+            <a:avLst/>
+          </a:prstGeom>
+        </p:spPr>
+      </p:pic>
+      <p:sp>
+        <p:nvSpPr>
+          <p:cNvPr id="9" name="Rectangle 8">
+            <a:extLst>
+              <a:ext uri="{FF2B5EF4-FFF2-40B4-BE49-F238E27FC236}">
+                <a16:creationId xmlns:a16="http://schemas.microsoft.com/office/drawing/2014/main" id="{707ED39D-59B5-689C-4B98-8D435646EFA6}"/>
+              </a:ext>
+            </a:extLst>
+          </p:cNvPr>
+          <p:cNvSpPr/>
+          <p:nvPr/>
+        </p:nvSpPr>
+        <p:spPr>
+          <a:xfrm>
+            <a:off x="2619375" y="47624"/>
+            <a:ext cx="4986392" cy="904097"/>
+          </a:xfrm>
+          <a:prstGeom prst="rect">
+            <a:avLst/>
+          </a:prstGeom>
+          <a:noFill/>
+          <a:ln w="53975"/>
+        </p:spPr>
+        <p:style>
+          <a:lnRef idx="2">
+            <a:schemeClr val="accent1">
+              <a:shade val="15000"/>
+            </a:schemeClr>
+          </a:lnRef>
+          <a:fillRef idx="1">
+            <a:schemeClr val="accent1"/>
+          </a:fillRef>
+          <a:effectRef idx="0">
+            <a:schemeClr val="accent1"/>
+          </a:effectRef>
+          <a:fontRef idx="minor">
+            <a:schemeClr val="lt1"/>
+          </a:fontRef>
+        </p:style>
+        <p:txBody>
+          <a:bodyPr rtlCol="0" anchor="ctr"/>
+          <a:lstStyle/>
+          <a:p>
+            <a:pPr algn="ctr"/>
+            <a:endParaRPr lang="en-SG"/>
+          </a:p>
+        </p:txBody>
+      </p:sp>
+      <p:sp>
+        <p:nvSpPr>
+          <p:cNvPr id="10" name="Rectangle 9">
+            <a:extLst>
+              <a:ext uri="{FF2B5EF4-FFF2-40B4-BE49-F238E27FC236}">
+                <a16:creationId xmlns:a16="http://schemas.microsoft.com/office/drawing/2014/main" id="{305F4D56-1061-D64C-2036-A4E0E5EF0AB3}"/>
+              </a:ext>
+            </a:extLst>
+          </p:cNvPr>
+          <p:cNvSpPr/>
+          <p:nvPr/>
+        </p:nvSpPr>
+        <p:spPr>
+          <a:xfrm>
+            <a:off x="2619374" y="1105094"/>
+            <a:ext cx="6552617" cy="5705281"/>
+          </a:xfrm>
+          <a:prstGeom prst="rect">
+            <a:avLst/>
+          </a:prstGeom>
+          <a:noFill/>
+          <a:ln w="53975"/>
+        </p:spPr>
+        <p:style>
+          <a:lnRef idx="2">
+            <a:schemeClr val="accent1">
+              <a:shade val="15000"/>
+            </a:schemeClr>
+          </a:lnRef>
+          <a:fillRef idx="1">
+            <a:schemeClr val="accent1"/>
+          </a:fillRef>
+          <a:effectRef idx="0">
+            <a:schemeClr val="accent1"/>
+          </a:effectRef>
+          <a:fontRef idx="minor">
+            <a:schemeClr val="lt1"/>
+          </a:fontRef>
+        </p:style>
+        <p:txBody>
+          <a:bodyPr rtlCol="0" anchor="ctr"/>
+          <a:lstStyle/>
+          <a:p>
+            <a:pPr algn="ctr"/>
+            <a:endParaRPr lang="en-SG"/>
+          </a:p>
+        </p:txBody>
+      </p:sp>
+      <p:sp>
+        <p:nvSpPr>
+          <p:cNvPr id="11" name="Rectangle 10">
+            <a:extLst>
+              <a:ext uri="{FF2B5EF4-FFF2-40B4-BE49-F238E27FC236}">
+                <a16:creationId xmlns:a16="http://schemas.microsoft.com/office/drawing/2014/main" id="{428FAA46-B768-0D74-7C91-9FA655552D4C}"/>
+              </a:ext>
+            </a:extLst>
+          </p:cNvPr>
+          <p:cNvSpPr/>
+          <p:nvPr/>
+        </p:nvSpPr>
+        <p:spPr>
+          <a:xfrm>
+            <a:off x="2939726" y="1524972"/>
+            <a:ext cx="2706612" cy="484218"/>
+          </a:xfrm>
+          <a:prstGeom prst="rect">
+            <a:avLst/>
+          </a:prstGeom>
+          <a:noFill/>
+          <a:ln w="53975"/>
+        </p:spPr>
+        <p:style>
+          <a:lnRef idx="2">
+            <a:schemeClr val="accent1">
+              <a:shade val="15000"/>
+            </a:schemeClr>
+          </a:lnRef>
+          <a:fillRef idx="1">
+            <a:schemeClr val="accent1"/>
+          </a:fillRef>
+          <a:effectRef idx="0">
+            <a:schemeClr val="accent1"/>
+          </a:effectRef>
+          <a:fontRef idx="minor">
+            <a:schemeClr val="lt1"/>
+          </a:fontRef>
+        </p:style>
+        <p:txBody>
+          <a:bodyPr rtlCol="0" anchor="ctr"/>
+          <a:lstStyle/>
+          <a:p>
+            <a:pPr algn="ctr"/>
+            <a:endParaRPr lang="en-SG"/>
+          </a:p>
+        </p:txBody>
+      </p:sp>
+      <p:sp>
+        <p:nvSpPr>
+          <p:cNvPr id="12" name="Rectangle 11">
+            <a:extLst>
+              <a:ext uri="{FF2B5EF4-FFF2-40B4-BE49-F238E27FC236}">
+                <a16:creationId xmlns:a16="http://schemas.microsoft.com/office/drawing/2014/main" id="{61FA66DE-7D30-F5B6-A932-546E13475F32}"/>
+              </a:ext>
+            </a:extLst>
+          </p:cNvPr>
+          <p:cNvSpPr/>
+          <p:nvPr/>
+        </p:nvSpPr>
+        <p:spPr>
+          <a:xfrm>
+            <a:off x="3670624" y="5268688"/>
+            <a:ext cx="2706612" cy="357671"/>
+          </a:xfrm>
+          <a:prstGeom prst="rect">
+            <a:avLst/>
+          </a:prstGeom>
+          <a:noFill/>
+          <a:ln w="53975"/>
+        </p:spPr>
+        <p:style>
+          <a:lnRef idx="2">
+            <a:schemeClr val="accent1">
+              <a:shade val="15000"/>
+            </a:schemeClr>
+          </a:lnRef>
+          <a:fillRef idx="1">
+            <a:schemeClr val="accent1"/>
+          </a:fillRef>
+          <a:effectRef idx="0">
+            <a:schemeClr val="accent1"/>
+          </a:effectRef>
+          <a:fontRef idx="minor">
+            <a:schemeClr val="lt1"/>
+          </a:fontRef>
+        </p:style>
+        <p:txBody>
+          <a:bodyPr rtlCol="0" anchor="ctr"/>
+          <a:lstStyle/>
+          <a:p>
+            <a:pPr algn="ctr"/>
+            <a:endParaRPr lang="en-SG"/>
+          </a:p>
+        </p:txBody>
+      </p:sp>
+      <p:sp>
+        <p:nvSpPr>
+          <p:cNvPr id="13" name="Rectangle 12">
+            <a:extLst>
+              <a:ext uri="{FF2B5EF4-FFF2-40B4-BE49-F238E27FC236}">
+                <a16:creationId xmlns:a16="http://schemas.microsoft.com/office/drawing/2014/main" id="{073AC530-5F04-2BEE-6CE0-3BFFAF4386A6}"/>
+              </a:ext>
+            </a:extLst>
+          </p:cNvPr>
+          <p:cNvSpPr/>
+          <p:nvPr/>
+        </p:nvSpPr>
+        <p:spPr>
+          <a:xfrm>
+            <a:off x="5023930" y="5688566"/>
+            <a:ext cx="2706612" cy="283026"/>
+          </a:xfrm>
+          <a:prstGeom prst="rect">
+            <a:avLst/>
+          </a:prstGeom>
+          <a:noFill/>
+          <a:ln w="53975"/>
+        </p:spPr>
+        <p:style>
+          <a:lnRef idx="2">
+            <a:schemeClr val="accent1">
+              <a:shade val="15000"/>
+            </a:schemeClr>
+          </a:lnRef>
+          <a:fillRef idx="1">
+            <a:schemeClr val="accent1"/>
+          </a:fillRef>
+          <a:effectRef idx="0">
+            <a:schemeClr val="accent1"/>
+          </a:effectRef>
+          <a:fontRef idx="minor">
+            <a:schemeClr val="lt1"/>
+          </a:fontRef>
+        </p:style>
+        <p:txBody>
+          <a:bodyPr rtlCol="0" anchor="ctr"/>
+          <a:lstStyle/>
+          <a:p>
+            <a:pPr algn="ctr"/>
+            <a:endParaRPr lang="en-SG"/>
+          </a:p>
+        </p:txBody>
+      </p:sp>
+    </p:spTree>
+    <p:extLst>
+      <p:ext uri="{BB962C8B-B14F-4D97-AF65-F5344CB8AC3E}">
+        <p14:creationId xmlns:p14="http://schemas.microsoft.com/office/powerpoint/2010/main" val="2976258052"/>
+      </p:ext>
+    </p:extLst>
+  </p:cSld>
+  <p:clrMapOvr>
+    <a:masterClrMapping/>
+  </p:clrMapOvr>
+  <p:timing>
+    <p:tnLst>
+      <p:par>
+        <p:cTn id="1" dur="indefinite" restart="never" nodeType="tmRoot">
+          <p:childTnLst>
+            <p:seq concurrent="1" nextAc="seek">
+              <p:cTn id="2" dur="indefinite" nodeType="mainSeq">
+                <p:childTnLst>
+                  <p:par>
+                    <p:cTn id="3" fill="hold">
+                      <p:stCondLst>
+                        <p:cond delay="indefinite"/>
+                      </p:stCondLst>
+                      <p:childTnLst>
+                        <p:par>
+                          <p:cTn id="4" fill="hold">
+                            <p:stCondLst>
+                              <p:cond delay="0"/>
+                            </p:stCondLst>
+                            <p:childTnLst>
+                              <p:par>
+                                <p:cTn id="5" presetID="2" presetClass="entr" presetSubtype="4" fill="hold" grpId="0" nodeType="clickEffect">
+                                  <p:stCondLst>
+                                    <p:cond delay="0"/>
+                                  </p:stCondLst>
+                                  <p:childTnLst>
+                                    <p:set>
+                                      <p:cBhvr>
+                                        <p:cTn id="6" dur="1" fill="hold">
+                                          <p:stCondLst>
+                                            <p:cond delay="0"/>
+                                          </p:stCondLst>
+                                        </p:cTn>
+                                        <p:tgtEl>
+                                          <p:spTgt spid="9"/>
+                                        </p:tgtEl>
+                                        <p:attrNameLst>
+                                          <p:attrName>style.visibility</p:attrName>
+                                        </p:attrNameLst>
+                                      </p:cBhvr>
+                                      <p:to>
+                                        <p:strVal val="visible"/>
+                                      </p:to>
+                                    </p:set>
+                                    <p:anim calcmode="lin" valueType="num">
+                                      <p:cBhvr additive="base">
+                                        <p:cTn id="7" dur="500" fill="hold"/>
+                                        <p:tgtEl>
+                                          <p:spTgt spid="9"/>
+                                        </p:tgtEl>
+                                        <p:attrNameLst>
+                                          <p:attrName>ppt_x</p:attrName>
+                                        </p:attrNameLst>
+                                      </p:cBhvr>
+                                      <p:tavLst>
+                                        <p:tav tm="0">
+                                          <p:val>
+                                            <p:strVal val="#ppt_x"/>
+                                          </p:val>
+                                        </p:tav>
+                                        <p:tav tm="100000">
+                                          <p:val>
+                                            <p:strVal val="#ppt_x"/>
+                                          </p:val>
+                                        </p:tav>
+                                      </p:tavLst>
+                                    </p:anim>
+                                    <p:anim calcmode="lin" valueType="num">
+                                      <p:cBhvr additive="base">
+                                        <p:cTn id="8" dur="500" fill="hold"/>
+                                        <p:tgtEl>
+                                          <p:spTgt spid="9"/>
+                                        </p:tgtEl>
+                                        <p:attrNameLst>
+                                          <p:attrName>ppt_y</p:attrName>
+                                        </p:attrNameLst>
+                                      </p:cBhvr>
+                                      <p:tavLst>
+                                        <p:tav tm="0">
+                                          <p:val>
+                                            <p:strVal val="1+#ppt_h/2"/>
+                                          </p:val>
+                                        </p:tav>
+                                        <p:tav tm="100000">
+                                          <p:val>
+                                            <p:strVal val="#ppt_y"/>
+                                          </p:val>
+                                        </p:tav>
+                                      </p:tavLst>
+                                    </p:anim>
+                                  </p:childTnLst>
+                                </p:cTn>
+                              </p:par>
+                            </p:childTnLst>
+                          </p:cTn>
+                        </p:par>
+                      </p:childTnLst>
+                    </p:cTn>
+                  </p:par>
+                  <p:par>
+                    <p:cTn id="9" fill="hold">
+                      <p:stCondLst>
+                        <p:cond delay="indefinite"/>
+                      </p:stCondLst>
+                      <p:childTnLst>
+                        <p:par>
+                          <p:cTn id="10" fill="hold">
+                            <p:stCondLst>
+                              <p:cond delay="0"/>
+                            </p:stCondLst>
+                            <p:childTnLst>
+                              <p:par>
+                                <p:cTn id="11" presetID="1" presetClass="exit" presetSubtype="0" fill="hold" grpId="1" nodeType="clickEffect">
+                                  <p:stCondLst>
+                                    <p:cond delay="0"/>
+                                  </p:stCondLst>
+                                  <p:childTnLst>
+                                    <p:set>
+                                      <p:cBhvr>
+                                        <p:cTn id="12" dur="1" fill="hold">
+                                          <p:stCondLst>
+                                            <p:cond delay="0"/>
+                                          </p:stCondLst>
+                                        </p:cTn>
+                                        <p:tgtEl>
+                                          <p:spTgt spid="9"/>
+                                        </p:tgtEl>
+                                        <p:attrNameLst>
+                                          <p:attrName>style.visibility</p:attrName>
+                                        </p:attrNameLst>
+                                      </p:cBhvr>
+                                      <p:to>
+                                        <p:strVal val="hidden"/>
+                                      </p:to>
+                                    </p:set>
+                                  </p:childTnLst>
+                                </p:cTn>
+                              </p:par>
+                            </p:childTnLst>
+                          </p:cTn>
+                        </p:par>
+                      </p:childTnLst>
+                    </p:cTn>
+                  </p:par>
+                  <p:par>
+                    <p:cTn id="13" fill="hold">
+                      <p:stCondLst>
+                        <p:cond delay="indefinite"/>
+                      </p:stCondLst>
+                      <p:childTnLst>
+                        <p:par>
+                          <p:cTn id="14" fill="hold">
+                            <p:stCondLst>
+                              <p:cond delay="0"/>
+                            </p:stCondLst>
+                            <p:childTnLst>
+                              <p:par>
+                                <p:cTn id="15" presetID="2" presetClass="entr" presetSubtype="4" fill="hold" grpId="0" nodeType="clickEffect">
+                                  <p:stCondLst>
+                                    <p:cond delay="0"/>
+                                  </p:stCondLst>
+                                  <p:childTnLst>
+                                    <p:set>
+                                      <p:cBhvr>
+                                        <p:cTn id="16" dur="1" fill="hold">
+                                          <p:stCondLst>
+                                            <p:cond delay="0"/>
+                                          </p:stCondLst>
+                                        </p:cTn>
+                                        <p:tgtEl>
+                                          <p:spTgt spid="10"/>
+                                        </p:tgtEl>
+                                        <p:attrNameLst>
+                                          <p:attrName>style.visibility</p:attrName>
+                                        </p:attrNameLst>
+                                      </p:cBhvr>
+                                      <p:to>
+                                        <p:strVal val="visible"/>
+                                      </p:to>
+                                    </p:set>
+                                    <p:anim calcmode="lin" valueType="num">
+                                      <p:cBhvr additive="base">
+                                        <p:cTn id="17" dur="500" fill="hold"/>
+                                        <p:tgtEl>
+                                          <p:spTgt spid="10"/>
+                                        </p:tgtEl>
+                                        <p:attrNameLst>
+                                          <p:attrName>ppt_x</p:attrName>
+                                        </p:attrNameLst>
+                                      </p:cBhvr>
+                                      <p:tavLst>
+                                        <p:tav tm="0">
+                                          <p:val>
+                                            <p:strVal val="#ppt_x"/>
+                                          </p:val>
+                                        </p:tav>
+                                        <p:tav tm="100000">
+                                          <p:val>
+                                            <p:strVal val="#ppt_x"/>
+                                          </p:val>
+                                        </p:tav>
+                                      </p:tavLst>
+                                    </p:anim>
+                                    <p:anim calcmode="lin" valueType="num">
+                                      <p:cBhvr additive="base">
+                                        <p:cTn id="18" dur="500" fill="hold"/>
+                                        <p:tgtEl>
+                                          <p:spTgt spid="10"/>
+                                        </p:tgtEl>
+                                        <p:attrNameLst>
+                                          <p:attrName>ppt_y</p:attrName>
+                                        </p:attrNameLst>
+                                      </p:cBhvr>
+                                      <p:tavLst>
+                                        <p:tav tm="0">
+                                          <p:val>
+                                            <p:strVal val="1+#ppt_h/2"/>
+                                          </p:val>
+                                        </p:tav>
+                                        <p:tav tm="100000">
+                                          <p:val>
+                                            <p:strVal val="#ppt_y"/>
+                                          </p:val>
+                                        </p:tav>
+                                      </p:tavLst>
+                                    </p:anim>
+                                  </p:childTnLst>
+                                </p:cTn>
+                              </p:par>
+                            </p:childTnLst>
+                          </p:cTn>
+                        </p:par>
+                      </p:childTnLst>
+                    </p:cTn>
+                  </p:par>
+                  <p:par>
+                    <p:cTn id="19" fill="hold">
+                      <p:stCondLst>
+                        <p:cond delay="indefinite"/>
+                      </p:stCondLst>
+                      <p:childTnLst>
+                        <p:par>
+                          <p:cTn id="20" fill="hold">
+                            <p:stCondLst>
+                              <p:cond delay="0"/>
+                            </p:stCondLst>
+                            <p:childTnLst>
+                              <p:par>
+                                <p:cTn id="21" presetID="1" presetClass="exit" presetSubtype="0" fill="hold" grpId="1" nodeType="clickEffect">
+                                  <p:stCondLst>
+                                    <p:cond delay="0"/>
+                                  </p:stCondLst>
+                                  <p:childTnLst>
+                                    <p:set>
+                                      <p:cBhvr>
+                                        <p:cTn id="22" dur="1" fill="hold">
+                                          <p:stCondLst>
+                                            <p:cond delay="0"/>
+                                          </p:stCondLst>
+                                        </p:cTn>
+                                        <p:tgtEl>
+                                          <p:spTgt spid="10"/>
+                                        </p:tgtEl>
+                                        <p:attrNameLst>
+                                          <p:attrName>style.visibility</p:attrName>
+                                        </p:attrNameLst>
+                                      </p:cBhvr>
+                                      <p:to>
+                                        <p:strVal val="hidden"/>
+                                      </p:to>
+                                    </p:set>
+                                  </p:childTnLst>
+                                </p:cTn>
+                              </p:par>
+                            </p:childTnLst>
+                          </p:cTn>
+                        </p:par>
+                      </p:childTnLst>
+                    </p:cTn>
+                  </p:par>
+                  <p:par>
+                    <p:cTn id="23" fill="hold">
+                      <p:stCondLst>
+                        <p:cond delay="indefinite"/>
+                      </p:stCondLst>
+                      <p:childTnLst>
+                        <p:par>
+                          <p:cTn id="24" fill="hold">
+                            <p:stCondLst>
+                              <p:cond delay="0"/>
+                            </p:stCondLst>
+                            <p:childTnLst>
+                              <p:par>
+                                <p:cTn id="25" presetID="2" presetClass="entr" presetSubtype="4" fill="hold" grpId="0" nodeType="clickEffect">
+                                  <p:stCondLst>
+                                    <p:cond delay="0"/>
+                                  </p:stCondLst>
+                                  <p:childTnLst>
+                                    <p:set>
+                                      <p:cBhvr>
+                                        <p:cTn id="26" dur="1" fill="hold">
+                                          <p:stCondLst>
+                                            <p:cond delay="0"/>
+                                          </p:stCondLst>
+                                        </p:cTn>
+                                        <p:tgtEl>
+                                          <p:spTgt spid="11"/>
+                                        </p:tgtEl>
+                                        <p:attrNameLst>
+                                          <p:attrName>style.visibility</p:attrName>
+                                        </p:attrNameLst>
+                                      </p:cBhvr>
+                                      <p:to>
+                                        <p:strVal val="visible"/>
+                                      </p:to>
+                                    </p:set>
+                                    <p:anim calcmode="lin" valueType="num">
+                                      <p:cBhvr additive="base">
+                                        <p:cTn id="27" dur="500" fill="hold"/>
+                                        <p:tgtEl>
+                                          <p:spTgt spid="11"/>
+                                        </p:tgtEl>
+                                        <p:attrNameLst>
+                                          <p:attrName>ppt_x</p:attrName>
+                                        </p:attrNameLst>
+                                      </p:cBhvr>
+                                      <p:tavLst>
+                                        <p:tav tm="0">
+                                          <p:val>
+                                            <p:strVal val="#ppt_x"/>
+                                          </p:val>
+                                        </p:tav>
+                                        <p:tav tm="100000">
+                                          <p:val>
+                                            <p:strVal val="#ppt_x"/>
+                                          </p:val>
+                                        </p:tav>
+                                      </p:tavLst>
+                                    </p:anim>
+                                    <p:anim calcmode="lin" valueType="num">
+                                      <p:cBhvr additive="base">
+                                        <p:cTn id="28" dur="500" fill="hold"/>
+                                        <p:tgtEl>
+                                          <p:spTgt spid="11"/>
+                                        </p:tgtEl>
+                                        <p:attrNameLst>
+                                          <p:attrName>ppt_y</p:attrName>
+                                        </p:attrNameLst>
+                                      </p:cBhvr>
+                                      <p:tavLst>
+                                        <p:tav tm="0">
+                                          <p:val>
+                                            <p:strVal val="1+#ppt_h/2"/>
+                                          </p:val>
+                                        </p:tav>
+                                        <p:tav tm="100000">
+                                          <p:val>
+                                            <p:strVal val="#ppt_y"/>
+                                          </p:val>
+                                        </p:tav>
+                                      </p:tavLst>
+                                    </p:anim>
+                                  </p:childTnLst>
+                                </p:cTn>
+                              </p:par>
+                            </p:childTnLst>
+                          </p:cTn>
+                        </p:par>
+                      </p:childTnLst>
+                    </p:cTn>
+                  </p:par>
+                  <p:par>
+                    <p:cTn id="29" fill="hold">
+                      <p:stCondLst>
+                        <p:cond delay="indefinite"/>
+                      </p:stCondLst>
+                      <p:childTnLst>
+                        <p:par>
+                          <p:cTn id="30" fill="hold">
+                            <p:stCondLst>
+                              <p:cond delay="0"/>
+                            </p:stCondLst>
+                            <p:childTnLst>
+                              <p:par>
+                                <p:cTn id="31" presetID="1" presetClass="exit" presetSubtype="0" fill="hold" grpId="1" nodeType="clickEffect">
+                                  <p:stCondLst>
+                                    <p:cond delay="0"/>
+                                  </p:stCondLst>
+                                  <p:childTnLst>
+                                    <p:set>
+                                      <p:cBhvr>
+                                        <p:cTn id="32" dur="1" fill="hold">
+                                          <p:stCondLst>
+                                            <p:cond delay="0"/>
+                                          </p:stCondLst>
+                                        </p:cTn>
+                                        <p:tgtEl>
+                                          <p:spTgt spid="11"/>
+                                        </p:tgtEl>
+                                        <p:attrNameLst>
+                                          <p:attrName>style.visibility</p:attrName>
+                                        </p:attrNameLst>
+                                      </p:cBhvr>
+                                      <p:to>
+                                        <p:strVal val="hidden"/>
+                                      </p:to>
+                                    </p:set>
+                                  </p:childTnLst>
+                                </p:cTn>
+                              </p:par>
+                            </p:childTnLst>
+                          </p:cTn>
+                        </p:par>
+                      </p:childTnLst>
+                    </p:cTn>
+                  </p:par>
+                  <p:par>
+                    <p:cTn id="33" fill="hold">
+                      <p:stCondLst>
+                        <p:cond delay="indefinite"/>
+                      </p:stCondLst>
+                      <p:childTnLst>
+                        <p:par>
+                          <p:cTn id="34" fill="hold">
+                            <p:stCondLst>
+                              <p:cond delay="0"/>
+                            </p:stCondLst>
+                            <p:childTnLst>
+                              <p:par>
+                                <p:cTn id="35" presetID="2" presetClass="entr" presetSubtype="4" fill="hold" grpId="0" nodeType="clickEffect">
+                                  <p:stCondLst>
+                                    <p:cond delay="0"/>
+                                  </p:stCondLst>
+                                  <p:childTnLst>
+                                    <p:set>
+                                      <p:cBhvr>
+                                        <p:cTn id="36" dur="1" fill="hold">
+                                          <p:stCondLst>
+                                            <p:cond delay="0"/>
+                                          </p:stCondLst>
+                                        </p:cTn>
+                                        <p:tgtEl>
+                                          <p:spTgt spid="12"/>
+                                        </p:tgtEl>
+                                        <p:attrNameLst>
+                                          <p:attrName>style.visibility</p:attrName>
+                                        </p:attrNameLst>
+                                      </p:cBhvr>
+                                      <p:to>
+                                        <p:strVal val="visible"/>
+                                      </p:to>
+                                    </p:set>
+                                    <p:anim calcmode="lin" valueType="num">
+                                      <p:cBhvr additive="base">
+                                        <p:cTn id="37" dur="500" fill="hold"/>
+                                        <p:tgtEl>
+                                          <p:spTgt spid="12"/>
+                                        </p:tgtEl>
+                                        <p:attrNameLst>
+                                          <p:attrName>ppt_x</p:attrName>
+                                        </p:attrNameLst>
+                                      </p:cBhvr>
+                                      <p:tavLst>
+                                        <p:tav tm="0">
+                                          <p:val>
+                                            <p:strVal val="#ppt_x"/>
+                                          </p:val>
+                                        </p:tav>
+                                        <p:tav tm="100000">
+                                          <p:val>
+                                            <p:strVal val="#ppt_x"/>
+                                          </p:val>
+                                        </p:tav>
+                                      </p:tavLst>
+                                    </p:anim>
+                                    <p:anim calcmode="lin" valueType="num">
+                                      <p:cBhvr additive="base">
+                                        <p:cTn id="38" dur="500" fill="hold"/>
+                                        <p:tgtEl>
+                                          <p:spTgt spid="12"/>
+                                        </p:tgtEl>
+                                        <p:attrNameLst>
+                                          <p:attrName>ppt_y</p:attrName>
+                                        </p:attrNameLst>
+                                      </p:cBhvr>
+                                      <p:tavLst>
+                                        <p:tav tm="0">
+                                          <p:val>
+                                            <p:strVal val="1+#ppt_h/2"/>
+                                          </p:val>
+                                        </p:tav>
+                                        <p:tav tm="100000">
+                                          <p:val>
+                                            <p:strVal val="#ppt_y"/>
+                                          </p:val>
+                                        </p:tav>
+                                      </p:tavLst>
+                                    </p:anim>
+                                  </p:childTnLst>
+                                </p:cTn>
+                              </p:par>
+                            </p:childTnLst>
+                          </p:cTn>
+                        </p:par>
+                      </p:childTnLst>
+                    </p:cTn>
+                  </p:par>
+                  <p:par>
+                    <p:cTn id="39" fill="hold">
+                      <p:stCondLst>
+                        <p:cond delay="indefinite"/>
+                      </p:stCondLst>
+                      <p:childTnLst>
+                        <p:par>
+                          <p:cTn id="40" fill="hold">
+                            <p:stCondLst>
+                              <p:cond delay="0"/>
+                            </p:stCondLst>
+                            <p:childTnLst>
+                              <p:par>
+                                <p:cTn id="41" presetID="1" presetClass="exit" presetSubtype="0" fill="hold" grpId="1" nodeType="clickEffect">
+                                  <p:stCondLst>
+                                    <p:cond delay="0"/>
+                                  </p:stCondLst>
+                                  <p:childTnLst>
+                                    <p:set>
+                                      <p:cBhvr>
+                                        <p:cTn id="42" dur="1" fill="hold">
+                                          <p:stCondLst>
+                                            <p:cond delay="0"/>
+                                          </p:stCondLst>
+                                        </p:cTn>
+                                        <p:tgtEl>
+                                          <p:spTgt spid="12"/>
+                                        </p:tgtEl>
+                                        <p:attrNameLst>
+                                          <p:attrName>style.visibility</p:attrName>
+                                        </p:attrNameLst>
+                                      </p:cBhvr>
+                                      <p:to>
+                                        <p:strVal val="hidden"/>
+                                      </p:to>
+                                    </p:set>
+                                  </p:childTnLst>
+                                </p:cTn>
+                              </p:par>
+                            </p:childTnLst>
+                          </p:cTn>
+                        </p:par>
+                      </p:childTnLst>
+                    </p:cTn>
+                  </p:par>
+                  <p:par>
+                    <p:cTn id="43" fill="hold">
+                      <p:stCondLst>
+                        <p:cond delay="indefinite"/>
+                      </p:stCondLst>
+                      <p:childTnLst>
+                        <p:par>
+                          <p:cTn id="44" fill="hold">
+                            <p:stCondLst>
+                              <p:cond delay="0"/>
+                            </p:stCondLst>
+                            <p:childTnLst>
+                              <p:par>
+                                <p:cTn id="45" presetID="2" presetClass="entr" presetSubtype="4" fill="hold" grpId="0" nodeType="clickEffect">
+                                  <p:stCondLst>
+                                    <p:cond delay="0"/>
+                                  </p:stCondLst>
+                                  <p:childTnLst>
+                                    <p:set>
+                                      <p:cBhvr>
+                                        <p:cTn id="46" dur="1" fill="hold">
+                                          <p:stCondLst>
+                                            <p:cond delay="0"/>
+                                          </p:stCondLst>
+                                        </p:cTn>
+                                        <p:tgtEl>
+                                          <p:spTgt spid="13"/>
+                                        </p:tgtEl>
+                                        <p:attrNameLst>
+                                          <p:attrName>style.visibility</p:attrName>
+                                        </p:attrNameLst>
+                                      </p:cBhvr>
+                                      <p:to>
+                                        <p:strVal val="visible"/>
+                                      </p:to>
+                                    </p:set>
+                                    <p:anim calcmode="lin" valueType="num">
+                                      <p:cBhvr additive="base">
+                                        <p:cTn id="47" dur="500" fill="hold"/>
+                                        <p:tgtEl>
+                                          <p:spTgt spid="13"/>
+                                        </p:tgtEl>
+                                        <p:attrNameLst>
+                                          <p:attrName>ppt_x</p:attrName>
+                                        </p:attrNameLst>
+                                      </p:cBhvr>
+                                      <p:tavLst>
+                                        <p:tav tm="0">
+                                          <p:val>
+                                            <p:strVal val="#ppt_x"/>
+                                          </p:val>
+                                        </p:tav>
+                                        <p:tav tm="100000">
+                                          <p:val>
+                                            <p:strVal val="#ppt_x"/>
+                                          </p:val>
+                                        </p:tav>
+                                      </p:tavLst>
+                                    </p:anim>
+                                    <p:anim calcmode="lin" valueType="num">
+                                      <p:cBhvr additive="base">
+                                        <p:cTn id="48" dur="500" fill="hold"/>
+                                        <p:tgtEl>
+                                          <p:spTgt spid="13"/>
+                                        </p:tgtEl>
+                                        <p:attrNameLst>
+                                          <p:attrName>ppt_y</p:attrName>
+                                        </p:attrNameLst>
+                                      </p:cBhvr>
+                                      <p:tavLst>
+                                        <p:tav tm="0">
+                                          <p:val>
+                                            <p:strVal val="1+#ppt_h/2"/>
+                                          </p:val>
+                                        </p:tav>
+                                        <p:tav tm="100000">
+                                          <p:val>
+                                            <p:strVal val="#ppt_y"/>
+                                          </p:val>
+                                        </p:tav>
+                                      </p:tavLst>
+                                    </p:anim>
+                                  </p:childTnLst>
+                                </p:cTn>
+                              </p:par>
+                            </p:childTnLst>
+                          </p:cTn>
+                        </p:par>
+                      </p:childTnLst>
+                    </p:cTn>
+                  </p:par>
+                </p:childTnLst>
+              </p:cTn>
+              <p:prevCondLst>
+                <p:cond evt="onPrev" delay="0">
+                  <p:tgtEl>
+                    <p:sldTgt/>
+                  </p:tgtEl>
+                </p:cond>
+              </p:prevCondLst>
+              <p:nextCondLst>
+                <p:cond evt="onNext" delay="0">
+                  <p:tgtEl>
+                    <p:sldTgt/>
+                  </p:tgtEl>
+                </p:cond>
+              </p:nextCondLst>
+            </p:seq>
+          </p:childTnLst>
+        </p:cTn>
+      </p:par>
+    </p:tnLst>
+    <p:bldLst>
+      <p:bldP spid="9" grpId="0" animBg="1"/>
+      <p:bldP spid="9" grpId="1" animBg="1"/>
+      <p:bldP spid="10" grpId="0" animBg="1"/>
+      <p:bldP spid="10" grpId="1" animBg="1"/>
+      <p:bldP spid="11" grpId="0" animBg="1"/>
+      <p:bldP spid="11" grpId="1" animBg="1"/>
+      <p:bldP spid="12" grpId="0" animBg="1"/>
+      <p:bldP spid="12" grpId="1" animBg="1"/>
+      <p:bldP spid="13" grpId="0" animBg="1"/>
+    </p:bldLst>
+  </p:timing>
+</p:sld>
+</file>
+
+<file path=ppt/slides/slide7.xml><?xml version="1.0" encoding="utf-8"?>
+<p:sld xmlns:a="http://schemas.openxmlformats.org/drawingml/2006/main" xmlns:r="http://schemas.openxmlformats.org/officeDocument/2006/relationships" xmlns:p="http://schemas.openxmlformats.org/presentationml/2006/main">
+  <p:cSld>
+    <p:spTree>
+      <p:nvGrpSpPr>
+        <p:cNvPr id="1" name=""/>
+        <p:cNvGrpSpPr/>
+        <p:nvPr/>
+      </p:nvGrpSpPr>
+      <p:grpSpPr>
+        <a:xfrm>
+          <a:off x="0" y="0"/>
+          <a:ext cx="0" cy="0"/>
+          <a:chOff x="0" y="0"/>
+          <a:chExt cx="0" cy="0"/>
+        </a:xfrm>
+      </p:grpSpPr>
+      <p:pic>
+        <p:nvPicPr>
+          <p:cNvPr id="3" name="Picture 2">
+            <a:extLst>
+              <a:ext uri="{FF2B5EF4-FFF2-40B4-BE49-F238E27FC236}">
+                <a16:creationId xmlns:a16="http://schemas.microsoft.com/office/drawing/2014/main" id="{43AD3F67-8F95-E6BE-27F2-D7F5D902B762}"/>
+              </a:ext>
+            </a:extLst>
+          </p:cNvPr>
+          <p:cNvPicPr>
+            <a:picLocks noChangeAspect="1"/>
+          </p:cNvPicPr>
+          <p:nvPr/>
+        </p:nvPicPr>
+        <p:blipFill>
+          <a:blip r:embed="rId2"/>
+          <a:stretch>
+            <a:fillRect/>
+          </a:stretch>
+        </p:blipFill>
+        <p:spPr>
+          <a:xfrm>
+            <a:off x="3290887" y="726815"/>
+            <a:ext cx="5610225" cy="2381250"/>
+          </a:xfrm>
+          <a:prstGeom prst="rect">
+            <a:avLst/>
+          </a:prstGeom>
+        </p:spPr>
+      </p:pic>
+      <p:sp>
+        <p:nvSpPr>
+          <p:cNvPr id="11" name="Rectangle 10">
+            <a:extLst>
+              <a:ext uri="{FF2B5EF4-FFF2-40B4-BE49-F238E27FC236}">
+                <a16:creationId xmlns:a16="http://schemas.microsoft.com/office/drawing/2014/main" id="{FEDABDEA-02EF-D488-ED71-C410D9540093}"/>
+              </a:ext>
+            </a:extLst>
+          </p:cNvPr>
+          <p:cNvSpPr/>
+          <p:nvPr/>
+        </p:nvSpPr>
+        <p:spPr>
+          <a:xfrm>
+            <a:off x="3620276" y="723666"/>
+            <a:ext cx="3778899" cy="284040"/>
+          </a:xfrm>
+          <a:prstGeom prst="rect">
+            <a:avLst/>
+          </a:prstGeom>
+          <a:noFill/>
+          <a:ln w="53975"/>
+        </p:spPr>
+        <p:style>
+          <a:lnRef idx="2">
+            <a:schemeClr val="accent1">
+              <a:shade val="15000"/>
+            </a:schemeClr>
+          </a:lnRef>
+          <a:fillRef idx="1">
+            <a:schemeClr val="accent1"/>
+          </a:fillRef>
+          <a:effectRef idx="0">
+            <a:schemeClr val="accent1"/>
+          </a:effectRef>
+          <a:fontRef idx="minor">
+            <a:schemeClr val="lt1"/>
+          </a:fontRef>
+        </p:style>
+        <p:txBody>
+          <a:bodyPr rtlCol="0" anchor="ctr"/>
+          <a:lstStyle/>
+          <a:p>
+            <a:pPr algn="ctr"/>
+            <a:endParaRPr lang="en-SG"/>
+          </a:p>
+        </p:txBody>
+      </p:sp>
+      <p:grpSp>
+        <p:nvGrpSpPr>
+          <p:cNvPr id="7" name="Group 6">
+            <a:extLst>
+              <a:ext uri="{FF2B5EF4-FFF2-40B4-BE49-F238E27FC236}">
+                <a16:creationId xmlns:a16="http://schemas.microsoft.com/office/drawing/2014/main" id="{A87C67A3-606B-4FA2-1710-33ABC4B2424C}"/>
+              </a:ext>
+            </a:extLst>
+          </p:cNvPr>
+          <p:cNvGrpSpPr/>
+          <p:nvPr/>
+        </p:nvGrpSpPr>
+        <p:grpSpPr>
+          <a:xfrm>
+            <a:off x="1485218" y="555715"/>
+            <a:ext cx="8829675" cy="5314950"/>
+            <a:chOff x="1681162" y="771525"/>
+            <a:chExt cx="8829675" cy="5314950"/>
+          </a:xfrm>
+        </p:grpSpPr>
+        <p:pic>
+          <p:nvPicPr>
+            <p:cNvPr id="5" name="Picture 4">
+              <a:extLst>
+                <a:ext uri="{FF2B5EF4-FFF2-40B4-BE49-F238E27FC236}">
+                  <a16:creationId xmlns:a16="http://schemas.microsoft.com/office/drawing/2014/main" id="{DB4EC4B2-DC82-6227-D069-6D6BBB0C8603}"/>
+                </a:ext>
+              </a:extLst>
+            </p:cNvPr>
+            <p:cNvPicPr>
+              <a:picLocks noChangeAspect="1"/>
+            </p:cNvPicPr>
+            <p:nvPr/>
+          </p:nvPicPr>
+          <p:blipFill>
+            <a:blip r:embed="rId3"/>
+            <a:stretch>
+              <a:fillRect/>
+            </a:stretch>
+          </p:blipFill>
+          <p:spPr>
+            <a:xfrm>
+              <a:off x="1681162" y="771525"/>
+              <a:ext cx="8829675" cy="5314950"/>
+            </a:xfrm>
+            <a:prstGeom prst="rect">
+              <a:avLst/>
+            </a:prstGeom>
+          </p:spPr>
+        </p:pic>
+        <p:sp>
+          <p:nvSpPr>
+            <p:cNvPr id="6" name="TextBox 5">
+              <a:extLst>
+                <a:ext uri="{FF2B5EF4-FFF2-40B4-BE49-F238E27FC236}">
+                  <a16:creationId xmlns:a16="http://schemas.microsoft.com/office/drawing/2014/main" id="{2A49EE69-6893-76C2-08B6-0E88BE3B86E9}"/>
+                </a:ext>
+              </a:extLst>
+            </p:cNvPr>
+            <p:cNvSpPr txBox="1"/>
+            <p:nvPr/>
+          </p:nvSpPr>
+          <p:spPr>
+            <a:xfrm>
+              <a:off x="2768372" y="1212979"/>
+              <a:ext cx="5778469" cy="246221"/>
+            </a:xfrm>
+            <a:prstGeom prst="rect">
+              <a:avLst/>
+            </a:prstGeom>
+            <a:solidFill>
+              <a:schemeClr val="bg1"/>
+            </a:solidFill>
+          </p:spPr>
+          <p:txBody>
+            <a:bodyPr wrap="square" rtlCol="0">
+              <a:spAutoFit/>
+            </a:bodyPr>
+            <a:lstStyle/>
+            <a:p>
+              <a:r>
+                <a:rPr lang="en-US" sz="1000" dirty="0"/>
+                <a:t>192.168.0.243</a:t>
+              </a:r>
+              <a:endParaRPr lang="en-SG" sz="1000" dirty="0"/>
+            </a:p>
+          </p:txBody>
+        </p:sp>
+      </p:grpSp>
+      <p:grpSp>
+        <p:nvGrpSpPr>
+          <p:cNvPr id="10" name="Group 9">
+            <a:extLst>
+              <a:ext uri="{FF2B5EF4-FFF2-40B4-BE49-F238E27FC236}">
+                <a16:creationId xmlns:a16="http://schemas.microsoft.com/office/drawing/2014/main" id="{698E5A6C-2650-FBF4-6507-56F7612B4492}"/>
+              </a:ext>
+            </a:extLst>
+          </p:cNvPr>
+          <p:cNvGrpSpPr/>
+          <p:nvPr/>
+        </p:nvGrpSpPr>
+        <p:grpSpPr>
+          <a:xfrm>
+            <a:off x="3471889" y="1134727"/>
+            <a:ext cx="5248219" cy="628865"/>
+            <a:chOff x="3726478" y="1227079"/>
+            <a:chExt cx="5248219" cy="628865"/>
+          </a:xfrm>
+        </p:grpSpPr>
+        <p:sp>
+          <p:nvSpPr>
+            <p:cNvPr id="8" name="TextBox 7">
+              <a:extLst>
+                <a:ext uri="{FF2B5EF4-FFF2-40B4-BE49-F238E27FC236}">
+                  <a16:creationId xmlns:a16="http://schemas.microsoft.com/office/drawing/2014/main" id="{7982EE1F-33DC-D572-ED6F-5AD10A9F47CE}"/>
+                </a:ext>
+              </a:extLst>
+            </p:cNvPr>
+            <p:cNvSpPr txBox="1"/>
+            <p:nvPr/>
+          </p:nvSpPr>
+          <p:spPr>
+            <a:xfrm>
+              <a:off x="4973217" y="1486612"/>
+              <a:ext cx="4001480" cy="369332"/>
+            </a:xfrm>
+            <a:prstGeom prst="rect">
+              <a:avLst/>
+            </a:prstGeom>
+            <a:solidFill>
+              <a:srgbClr val="FFFF00"/>
+            </a:solidFill>
+          </p:spPr>
+          <p:txBody>
+            <a:bodyPr wrap="none" rtlCol="0">
+              <a:spAutoFit/>
+            </a:bodyPr>
+            <a:lstStyle/>
+            <a:p>
+              <a:r>
+                <a:rPr lang="en-US" dirty="0"/>
+                <a:t>IP ADDRESS OF THE PICO ON THE ROBOT</a:t>
+              </a:r>
+              <a:endParaRPr lang="en-SG" dirty="0"/>
+            </a:p>
+          </p:txBody>
+        </p:sp>
+        <p:sp>
+          <p:nvSpPr>
+            <p:cNvPr id="9" name="Arrow: Down 8">
+              <a:extLst>
+                <a:ext uri="{FF2B5EF4-FFF2-40B4-BE49-F238E27FC236}">
+                  <a16:creationId xmlns:a16="http://schemas.microsoft.com/office/drawing/2014/main" id="{C6B4E3B3-4DA0-B8C2-CACC-D37EC735CAD6}"/>
+                </a:ext>
+              </a:extLst>
+            </p:cNvPr>
+            <p:cNvSpPr/>
+            <p:nvPr/>
+          </p:nvSpPr>
+          <p:spPr>
+            <a:xfrm rot="6277155">
+              <a:off x="4086706" y="866851"/>
+              <a:ext cx="484632" cy="1205088"/>
+            </a:xfrm>
+            <a:prstGeom prst="downArrow">
+              <a:avLst/>
+            </a:prstGeom>
+          </p:spPr>
+          <p:style>
+            <a:lnRef idx="2">
+              <a:schemeClr val="accent1">
+                <a:shade val="15000"/>
+              </a:schemeClr>
+            </a:lnRef>
+            <a:fillRef idx="1">
+              <a:schemeClr val="accent1"/>
+            </a:fillRef>
+            <a:effectRef idx="0">
+              <a:schemeClr val="accent1"/>
+            </a:effectRef>
+            <a:fontRef idx="minor">
+              <a:schemeClr val="lt1"/>
+            </a:fontRef>
+          </p:style>
+          <p:txBody>
+            <a:bodyPr rtlCol="0" anchor="ctr"/>
+            <a:lstStyle/>
+            <a:p>
+              <a:pPr algn="ctr"/>
+              <a:endParaRPr lang="en-SG"/>
+            </a:p>
+          </p:txBody>
+        </p:sp>
+      </p:grpSp>
+      <p:sp>
+        <p:nvSpPr>
+          <p:cNvPr id="2" name="TextBox 1">
+            <a:extLst>
+              <a:ext uri="{FF2B5EF4-FFF2-40B4-BE49-F238E27FC236}">
+                <a16:creationId xmlns:a16="http://schemas.microsoft.com/office/drawing/2014/main" id="{E793A9DE-984A-1BDB-DB91-0C2FD7D398D3}"/>
+              </a:ext>
+            </a:extLst>
+          </p:cNvPr>
+          <p:cNvSpPr txBox="1"/>
+          <p:nvPr/>
+        </p:nvSpPr>
+        <p:spPr>
+          <a:xfrm>
+            <a:off x="2061340" y="4692750"/>
+            <a:ext cx="6800644" cy="769441"/>
+          </a:xfrm>
+          <a:prstGeom prst="rect">
+            <a:avLst/>
+          </a:prstGeom>
+          <a:solidFill>
+            <a:srgbClr val="FFFF00"/>
+          </a:solidFill>
+        </p:spPr>
+        <p:txBody>
+          <a:bodyPr wrap="none" rtlCol="0">
+            <a:spAutoFit/>
+          </a:bodyPr>
+          <a:lstStyle/>
+          <a:p>
+            <a:r>
+              <a:rPr lang="en-US" sz="4400" dirty="0">
+                <a:solidFill>
+                  <a:srgbClr val="FF0000"/>
+                </a:solidFill>
+              </a:rPr>
+              <a:t>GENERATED USING CHATGPT</a:t>
+            </a:r>
+            <a:endParaRPr lang="en-SG" sz="4400" dirty="0">
+              <a:solidFill>
+                <a:srgbClr val="FF0000"/>
+              </a:solidFill>
+            </a:endParaRPr>
+          </a:p>
+        </p:txBody>
+      </p:sp>
+    </p:spTree>
+    <p:extLst>
+      <p:ext uri="{BB962C8B-B14F-4D97-AF65-F5344CB8AC3E}">
+        <p14:creationId xmlns:p14="http://schemas.microsoft.com/office/powerpoint/2010/main" val="63344492"/>
+      </p:ext>
+    </p:extLst>
+  </p:cSld>
+  <p:clrMapOvr>
+    <a:masterClrMapping/>
+  </p:clrMapOvr>
+  <p:timing>
+    <p:tnLst>
+      <p:par>
+        <p:cTn id="1" dur="indefinite" restart="never" nodeType="tmRoot">
+          <p:childTnLst>
+            <p:seq concurrent="1" nextAc="seek">
+              <p:cTn id="2" dur="indefinite" nodeType="mainSeq">
+                <p:childTnLst>
+                  <p:par>
+                    <p:cTn id="3" fill="hold">
+                      <p:stCondLst>
+                        <p:cond delay="indefinite"/>
+                      </p:stCondLst>
+                      <p:childTnLst>
+                        <p:par>
+                          <p:cTn id="4" fill="hold">
+                            <p:stCondLst>
+                              <p:cond delay="0"/>
+                            </p:stCondLst>
+                            <p:childTnLst>
+                              <p:par>
+                                <p:cTn id="5" presetID="2" presetClass="entr" presetSubtype="4" fill="hold" grpId="0" nodeType="clickEffect">
+                                  <p:stCondLst>
+                                    <p:cond delay="0"/>
+                                  </p:stCondLst>
+                                  <p:childTnLst>
+                                    <p:set>
+                                      <p:cBhvr>
+                                        <p:cTn id="6" dur="1" fill="hold">
+                                          <p:stCondLst>
+                                            <p:cond delay="0"/>
+                                          </p:stCondLst>
+                                        </p:cTn>
+                                        <p:tgtEl>
+                                          <p:spTgt spid="11"/>
+                                        </p:tgtEl>
+                                        <p:attrNameLst>
+                                          <p:attrName>style.visibility</p:attrName>
+                                        </p:attrNameLst>
+                                      </p:cBhvr>
+                                      <p:to>
+                                        <p:strVal val="visible"/>
+                                      </p:to>
+                                    </p:set>
+                                    <p:anim calcmode="lin" valueType="num">
+                                      <p:cBhvr additive="base">
+                                        <p:cTn id="7" dur="500" fill="hold"/>
+                                        <p:tgtEl>
+                                          <p:spTgt spid="11"/>
+                                        </p:tgtEl>
+                                        <p:attrNameLst>
+                                          <p:attrName>ppt_x</p:attrName>
+                                        </p:attrNameLst>
+                                      </p:cBhvr>
+                                      <p:tavLst>
+                                        <p:tav tm="0">
+                                          <p:val>
+                                            <p:strVal val="#ppt_x"/>
+                                          </p:val>
+                                        </p:tav>
+                                        <p:tav tm="100000">
+                                          <p:val>
+                                            <p:strVal val="#ppt_x"/>
+                                          </p:val>
+                                        </p:tav>
+                                      </p:tavLst>
+                                    </p:anim>
+                                    <p:anim calcmode="lin" valueType="num">
+                                      <p:cBhvr additive="base">
+                                        <p:cTn id="8" dur="500" fill="hold"/>
+                                        <p:tgtEl>
+                                          <p:spTgt spid="11"/>
+                                        </p:tgtEl>
+                                        <p:attrNameLst>
+                                          <p:attrName>ppt_y</p:attrName>
+                                        </p:attrNameLst>
+                                      </p:cBhvr>
+                                      <p:tavLst>
+                                        <p:tav tm="0">
+                                          <p:val>
+                                            <p:strVal val="1+#ppt_h/2"/>
+                                          </p:val>
+                                        </p:tav>
+                                        <p:tav tm="100000">
+                                          <p:val>
+                                            <p:strVal val="#ppt_y"/>
+                                          </p:val>
+                                        </p:tav>
+                                      </p:tavLst>
+                                    </p:anim>
+                                  </p:childTnLst>
+                                </p:cTn>
+                              </p:par>
+                            </p:childTnLst>
+                          </p:cTn>
+                        </p:par>
+                      </p:childTnLst>
+                    </p:cTn>
+                  </p:par>
+                  <p:par>
+                    <p:cTn id="9" fill="hold">
+                      <p:stCondLst>
+                        <p:cond delay="indefinite"/>
+                      </p:stCondLst>
+                      <p:childTnLst>
+                        <p:par>
+                          <p:cTn id="10" fill="hold">
+                            <p:stCondLst>
+                              <p:cond delay="0"/>
+                            </p:stCondLst>
+                            <p:childTnLst>
+                              <p:par>
+                                <p:cTn id="11" presetID="2" presetClass="entr" presetSubtype="4" fill="hold" nodeType="clickEffect">
+                                  <p:stCondLst>
+                                    <p:cond delay="0"/>
+                                  </p:stCondLst>
+                                  <p:childTnLst>
+                                    <p:set>
+                                      <p:cBhvr>
+                                        <p:cTn id="12" dur="1" fill="hold">
+                                          <p:stCondLst>
+                                            <p:cond delay="0"/>
+                                          </p:stCondLst>
+                                        </p:cTn>
+                                        <p:tgtEl>
+                                          <p:spTgt spid="7"/>
+                                        </p:tgtEl>
+                                        <p:attrNameLst>
+                                          <p:attrName>style.visibility</p:attrName>
+                                        </p:attrNameLst>
+                                      </p:cBhvr>
+                                      <p:to>
+                                        <p:strVal val="visible"/>
+                                      </p:to>
+                                    </p:set>
+                                    <p:anim calcmode="lin" valueType="num">
+                                      <p:cBhvr additive="base">
+                                        <p:cTn id="13" dur="500" fill="hold"/>
+                                        <p:tgtEl>
+                                          <p:spTgt spid="7"/>
+                                        </p:tgtEl>
+                                        <p:attrNameLst>
+                                          <p:attrName>ppt_x</p:attrName>
+                                        </p:attrNameLst>
+                                      </p:cBhvr>
+                                      <p:tavLst>
+                                        <p:tav tm="0">
+                                          <p:val>
+                                            <p:strVal val="#ppt_x"/>
+                                          </p:val>
+                                        </p:tav>
+                                        <p:tav tm="100000">
+                                          <p:val>
+                                            <p:strVal val="#ppt_x"/>
+                                          </p:val>
+                                        </p:tav>
+                                      </p:tavLst>
+                                    </p:anim>
+                                    <p:anim calcmode="lin" valueType="num">
+                                      <p:cBhvr additive="base">
+                                        <p:cTn id="14" dur="500" fill="hold"/>
+                                        <p:tgtEl>
+                                          <p:spTgt spid="7"/>
+                                        </p:tgtEl>
+                                        <p:attrNameLst>
+                                          <p:attrName>ppt_y</p:attrName>
+                                        </p:attrNameLst>
+                                      </p:cBhvr>
+                                      <p:tavLst>
+                                        <p:tav tm="0">
+                                          <p:val>
+                                            <p:strVal val="1+#ppt_h/2"/>
+                                          </p:val>
+                                        </p:tav>
+                                        <p:tav tm="100000">
+                                          <p:val>
+                                            <p:strVal val="#ppt_y"/>
+                                          </p:val>
+                                        </p:tav>
+                                      </p:tavLst>
+                                    </p:anim>
+                                  </p:childTnLst>
+                                </p:cTn>
+                              </p:par>
+                            </p:childTnLst>
+                          </p:cTn>
+                        </p:par>
+                      </p:childTnLst>
+                    </p:cTn>
+                  </p:par>
+                  <p:par>
+                    <p:cTn id="15" fill="hold">
+                      <p:stCondLst>
+                        <p:cond delay="indefinite"/>
+                      </p:stCondLst>
+                      <p:childTnLst>
+                        <p:par>
+                          <p:cTn id="16" fill="hold">
+                            <p:stCondLst>
+                              <p:cond delay="0"/>
+                            </p:stCondLst>
+                            <p:childTnLst>
+                              <p:par>
+                                <p:cTn id="17" presetID="2" presetClass="entr" presetSubtype="4" fill="hold" nodeType="clickEffect">
+                                  <p:stCondLst>
+                                    <p:cond delay="0"/>
+                                  </p:stCondLst>
+                                  <p:childTnLst>
+                                    <p:set>
+                                      <p:cBhvr>
+                                        <p:cTn id="18" dur="1" fill="hold">
+                                          <p:stCondLst>
+                                            <p:cond delay="0"/>
+                                          </p:stCondLst>
+                                        </p:cTn>
+                                        <p:tgtEl>
+                                          <p:spTgt spid="10"/>
+                                        </p:tgtEl>
+                                        <p:attrNameLst>
+                                          <p:attrName>style.visibility</p:attrName>
+                                        </p:attrNameLst>
+                                      </p:cBhvr>
+                                      <p:to>
+                                        <p:strVal val="visible"/>
+                                      </p:to>
+                                    </p:set>
+                                    <p:anim calcmode="lin" valueType="num">
+                                      <p:cBhvr additive="base">
+                                        <p:cTn id="19" dur="500" fill="hold"/>
+                                        <p:tgtEl>
+                                          <p:spTgt spid="10"/>
+                                        </p:tgtEl>
+                                        <p:attrNameLst>
+                                          <p:attrName>ppt_x</p:attrName>
+                                        </p:attrNameLst>
+                                      </p:cBhvr>
+                                      <p:tavLst>
+                                        <p:tav tm="0">
+                                          <p:val>
+                                            <p:strVal val="#ppt_x"/>
+                                          </p:val>
+                                        </p:tav>
+                                        <p:tav tm="100000">
+                                          <p:val>
+                                            <p:strVal val="#ppt_x"/>
+                                          </p:val>
+                                        </p:tav>
+                                      </p:tavLst>
+                                    </p:anim>
+                                    <p:anim calcmode="lin" valueType="num">
+                                      <p:cBhvr additive="base">
+                                        <p:cTn id="20" dur="500" fill="hold"/>
+                                        <p:tgtEl>
+                                          <p:spTgt spid="10"/>
+                                        </p:tgtEl>
+                                        <p:attrNameLst>
+                                          <p:attrName>ppt_y</p:attrName>
+                                        </p:attrNameLst>
+                                      </p:cBhvr>
+                                      <p:tavLst>
+                                        <p:tav tm="0">
+                                          <p:val>
+                                            <p:strVal val="1+#ppt_h/2"/>
+                                          </p:val>
+                                        </p:tav>
+                                        <p:tav tm="100000">
+                                          <p:val>
+                                            <p:strVal val="#ppt_y"/>
+                                          </p:val>
+                                        </p:tav>
+                                      </p:tavLst>
+                                    </p:anim>
+                                  </p:childTnLst>
+                                </p:cTn>
+                              </p:par>
+                            </p:childTnLst>
+                          </p:cTn>
+                        </p:par>
+                      </p:childTnLst>
+                    </p:cTn>
+                  </p:par>
+                  <p:par>
+                    <p:cTn id="21" fill="hold">
+                      <p:stCondLst>
+                        <p:cond delay="indefinite"/>
+                      </p:stCondLst>
+                      <p:childTnLst>
+                        <p:par>
+                          <p:cTn id="22" fill="hold">
+                            <p:stCondLst>
+                              <p:cond delay="0"/>
+                            </p:stCondLst>
+                            <p:childTnLst>
+                              <p:par>
+                                <p:cTn id="23" presetID="2" presetClass="entr" presetSubtype="4" fill="hold" grpId="0" nodeType="clickEffect">
+                                  <p:stCondLst>
+                                    <p:cond delay="0"/>
+                                  </p:stCondLst>
+                                  <p:childTnLst>
+                                    <p:set>
+                                      <p:cBhvr>
+                                        <p:cTn id="24" dur="1" fill="hold">
+                                          <p:stCondLst>
+                                            <p:cond delay="0"/>
+                                          </p:stCondLst>
+                                        </p:cTn>
+                                        <p:tgtEl>
+                                          <p:spTgt spid="2"/>
+                                        </p:tgtEl>
+                                        <p:attrNameLst>
+                                          <p:attrName>style.visibility</p:attrName>
+                                        </p:attrNameLst>
+                                      </p:cBhvr>
+                                      <p:to>
+                                        <p:strVal val="visible"/>
+                                      </p:to>
+                                    </p:set>
+                                    <p:anim calcmode="lin" valueType="num">
+                                      <p:cBhvr additive="base">
+                                        <p:cTn id="25" dur="500" fill="hold"/>
+                                        <p:tgtEl>
+                                          <p:spTgt spid="2"/>
+                                        </p:tgtEl>
+                                        <p:attrNameLst>
+                                          <p:attrName>ppt_x</p:attrName>
+                                        </p:attrNameLst>
+                                      </p:cBhvr>
+                                      <p:tavLst>
+                                        <p:tav tm="0">
+                                          <p:val>
+                                            <p:strVal val="#ppt_x"/>
+                                          </p:val>
+                                        </p:tav>
+                                        <p:tav tm="100000">
+                                          <p:val>
+                                            <p:strVal val="#ppt_x"/>
+                                          </p:val>
+                                        </p:tav>
+                                      </p:tavLst>
+                                    </p:anim>
+                                    <p:anim calcmode="lin" valueType="num">
+                                      <p:cBhvr additive="base">
+                                        <p:cTn id="26" dur="500" fill="hold"/>
+                                        <p:tgtEl>
+                                          <p:spTgt spid="2"/>
+                                        </p:tgtEl>
+                                        <p:attrNameLst>
+                                          <p:attrName>ppt_y</p:attrName>
+                                        </p:attrNameLst>
+                                      </p:cBhvr>
+                                      <p:tavLst>
+                                        <p:tav tm="0">
+                                          <p:val>
+                                            <p:strVal val="1+#ppt_h/2"/>
+                                          </p:val>
+                                        </p:tav>
+                                        <p:tav tm="100000">
+                                          <p:val>
+                                            <p:strVal val="#ppt_y"/>
+                                          </p:val>
+                                        </p:tav>
+                                      </p:tavLst>
+                                    </p:anim>
+                                  </p:childTnLst>
+                                </p:cTn>
+                              </p:par>
+                            </p:childTnLst>
+                          </p:cTn>
+                        </p:par>
+                      </p:childTnLst>
+                    </p:cTn>
+                  </p:par>
+                </p:childTnLst>
+              </p:cTn>
+              <p:prevCondLst>
+                <p:cond evt="onPrev" delay="0">
+                  <p:tgtEl>
+                    <p:sldTgt/>
+                  </p:tgtEl>
+                </p:cond>
+              </p:prevCondLst>
+              <p:nextCondLst>
+                <p:cond evt="onNext" delay="0">
+                  <p:tgtEl>
+                    <p:sldTgt/>
+                  </p:tgtEl>
+                </p:cond>
+              </p:nextCondLst>
+            </p:seq>
+          </p:childTnLst>
+        </p:cTn>
+      </p:par>
+    </p:tnLst>
+    <p:bldLst>
+      <p:bldP spid="11" grpId="0" animBg="1"/>
+      <p:bldP spid="2" grpId="0" animBg="1"/>
+    </p:bldLst>
+  </p:timing>
+</p:sld>
+</file>
+
+<file path=ppt/slides/slide8.xml><?xml version="1.0" encoding="utf-8"?>
+<p:sld xmlns:a="http://schemas.openxmlformats.org/drawingml/2006/main" xmlns:r="http://schemas.openxmlformats.org/officeDocument/2006/relationships" xmlns:p="http://schemas.openxmlformats.org/presentationml/2006/main">
+  <p:cSld>
+    <p:spTree>
+      <p:nvGrpSpPr>
+        <p:cNvPr id="1" name=""/>
+        <p:cNvGrpSpPr/>
+        <p:nvPr/>
+      </p:nvGrpSpPr>
+      <p:grpSpPr>
+        <a:xfrm>
+          <a:off x="0" y="0"/>
+          <a:ext cx="0" cy="0"/>
+          <a:chOff x="0" y="0"/>
+          <a:chExt cx="0" cy="0"/>
+        </a:xfrm>
+      </p:grpSpPr>
+      <p:pic>
+        <p:nvPicPr>
+          <p:cNvPr id="3" name="Picture 2">
+            <a:extLst>
+              <a:ext uri="{FF2B5EF4-FFF2-40B4-BE49-F238E27FC236}">
+                <a16:creationId xmlns:a16="http://schemas.microsoft.com/office/drawing/2014/main" id="{43AD3F67-8F95-E6BE-27F2-D7F5D902B762}"/>
+              </a:ext>
+            </a:extLst>
+          </p:cNvPr>
+          <p:cNvPicPr>
+            <a:picLocks noChangeAspect="1"/>
+          </p:cNvPicPr>
+          <p:nvPr/>
+        </p:nvPicPr>
+        <p:blipFill>
+          <a:blip r:embed="rId2"/>
+          <a:stretch>
+            <a:fillRect/>
+          </a:stretch>
+        </p:blipFill>
+        <p:spPr>
+          <a:xfrm>
+            <a:off x="3290887" y="726815"/>
+            <a:ext cx="5610225" cy="2381250"/>
+          </a:xfrm>
+          <a:prstGeom prst="rect">
+            <a:avLst/>
+          </a:prstGeom>
+        </p:spPr>
+      </p:pic>
+      <p:sp>
+        <p:nvSpPr>
+          <p:cNvPr id="2" name="Rectangle 1">
+            <a:extLst>
+              <a:ext uri="{FF2B5EF4-FFF2-40B4-BE49-F238E27FC236}">
+                <a16:creationId xmlns:a16="http://schemas.microsoft.com/office/drawing/2014/main" id="{1B80C208-4B8E-0A8A-618D-538AE10FD760}"/>
+              </a:ext>
+            </a:extLst>
+          </p:cNvPr>
+          <p:cNvSpPr/>
+          <p:nvPr/>
+        </p:nvSpPr>
+        <p:spPr>
+          <a:xfrm>
+            <a:off x="3695506" y="1433222"/>
+            <a:ext cx="2706612" cy="852778"/>
+          </a:xfrm>
+          <a:prstGeom prst="rect">
+            <a:avLst/>
+          </a:prstGeom>
+          <a:noFill/>
+          <a:ln w="53975"/>
+        </p:spPr>
+        <p:style>
+          <a:lnRef idx="2">
+            <a:schemeClr val="accent1">
+              <a:shade val="15000"/>
+            </a:schemeClr>
+          </a:lnRef>
+          <a:fillRef idx="1">
+            <a:schemeClr val="accent1"/>
+          </a:fillRef>
+          <a:effectRef idx="0">
+            <a:schemeClr val="accent1"/>
+          </a:effectRef>
+          <a:fontRef idx="minor">
+            <a:schemeClr val="lt1"/>
+          </a:fontRef>
+        </p:style>
+        <p:txBody>
+          <a:bodyPr rtlCol="0" anchor="ctr"/>
+          <a:lstStyle/>
+          <a:p>
+            <a:pPr algn="ctr"/>
+            <a:endParaRPr lang="en-SG"/>
+          </a:p>
+        </p:txBody>
+      </p:sp>
+      <p:grpSp>
+        <p:nvGrpSpPr>
+          <p:cNvPr id="4" name="Group 3">
+            <a:extLst>
+              <a:ext uri="{FF2B5EF4-FFF2-40B4-BE49-F238E27FC236}">
+                <a16:creationId xmlns:a16="http://schemas.microsoft.com/office/drawing/2014/main" id="{07D538BD-0437-E481-AC31-E21671EA0239}"/>
+              </a:ext>
+            </a:extLst>
+          </p:cNvPr>
+          <p:cNvGrpSpPr/>
+          <p:nvPr/>
+        </p:nvGrpSpPr>
+        <p:grpSpPr>
+          <a:xfrm>
+            <a:off x="3290887" y="3188153"/>
+            <a:ext cx="5419435" cy="3296622"/>
+            <a:chOff x="1681162" y="771525"/>
+            <a:chExt cx="8829675" cy="5314950"/>
+          </a:xfrm>
+        </p:grpSpPr>
+        <p:pic>
+          <p:nvPicPr>
+            <p:cNvPr id="12" name="Picture 11">
+              <a:extLst>
+                <a:ext uri="{FF2B5EF4-FFF2-40B4-BE49-F238E27FC236}">
+                  <a16:creationId xmlns:a16="http://schemas.microsoft.com/office/drawing/2014/main" id="{F7E792F9-1F71-D72A-DC5B-4AB784DAD090}"/>
+                </a:ext>
+              </a:extLst>
+            </p:cNvPr>
+            <p:cNvPicPr>
+              <a:picLocks noChangeAspect="1"/>
+            </p:cNvPicPr>
+            <p:nvPr/>
+          </p:nvPicPr>
+          <p:blipFill>
+            <a:blip r:embed="rId3"/>
+            <a:stretch>
+              <a:fillRect/>
+            </a:stretch>
+          </p:blipFill>
+          <p:spPr>
+            <a:xfrm>
+              <a:off x="1681162" y="771525"/>
+              <a:ext cx="8829675" cy="5314950"/>
+            </a:xfrm>
+            <a:prstGeom prst="rect">
+              <a:avLst/>
+            </a:prstGeom>
+          </p:spPr>
+        </p:pic>
+        <p:sp>
+          <p:nvSpPr>
+            <p:cNvPr id="13" name="TextBox 12">
+              <a:extLst>
+                <a:ext uri="{FF2B5EF4-FFF2-40B4-BE49-F238E27FC236}">
+                  <a16:creationId xmlns:a16="http://schemas.microsoft.com/office/drawing/2014/main" id="{FFC73782-46B1-CCBD-BDD7-8690C236DC93}"/>
+                </a:ext>
+              </a:extLst>
+            </p:cNvPr>
+            <p:cNvSpPr txBox="1"/>
+            <p:nvPr/>
+          </p:nvSpPr>
+          <p:spPr>
+            <a:xfrm>
+              <a:off x="2768372" y="1212979"/>
+              <a:ext cx="5778469" cy="246221"/>
+            </a:xfrm>
+            <a:prstGeom prst="rect">
+              <a:avLst/>
+            </a:prstGeom>
+            <a:solidFill>
+              <a:schemeClr val="bg1"/>
+            </a:solidFill>
+          </p:spPr>
+          <p:txBody>
+            <a:bodyPr wrap="square" rtlCol="0">
+              <a:spAutoFit/>
+            </a:bodyPr>
+            <a:lstStyle/>
+            <a:p>
+              <a:r>
+                <a:rPr lang="en-US" sz="1000" dirty="0"/>
+                <a:t>192.168.0.243</a:t>
+              </a:r>
+              <a:endParaRPr lang="en-SG" sz="1000" dirty="0"/>
+            </a:p>
+          </p:txBody>
+        </p:sp>
+      </p:grpSp>
+      <p:pic>
+        <p:nvPicPr>
+          <p:cNvPr id="6" name="Picture 5">
+            <a:extLst>
+              <a:ext uri="{FF2B5EF4-FFF2-40B4-BE49-F238E27FC236}">
+                <a16:creationId xmlns:a16="http://schemas.microsoft.com/office/drawing/2014/main" id="{20C16040-F462-AB31-AD52-FF42221F188F}"/>
+              </a:ext>
+            </a:extLst>
+          </p:cNvPr>
+          <p:cNvPicPr>
+            <a:picLocks noChangeAspect="1"/>
+          </p:cNvPicPr>
+          <p:nvPr/>
+        </p:nvPicPr>
+        <p:blipFill>
+          <a:blip r:embed="rId4"/>
+          <a:stretch>
+            <a:fillRect/>
+          </a:stretch>
+        </p:blipFill>
+        <p:spPr>
+          <a:xfrm>
+            <a:off x="1280917" y="2366088"/>
+            <a:ext cx="8734425" cy="1943100"/>
+          </a:xfrm>
+          <a:prstGeom prst="rect">
+            <a:avLst/>
+          </a:prstGeom>
+        </p:spPr>
+      </p:pic>
+    </p:spTree>
+    <p:extLst>
+      <p:ext uri="{BB962C8B-B14F-4D97-AF65-F5344CB8AC3E}">
+        <p14:creationId xmlns:p14="http://schemas.microsoft.com/office/powerpoint/2010/main" val="3740786628"/>
+      </p:ext>
+    </p:extLst>
+  </p:cSld>
+  <p:clrMapOvr>
+    <a:masterClrMapping/>
+  </p:clrMapOvr>
+  <p:timing>
+    <p:tnLst>
+      <p:par>
+        <p:cTn id="1" dur="indefinite" restart="never" nodeType="tmRoot">
+          <p:childTnLst>
+            <p:seq concurrent="1" nextAc="seek">
+              <p:cTn id="2" dur="indefinite" nodeType="mainSeq">
+                <p:childTnLst>
+                  <p:par>
+                    <p:cTn id="3" fill="hold">
+                      <p:stCondLst>
+                        <p:cond delay="indefinite"/>
+                      </p:stCondLst>
+                      <p:childTnLst>
+                        <p:par>
+                          <p:cTn id="4" fill="hold">
+                            <p:stCondLst>
+                              <p:cond delay="0"/>
+                            </p:stCondLst>
+                            <p:childTnLst>
+                              <p:par>
+                                <p:cTn id="5" presetID="2" presetClass="entr" presetSubtype="4" fill="hold" grpId="0" nodeType="clickEffect">
+                                  <p:stCondLst>
+                                    <p:cond delay="0"/>
+                                  </p:stCondLst>
+                                  <p:childTnLst>
+                                    <p:set>
+                                      <p:cBhvr>
+                                        <p:cTn id="6" dur="1" fill="hold">
+                                          <p:stCondLst>
+                                            <p:cond delay="0"/>
+                                          </p:stCondLst>
+                                        </p:cTn>
+                                        <p:tgtEl>
+                                          <p:spTgt spid="2"/>
+                                        </p:tgtEl>
+                                        <p:attrNameLst>
+                                          <p:attrName>style.visibility</p:attrName>
+                                        </p:attrNameLst>
+                                      </p:cBhvr>
+                                      <p:to>
+                                        <p:strVal val="visible"/>
+                                      </p:to>
+                                    </p:set>
+                                    <p:anim calcmode="lin" valueType="num">
+                                      <p:cBhvr additive="base">
+                                        <p:cTn id="7" dur="500" fill="hold"/>
+                                        <p:tgtEl>
+                                          <p:spTgt spid="2"/>
+                                        </p:tgtEl>
+                                        <p:attrNameLst>
+                                          <p:attrName>ppt_x</p:attrName>
+                                        </p:attrNameLst>
+                                      </p:cBhvr>
+                                      <p:tavLst>
+                                        <p:tav tm="0">
+                                          <p:val>
+                                            <p:strVal val="#ppt_x"/>
+                                          </p:val>
+                                        </p:tav>
+                                        <p:tav tm="100000">
+                                          <p:val>
+                                            <p:strVal val="#ppt_x"/>
+                                          </p:val>
+                                        </p:tav>
+                                      </p:tavLst>
+                                    </p:anim>
+                                    <p:anim calcmode="lin" valueType="num">
+                                      <p:cBhvr additive="base">
+                                        <p:cTn id="8" dur="500" fill="hold"/>
+                                        <p:tgtEl>
+                                          <p:spTgt spid="2"/>
+                                        </p:tgtEl>
+                                        <p:attrNameLst>
+                                          <p:attrName>ppt_y</p:attrName>
+                                        </p:attrNameLst>
+                                      </p:cBhvr>
+                                      <p:tavLst>
+                                        <p:tav tm="0">
+                                          <p:val>
+                                            <p:strVal val="1+#ppt_h/2"/>
+                                          </p:val>
+                                        </p:tav>
+                                        <p:tav tm="100000">
+                                          <p:val>
+                                            <p:strVal val="#ppt_y"/>
+                                          </p:val>
+                                        </p:tav>
+                                      </p:tavLst>
+                                    </p:anim>
+                                  </p:childTnLst>
+                                </p:cTn>
+                              </p:par>
+                            </p:childTnLst>
+                          </p:cTn>
+                        </p:par>
+                      </p:childTnLst>
+                    </p:cTn>
+                  </p:par>
+                  <p:par>
+                    <p:cTn id="9" fill="hold">
+                      <p:stCondLst>
+                        <p:cond delay="indefinite"/>
+                      </p:stCondLst>
+                      <p:childTnLst>
+                        <p:par>
+                          <p:cTn id="10" fill="hold">
+                            <p:stCondLst>
+                              <p:cond delay="0"/>
+                            </p:stCondLst>
+                            <p:childTnLst>
+                              <p:par>
+                                <p:cTn id="11" presetID="2" presetClass="entr" presetSubtype="4" fill="hold" nodeType="clickEffect">
+                                  <p:stCondLst>
+                                    <p:cond delay="0"/>
+                                  </p:stCondLst>
+                                  <p:childTnLst>
+                                    <p:set>
+                                      <p:cBhvr>
+                                        <p:cTn id="12" dur="1" fill="hold">
+                                          <p:stCondLst>
+                                            <p:cond delay="0"/>
+                                          </p:stCondLst>
+                                        </p:cTn>
+                                        <p:tgtEl>
+                                          <p:spTgt spid="6"/>
+                                        </p:tgtEl>
+                                        <p:attrNameLst>
+                                          <p:attrName>style.visibility</p:attrName>
+                                        </p:attrNameLst>
+                                      </p:cBhvr>
+                                      <p:to>
+                                        <p:strVal val="visible"/>
+                                      </p:to>
+                                    </p:set>
+                                    <p:anim calcmode="lin" valueType="num">
+                                      <p:cBhvr additive="base">
+                                        <p:cTn id="13" dur="500" fill="hold"/>
+                                        <p:tgtEl>
+                                          <p:spTgt spid="6"/>
+                                        </p:tgtEl>
+                                        <p:attrNameLst>
+                                          <p:attrName>ppt_x</p:attrName>
+                                        </p:attrNameLst>
+                                      </p:cBhvr>
+                                      <p:tavLst>
+                                        <p:tav tm="0">
+                                          <p:val>
+                                            <p:strVal val="#ppt_x"/>
+                                          </p:val>
+                                        </p:tav>
+                                        <p:tav tm="100000">
+                                          <p:val>
+                                            <p:strVal val="#ppt_x"/>
+                                          </p:val>
+                                        </p:tav>
+                                      </p:tavLst>
+                                    </p:anim>
+                                    <p:anim calcmode="lin" valueType="num">
+                                      <p:cBhvr additive="base">
+                                        <p:cTn id="14" dur="500" fill="hold"/>
+                                        <p:tgtEl>
+                                          <p:spTgt spid="6"/>
+                                        </p:tgtEl>
+                                        <p:attrNameLst>
+                                          <p:attrName>ppt_y</p:attrName>
+                                        </p:attrNameLst>
+                                      </p:cBhvr>
+                                      <p:tavLst>
+                                        <p:tav tm="0">
+                                          <p:val>
+                                            <p:strVal val="1+#ppt_h/2"/>
+                                          </p:val>
+                                        </p:tav>
+                                        <p:tav tm="100000">
+                                          <p:val>
+                                            <p:strVal val="#ppt_y"/>
+                                          </p:val>
+                                        </p:tav>
+                                      </p:tavLst>
+                                    </p:anim>
+                                  </p:childTnLst>
+                                </p:cTn>
+                              </p:par>
+                            </p:childTnLst>
+                          </p:cTn>
+                        </p:par>
+                      </p:childTnLst>
+                    </p:cTn>
+                  </p:par>
+                  <p:par>
+                    <p:cTn id="15" fill="hold">
+                      <p:stCondLst>
+                        <p:cond delay="indefinite"/>
+                      </p:stCondLst>
+                      <p:childTnLst>
+                        <p:par>
+                          <p:cTn id="16" fill="hold">
+                            <p:stCondLst>
+                              <p:cond delay="0"/>
+                            </p:stCondLst>
+                            <p:childTnLst>
+                              <p:par>
+                                <p:cTn id="17" presetID="1" presetClass="exit" presetSubtype="0" fill="hold" nodeType="clickEffect">
+                                  <p:stCondLst>
+                                    <p:cond delay="0"/>
+                                  </p:stCondLst>
+                                  <p:childTnLst>
+                                    <p:set>
+                                      <p:cBhvr>
+                                        <p:cTn id="18" dur="1" fill="hold">
+                                          <p:stCondLst>
+                                            <p:cond delay="0"/>
+                                          </p:stCondLst>
+                                        </p:cTn>
+                                        <p:tgtEl>
+                                          <p:spTgt spid="6"/>
+                                        </p:tgtEl>
+                                        <p:attrNameLst>
+                                          <p:attrName>style.visibility</p:attrName>
+                                        </p:attrNameLst>
+                                      </p:cBhvr>
+                                      <p:to>
+                                        <p:strVal val="hidden"/>
+                                      </p:to>
+                                    </p:set>
+                                  </p:childTnLst>
+                                </p:cTn>
+                              </p:par>
+                            </p:childTnLst>
+                          </p:cTn>
+                        </p:par>
+                      </p:childTnLst>
+                    </p:cTn>
+                  </p:par>
+                  <p:par>
+                    <p:cTn id="19" fill="hold">
+                      <p:stCondLst>
+                        <p:cond delay="indefinite"/>
+                      </p:stCondLst>
+                      <p:childTnLst>
+                        <p:par>
+                          <p:cTn id="20" fill="hold">
+                            <p:stCondLst>
+                              <p:cond delay="0"/>
+                            </p:stCondLst>
+                            <p:childTnLst>
+                              <p:par>
+                                <p:cTn id="21" presetID="2" presetClass="entr" presetSubtype="4" fill="hold" nodeType="clickEffect">
+                                  <p:stCondLst>
+                                    <p:cond delay="0"/>
+                                  </p:stCondLst>
+                                  <p:childTnLst>
+                                    <p:set>
+                                      <p:cBhvr>
+                                        <p:cTn id="22" dur="1" fill="hold">
+                                          <p:stCondLst>
+                                            <p:cond delay="0"/>
+                                          </p:stCondLst>
+                                        </p:cTn>
+                                        <p:tgtEl>
+                                          <p:spTgt spid="4"/>
+                                        </p:tgtEl>
+                                        <p:attrNameLst>
+                                          <p:attrName>style.visibility</p:attrName>
+                                        </p:attrNameLst>
+                                      </p:cBhvr>
+                                      <p:to>
+                                        <p:strVal val="visible"/>
+                                      </p:to>
+                                    </p:set>
+                                    <p:anim calcmode="lin" valueType="num">
+                                      <p:cBhvr additive="base">
+                                        <p:cTn id="23" dur="500" fill="hold"/>
+                                        <p:tgtEl>
+                                          <p:spTgt spid="4"/>
+                                        </p:tgtEl>
+                                        <p:attrNameLst>
+                                          <p:attrName>ppt_x</p:attrName>
+                                        </p:attrNameLst>
+                                      </p:cBhvr>
+                                      <p:tavLst>
+                                        <p:tav tm="0">
+                                          <p:val>
+                                            <p:strVal val="#ppt_x"/>
+                                          </p:val>
+                                        </p:tav>
+                                        <p:tav tm="100000">
+                                          <p:val>
+                                            <p:strVal val="#ppt_x"/>
+                                          </p:val>
+                                        </p:tav>
+                                      </p:tavLst>
+                                    </p:anim>
+                                    <p:anim calcmode="lin" valueType="num">
+                                      <p:cBhvr additive="base">
+                                        <p:cTn id="24" dur="500" fill="hold"/>
+                                        <p:tgtEl>
+                                          <p:spTgt spid="4"/>
+                                        </p:tgtEl>
+                                        <p:attrNameLst>
+                                          <p:attrName>ppt_y</p:attrName>
+                                        </p:attrNameLst>
+                                      </p:cBhvr>
+                                      <p:tavLst>
+                                        <p:tav tm="0">
+                                          <p:val>
+                                            <p:strVal val="1+#ppt_h/2"/>
+                                          </p:val>
+                                        </p:tav>
+                                        <p:tav tm="100000">
+                                          <p:val>
+                                            <p:strVal val="#ppt_y"/>
+                                          </p:val>
+                                        </p:tav>
+                                      </p:tavLst>
+                                    </p:anim>
+                                  </p:childTnLst>
+                                </p:cTn>
+                              </p:par>
+                            </p:childTnLst>
+                          </p:cTn>
+                        </p:par>
+                      </p:childTnLst>
+                    </p:cTn>
+                  </p:par>
+                </p:childTnLst>
+              </p:cTn>
+              <p:prevCondLst>
+                <p:cond evt="onPrev" delay="0">
+                  <p:tgtEl>
+                    <p:sldTgt/>
+                  </p:tgtEl>
+                </p:cond>
+              </p:prevCondLst>
+              <p:nextCondLst>
+                <p:cond evt="onNext" delay="0">
+                  <p:tgtEl>
+                    <p:sldTgt/>
+                  </p:tgtEl>
+                </p:cond>
+              </p:nextCondLst>
+            </p:seq>
+          </p:childTnLst>
+        </p:cTn>
+      </p:par>
+    </p:tnLst>
+    <p:bldLst>
+      <p:bldP spid="2" grpId="0" animBg="1"/>
+    </p:bldLst>
+  </p:timing>
+</p:sld>
+</file>
+
+<file path=ppt/slides/slide9.xml><?xml version="1.0" encoding="utf-8"?>
+<p:sld xmlns:a="http://schemas.openxmlformats.org/drawingml/2006/main" xmlns:r="http://schemas.openxmlformats.org/officeDocument/2006/relationships" xmlns:p="http://schemas.openxmlformats.org/presentationml/2006/main">
+  <p:cSld>
+    <p:spTree>
+      <p:nvGrpSpPr>
+        <p:cNvPr id="1" name=""/>
+        <p:cNvGrpSpPr/>
+        <p:nvPr/>
+      </p:nvGrpSpPr>
+      <p:grpSpPr>
+        <a:xfrm>
+          <a:off x="0" y="0"/>
+          <a:ext cx="0" cy="0"/>
+          <a:chOff x="0" y="0"/>
+          <a:chExt cx="0" cy="0"/>
+        </a:xfrm>
+      </p:grpSpPr>
+      <p:pic>
+        <p:nvPicPr>
+          <p:cNvPr id="5" name="Picture 4">
+            <a:extLst>
+              <a:ext uri="{FF2B5EF4-FFF2-40B4-BE49-F238E27FC236}">
+                <a16:creationId xmlns:a16="http://schemas.microsoft.com/office/drawing/2014/main" id="{E989B1C4-3FA0-F516-1F71-918B6F6EC810}"/>
+              </a:ext>
+            </a:extLst>
+          </p:cNvPr>
+          <p:cNvPicPr>
+            <a:picLocks noChangeAspect="1"/>
+          </p:cNvPicPr>
+          <p:nvPr/>
+        </p:nvPicPr>
+        <p:blipFill>
+          <a:blip r:embed="rId2"/>
+          <a:stretch>
+            <a:fillRect/>
+          </a:stretch>
+        </p:blipFill>
+        <p:spPr>
+          <a:xfrm>
+            <a:off x="247650" y="333375"/>
+            <a:ext cx="11696700" cy="6191250"/>
+          </a:xfrm>
+          <a:prstGeom prst="rect">
+            <a:avLst/>
+          </a:prstGeom>
+        </p:spPr>
+      </p:pic>
+      <p:pic>
+        <p:nvPicPr>
+          <p:cNvPr id="10" name="Picture 9">
+            <a:extLst>
+              <a:ext uri="{FF2B5EF4-FFF2-40B4-BE49-F238E27FC236}">
+                <a16:creationId xmlns:a16="http://schemas.microsoft.com/office/drawing/2014/main" id="{DE33AB1C-03A0-9CD1-A667-3CDD726328F8}"/>
+              </a:ext>
+            </a:extLst>
+          </p:cNvPr>
+          <p:cNvPicPr>
+            <a:picLocks noChangeAspect="1"/>
+          </p:cNvPicPr>
+          <p:nvPr/>
+        </p:nvPicPr>
+        <p:blipFill>
+          <a:blip r:embed="rId3"/>
+          <a:stretch>
+            <a:fillRect/>
+          </a:stretch>
+        </p:blipFill>
+        <p:spPr>
+          <a:xfrm>
+            <a:off x="247650" y="2954013"/>
+            <a:ext cx="5314950" cy="2200275"/>
+          </a:xfrm>
+          <a:prstGeom prst="rect">
+            <a:avLst/>
+          </a:prstGeom>
+        </p:spPr>
+      </p:pic>
+      <p:sp>
+        <p:nvSpPr>
+          <p:cNvPr id="11" name="Rectangle 10">
+            <a:extLst>
+              <a:ext uri="{FF2B5EF4-FFF2-40B4-BE49-F238E27FC236}">
+                <a16:creationId xmlns:a16="http://schemas.microsoft.com/office/drawing/2014/main" id="{F8FDB18D-B5C8-DD75-3A13-079D2AB7A04C}"/>
+              </a:ext>
+            </a:extLst>
+          </p:cNvPr>
+          <p:cNvSpPr/>
+          <p:nvPr/>
+        </p:nvSpPr>
+        <p:spPr>
+          <a:xfrm>
+            <a:off x="5562600" y="1540426"/>
+            <a:ext cx="1332722" cy="372350"/>
+          </a:xfrm>
+          <a:prstGeom prst="rect">
+            <a:avLst/>
+          </a:prstGeom>
+          <a:noFill/>
+          <a:ln w="63500"/>
+        </p:spPr>
+        <p:style>
+          <a:lnRef idx="2">
+            <a:schemeClr val="accent1">
+              <a:shade val="15000"/>
+            </a:schemeClr>
+          </a:lnRef>
+          <a:fillRef idx="1">
+            <a:schemeClr val="accent1"/>
+          </a:fillRef>
+          <a:effectRef idx="0">
+            <a:schemeClr val="accent1"/>
+          </a:effectRef>
+          <a:fontRef idx="minor">
+            <a:schemeClr val="lt1"/>
+          </a:fontRef>
+        </p:style>
+        <p:txBody>
+          <a:bodyPr rtlCol="0" anchor="ctr"/>
+          <a:lstStyle/>
+          <a:p>
+            <a:pPr algn="ctr"/>
+            <a:endParaRPr lang="en-SG"/>
+          </a:p>
+        </p:txBody>
+      </p:sp>
+      <p:sp>
+        <p:nvSpPr>
+          <p:cNvPr id="12" name="Rectangle 11">
+            <a:extLst>
+              <a:ext uri="{FF2B5EF4-FFF2-40B4-BE49-F238E27FC236}">
+                <a16:creationId xmlns:a16="http://schemas.microsoft.com/office/drawing/2014/main" id="{9CBAB439-D6C5-E6F2-32AF-1F43591CE121}"/>
+              </a:ext>
+            </a:extLst>
+          </p:cNvPr>
+          <p:cNvSpPr/>
+          <p:nvPr/>
+        </p:nvSpPr>
+        <p:spPr>
+          <a:xfrm>
+            <a:off x="6895322" y="1540426"/>
+            <a:ext cx="1045029" cy="372350"/>
+          </a:xfrm>
+          <a:prstGeom prst="rect">
+            <a:avLst/>
+          </a:prstGeom>
+          <a:noFill/>
+          <a:ln w="63500"/>
+        </p:spPr>
+        <p:style>
+          <a:lnRef idx="2">
+            <a:schemeClr val="accent1">
+              <a:shade val="15000"/>
+            </a:schemeClr>
+          </a:lnRef>
+          <a:fillRef idx="1">
+            <a:schemeClr val="accent1"/>
+          </a:fillRef>
+          <a:effectRef idx="0">
+            <a:schemeClr val="accent1"/>
+          </a:effectRef>
+          <a:fontRef idx="minor">
+            <a:schemeClr val="lt1"/>
+          </a:fontRef>
+        </p:style>
+        <p:txBody>
+          <a:bodyPr rtlCol="0" anchor="ctr"/>
+          <a:lstStyle/>
+          <a:p>
+            <a:pPr algn="ctr"/>
+            <a:endParaRPr lang="en-SG"/>
+          </a:p>
+        </p:txBody>
+      </p:sp>
+      <p:sp>
+        <p:nvSpPr>
+          <p:cNvPr id="13" name="Rectangle 12">
+            <a:extLst>
+              <a:ext uri="{FF2B5EF4-FFF2-40B4-BE49-F238E27FC236}">
+                <a16:creationId xmlns:a16="http://schemas.microsoft.com/office/drawing/2014/main" id="{3505AF42-51F7-1CA5-35CB-FBEA8A771544}"/>
+              </a:ext>
+            </a:extLst>
+          </p:cNvPr>
+          <p:cNvSpPr/>
+          <p:nvPr/>
+        </p:nvSpPr>
+        <p:spPr>
+          <a:xfrm>
+            <a:off x="7940351" y="1543537"/>
+            <a:ext cx="1520890" cy="372350"/>
+          </a:xfrm>
+          <a:prstGeom prst="rect">
+            <a:avLst/>
+          </a:prstGeom>
+          <a:noFill/>
+          <a:ln w="63500"/>
+        </p:spPr>
+        <p:style>
+          <a:lnRef idx="2">
+            <a:schemeClr val="accent1">
+              <a:shade val="15000"/>
+            </a:schemeClr>
+          </a:lnRef>
+          <a:fillRef idx="1">
+            <a:schemeClr val="accent1"/>
+          </a:fillRef>
+          <a:effectRef idx="0">
+            <a:schemeClr val="accent1"/>
+          </a:effectRef>
+          <a:fontRef idx="minor">
+            <a:schemeClr val="lt1"/>
+          </a:fontRef>
+        </p:style>
+        <p:txBody>
+          <a:bodyPr rtlCol="0" anchor="ctr"/>
+          <a:lstStyle/>
+          <a:p>
+            <a:pPr algn="ctr"/>
+            <a:endParaRPr lang="en-SG"/>
+          </a:p>
+        </p:txBody>
+      </p:sp>
+      <p:sp>
+        <p:nvSpPr>
+          <p:cNvPr id="14" name="Rectangle 13">
+            <a:extLst>
+              <a:ext uri="{FF2B5EF4-FFF2-40B4-BE49-F238E27FC236}">
+                <a16:creationId xmlns:a16="http://schemas.microsoft.com/office/drawing/2014/main" id="{48AE5770-E736-A91E-C292-752C962BA539}"/>
+              </a:ext>
+            </a:extLst>
+          </p:cNvPr>
+          <p:cNvSpPr/>
+          <p:nvPr/>
+        </p:nvSpPr>
+        <p:spPr>
+          <a:xfrm>
+            <a:off x="9442580" y="1540426"/>
+            <a:ext cx="839755" cy="372350"/>
+          </a:xfrm>
+          <a:prstGeom prst="rect">
+            <a:avLst/>
+          </a:prstGeom>
+          <a:noFill/>
+          <a:ln w="63500"/>
+        </p:spPr>
+        <p:style>
+          <a:lnRef idx="2">
+            <a:schemeClr val="accent1">
+              <a:shade val="15000"/>
+            </a:schemeClr>
+          </a:lnRef>
+          <a:fillRef idx="1">
+            <a:schemeClr val="accent1"/>
+          </a:fillRef>
+          <a:effectRef idx="0">
+            <a:schemeClr val="accent1"/>
+          </a:effectRef>
+          <a:fontRef idx="minor">
+            <a:schemeClr val="lt1"/>
+          </a:fontRef>
+        </p:style>
+        <p:txBody>
+          <a:bodyPr rtlCol="0" anchor="ctr"/>
+          <a:lstStyle/>
+          <a:p>
+            <a:pPr algn="ctr"/>
+            <a:endParaRPr lang="en-SG"/>
+          </a:p>
+        </p:txBody>
+      </p:sp>
+      <p:pic>
+        <p:nvPicPr>
+          <p:cNvPr id="17" name="Picture 16">
+            <a:extLst>
+              <a:ext uri="{FF2B5EF4-FFF2-40B4-BE49-F238E27FC236}">
+                <a16:creationId xmlns:a16="http://schemas.microsoft.com/office/drawing/2014/main" id="{A56B944A-2383-A42F-01D6-77E83AFD81AD}"/>
+              </a:ext>
+            </a:extLst>
+          </p:cNvPr>
+          <p:cNvPicPr>
+            <a:picLocks noChangeAspect="1"/>
+          </p:cNvPicPr>
+          <p:nvPr/>
+        </p:nvPicPr>
+        <p:blipFill>
+          <a:blip r:embed="rId4"/>
+          <a:stretch>
+            <a:fillRect/>
+          </a:stretch>
+        </p:blipFill>
+        <p:spPr>
+          <a:xfrm>
+            <a:off x="361950" y="361620"/>
+            <a:ext cx="11468100" cy="2962275"/>
+          </a:xfrm>
+          <a:prstGeom prst="rect">
+            <a:avLst/>
+          </a:prstGeom>
+        </p:spPr>
+      </p:pic>
+    </p:spTree>
+    <p:extLst>
+      <p:ext uri="{BB962C8B-B14F-4D97-AF65-F5344CB8AC3E}">
+        <p14:creationId xmlns:p14="http://schemas.microsoft.com/office/powerpoint/2010/main" val="1120560971"/>
+      </p:ext>
+    </p:extLst>
+  </p:cSld>
+  <p:clrMapOvr>
+    <a:masterClrMapping/>
+  </p:clrMapOvr>
+  <p:timing>
+    <p:tnLst>
+      <p:par>
+        <p:cTn id="1" dur="indefinite" restart="never" nodeType="tmRoot">
+          <p:childTnLst>
+            <p:seq concurrent="1" nextAc="seek">
+              <p:cTn id="2" dur="indefinite" nodeType="mainSeq">
+                <p:childTnLst>
+                  <p:par>
+                    <p:cTn id="3" fill="hold">
+                      <p:stCondLst>
+                        <p:cond delay="indefinite"/>
+                      </p:stCondLst>
+                      <p:childTnLst>
+                        <p:par>
+                          <p:cTn id="4" fill="hold">
+                            <p:stCondLst>
+                              <p:cond delay="0"/>
+                            </p:stCondLst>
+                            <p:childTnLst>
+                              <p:par>
+                                <p:cTn id="5" presetID="2" presetClass="entr" presetSubtype="4" fill="hold" nodeType="clickEffect">
+                                  <p:stCondLst>
+                                    <p:cond delay="0"/>
+                                  </p:stCondLst>
+                                  <p:childTnLst>
+                                    <p:set>
+                                      <p:cBhvr>
+                                        <p:cTn id="6" dur="1" fill="hold">
+                                          <p:stCondLst>
+                                            <p:cond delay="0"/>
+                                          </p:stCondLst>
+                                        </p:cTn>
+                                        <p:tgtEl>
+                                          <p:spTgt spid="10"/>
+                                        </p:tgtEl>
+                                        <p:attrNameLst>
+                                          <p:attrName>style.visibility</p:attrName>
+                                        </p:attrNameLst>
+                                      </p:cBhvr>
+                                      <p:to>
+                                        <p:strVal val="visible"/>
+                                      </p:to>
+                                    </p:set>
+                                    <p:anim calcmode="lin" valueType="num">
+                                      <p:cBhvr additive="base">
+                                        <p:cTn id="7" dur="500" fill="hold"/>
+                                        <p:tgtEl>
+                                          <p:spTgt spid="10"/>
+                                        </p:tgtEl>
+                                        <p:attrNameLst>
+                                          <p:attrName>ppt_x</p:attrName>
+                                        </p:attrNameLst>
+                                      </p:cBhvr>
+                                      <p:tavLst>
+                                        <p:tav tm="0">
+                                          <p:val>
+                                            <p:strVal val="#ppt_x"/>
+                                          </p:val>
+                                        </p:tav>
+                                        <p:tav tm="100000">
+                                          <p:val>
+                                            <p:strVal val="#ppt_x"/>
+                                          </p:val>
+                                        </p:tav>
+                                      </p:tavLst>
+                                    </p:anim>
+                                    <p:anim calcmode="lin" valueType="num">
+                                      <p:cBhvr additive="base">
+                                        <p:cTn id="8" dur="500" fill="hold"/>
+                                        <p:tgtEl>
+                                          <p:spTgt spid="10"/>
+                                        </p:tgtEl>
+                                        <p:attrNameLst>
+                                          <p:attrName>ppt_y</p:attrName>
+                                        </p:attrNameLst>
+                                      </p:cBhvr>
+                                      <p:tavLst>
+                                        <p:tav tm="0">
+                                          <p:val>
+                                            <p:strVal val="1+#ppt_h/2"/>
+                                          </p:val>
+                                        </p:tav>
+                                        <p:tav tm="100000">
+                                          <p:val>
+                                            <p:strVal val="#ppt_y"/>
+                                          </p:val>
+                                        </p:tav>
+                                      </p:tavLst>
+                                    </p:anim>
+                                  </p:childTnLst>
+                                </p:cTn>
+                              </p:par>
+                            </p:childTnLst>
+                          </p:cTn>
+                        </p:par>
+                      </p:childTnLst>
+                    </p:cTn>
+                  </p:par>
+                  <p:par>
+                    <p:cTn id="9" fill="hold">
+                      <p:stCondLst>
+                        <p:cond delay="indefinite"/>
+                      </p:stCondLst>
+                      <p:childTnLst>
+                        <p:par>
+                          <p:cTn id="10" fill="hold">
+                            <p:stCondLst>
+                              <p:cond delay="0"/>
+                            </p:stCondLst>
+                            <p:childTnLst>
+                              <p:par>
+                                <p:cTn id="11" presetID="1" presetClass="exit" presetSubtype="0" fill="hold" nodeType="clickEffect">
+                                  <p:stCondLst>
+                                    <p:cond delay="0"/>
+                                  </p:stCondLst>
+                                  <p:childTnLst>
+                                    <p:set>
+                                      <p:cBhvr>
+                                        <p:cTn id="12" dur="1" fill="hold">
+                                          <p:stCondLst>
+                                            <p:cond delay="0"/>
+                                          </p:stCondLst>
+                                        </p:cTn>
+                                        <p:tgtEl>
+                                          <p:spTgt spid="10"/>
+                                        </p:tgtEl>
+                                        <p:attrNameLst>
+                                          <p:attrName>style.visibility</p:attrName>
+                                        </p:attrNameLst>
+                                      </p:cBhvr>
+                                      <p:to>
+                                        <p:strVal val="hidden"/>
+                                      </p:to>
+                                    </p:set>
+                                  </p:childTnLst>
+                                </p:cTn>
+                              </p:par>
+                            </p:childTnLst>
+                          </p:cTn>
+                        </p:par>
+                      </p:childTnLst>
+                    </p:cTn>
+                  </p:par>
+                  <p:par>
+                    <p:cTn id="13" fill="hold">
+                      <p:stCondLst>
+                        <p:cond delay="indefinite"/>
+                      </p:stCondLst>
+                      <p:childTnLst>
+                        <p:par>
+                          <p:cTn id="14" fill="hold">
+                            <p:stCondLst>
+                              <p:cond delay="0"/>
+                            </p:stCondLst>
+                            <p:childTnLst>
+                              <p:par>
+                                <p:cTn id="15" presetID="2" presetClass="entr" presetSubtype="4" fill="hold" grpId="0" nodeType="clickEffect">
+                                  <p:stCondLst>
+                                    <p:cond delay="0"/>
+                                  </p:stCondLst>
+                                  <p:childTnLst>
+                                    <p:set>
+                                      <p:cBhvr>
+                                        <p:cTn id="16" dur="1" fill="hold">
+                                          <p:stCondLst>
+                                            <p:cond delay="0"/>
+                                          </p:stCondLst>
+                                        </p:cTn>
+                                        <p:tgtEl>
+                                          <p:spTgt spid="11"/>
+                                        </p:tgtEl>
+                                        <p:attrNameLst>
+                                          <p:attrName>style.visibility</p:attrName>
+                                        </p:attrNameLst>
+                                      </p:cBhvr>
+                                      <p:to>
+                                        <p:strVal val="visible"/>
+                                      </p:to>
+                                    </p:set>
+                                    <p:anim calcmode="lin" valueType="num">
+                                      <p:cBhvr additive="base">
+                                        <p:cTn id="17" dur="500" fill="hold"/>
+                                        <p:tgtEl>
+                                          <p:spTgt spid="11"/>
+                                        </p:tgtEl>
+                                        <p:attrNameLst>
+                                          <p:attrName>ppt_x</p:attrName>
+                                        </p:attrNameLst>
+                                      </p:cBhvr>
+                                      <p:tavLst>
+                                        <p:tav tm="0">
+                                          <p:val>
+                                            <p:strVal val="#ppt_x"/>
+                                          </p:val>
+                                        </p:tav>
+                                        <p:tav tm="100000">
+                                          <p:val>
+                                            <p:strVal val="#ppt_x"/>
+                                          </p:val>
+                                        </p:tav>
+                                      </p:tavLst>
+                                    </p:anim>
+                                    <p:anim calcmode="lin" valueType="num">
+                                      <p:cBhvr additive="base">
+                                        <p:cTn id="18" dur="500" fill="hold"/>
+                                        <p:tgtEl>
+                                          <p:spTgt spid="11"/>
+                                        </p:tgtEl>
+                                        <p:attrNameLst>
+                                          <p:attrName>ppt_y</p:attrName>
+                                        </p:attrNameLst>
+                                      </p:cBhvr>
+                                      <p:tavLst>
+                                        <p:tav tm="0">
+                                          <p:val>
+                                            <p:strVal val="1+#ppt_h/2"/>
+                                          </p:val>
+                                        </p:tav>
+                                        <p:tav tm="100000">
+                                          <p:val>
+                                            <p:strVal val="#ppt_y"/>
+                                          </p:val>
+                                        </p:tav>
+                                      </p:tavLst>
+                                    </p:anim>
+                                  </p:childTnLst>
+                                </p:cTn>
+                              </p:par>
+                            </p:childTnLst>
+                          </p:cTn>
+                        </p:par>
+                      </p:childTnLst>
+                    </p:cTn>
+                  </p:par>
+                  <p:par>
+                    <p:cTn id="19" fill="hold">
+                      <p:stCondLst>
+                        <p:cond delay="indefinite"/>
+                      </p:stCondLst>
+                      <p:childTnLst>
+                        <p:par>
+                          <p:cTn id="20" fill="hold">
+                            <p:stCondLst>
+                              <p:cond delay="0"/>
+                            </p:stCondLst>
+                            <p:childTnLst>
+                              <p:par>
+                                <p:cTn id="21" presetID="1" presetClass="exit" presetSubtype="0" fill="hold" grpId="1" nodeType="clickEffect">
+                                  <p:stCondLst>
+                                    <p:cond delay="0"/>
+                                  </p:stCondLst>
+                                  <p:childTnLst>
+                                    <p:set>
+                                      <p:cBhvr>
+                                        <p:cTn id="22" dur="1" fill="hold">
+                                          <p:stCondLst>
+                                            <p:cond delay="0"/>
+                                          </p:stCondLst>
+                                        </p:cTn>
+                                        <p:tgtEl>
+                                          <p:spTgt spid="11"/>
+                                        </p:tgtEl>
+                                        <p:attrNameLst>
+                                          <p:attrName>style.visibility</p:attrName>
+                                        </p:attrNameLst>
+                                      </p:cBhvr>
+                                      <p:to>
+                                        <p:strVal val="hidden"/>
+                                      </p:to>
+                                    </p:set>
+                                  </p:childTnLst>
+                                </p:cTn>
+                              </p:par>
+                            </p:childTnLst>
+                          </p:cTn>
+                        </p:par>
+                      </p:childTnLst>
+                    </p:cTn>
+                  </p:par>
+                  <p:par>
+                    <p:cTn id="23" fill="hold">
+                      <p:stCondLst>
+                        <p:cond delay="indefinite"/>
+                      </p:stCondLst>
+                      <p:childTnLst>
+                        <p:par>
+                          <p:cTn id="24" fill="hold">
+                            <p:stCondLst>
+                              <p:cond delay="0"/>
+                            </p:stCondLst>
+                            <p:childTnLst>
+                              <p:par>
+                                <p:cTn id="25" presetID="2" presetClass="entr" presetSubtype="4" fill="hold" grpId="0" nodeType="clickEffect">
+                                  <p:stCondLst>
+                                    <p:cond delay="0"/>
+                                  </p:stCondLst>
+                                  <p:childTnLst>
+                                    <p:set>
+                                      <p:cBhvr>
+                                        <p:cTn id="26" dur="1" fill="hold">
+                                          <p:stCondLst>
+                                            <p:cond delay="0"/>
+                                          </p:stCondLst>
+                                        </p:cTn>
+                                        <p:tgtEl>
+                                          <p:spTgt spid="12"/>
+                                        </p:tgtEl>
+                                        <p:attrNameLst>
+                                          <p:attrName>style.visibility</p:attrName>
+                                        </p:attrNameLst>
+                                      </p:cBhvr>
+                                      <p:to>
+                                        <p:strVal val="visible"/>
+                                      </p:to>
+                                    </p:set>
+                                    <p:anim calcmode="lin" valueType="num">
+                                      <p:cBhvr additive="base">
+                                        <p:cTn id="27" dur="500" fill="hold"/>
+                                        <p:tgtEl>
+                                          <p:spTgt spid="12"/>
+                                        </p:tgtEl>
+                                        <p:attrNameLst>
+                                          <p:attrName>ppt_x</p:attrName>
+                                        </p:attrNameLst>
+                                      </p:cBhvr>
+                                      <p:tavLst>
+                                        <p:tav tm="0">
+                                          <p:val>
+                                            <p:strVal val="#ppt_x"/>
+                                          </p:val>
+                                        </p:tav>
+                                        <p:tav tm="100000">
+                                          <p:val>
+                                            <p:strVal val="#ppt_x"/>
+                                          </p:val>
+                                        </p:tav>
+                                      </p:tavLst>
+                                    </p:anim>
+                                    <p:anim calcmode="lin" valueType="num">
+                                      <p:cBhvr additive="base">
+                                        <p:cTn id="28" dur="500" fill="hold"/>
+                                        <p:tgtEl>
+                                          <p:spTgt spid="12"/>
+                                        </p:tgtEl>
+                                        <p:attrNameLst>
+                                          <p:attrName>ppt_y</p:attrName>
+                                        </p:attrNameLst>
+                                      </p:cBhvr>
+                                      <p:tavLst>
+                                        <p:tav tm="0">
+                                          <p:val>
+                                            <p:strVal val="1+#ppt_h/2"/>
+                                          </p:val>
+                                        </p:tav>
+                                        <p:tav tm="100000">
+                                          <p:val>
+                                            <p:strVal val="#ppt_y"/>
+                                          </p:val>
+                                        </p:tav>
+                                      </p:tavLst>
+                                    </p:anim>
+                                  </p:childTnLst>
+                                </p:cTn>
+                              </p:par>
+                            </p:childTnLst>
+                          </p:cTn>
+                        </p:par>
+                      </p:childTnLst>
+                    </p:cTn>
+                  </p:par>
+                  <p:par>
+                    <p:cTn id="29" fill="hold">
+                      <p:stCondLst>
+                        <p:cond delay="indefinite"/>
+                      </p:stCondLst>
+                      <p:childTnLst>
+                        <p:par>
+                          <p:cTn id="30" fill="hold">
+                            <p:stCondLst>
+                              <p:cond delay="0"/>
+                            </p:stCondLst>
+                            <p:childTnLst>
+                              <p:par>
+                                <p:cTn id="31" presetID="1" presetClass="exit" presetSubtype="0" fill="hold" grpId="1" nodeType="clickEffect">
+                                  <p:stCondLst>
+                                    <p:cond delay="0"/>
+                                  </p:stCondLst>
+                                  <p:childTnLst>
+                                    <p:set>
+                                      <p:cBhvr>
+                                        <p:cTn id="32" dur="1" fill="hold">
+                                          <p:stCondLst>
+                                            <p:cond delay="0"/>
+                                          </p:stCondLst>
+                                        </p:cTn>
+                                        <p:tgtEl>
+                                          <p:spTgt spid="12"/>
+                                        </p:tgtEl>
+                                        <p:attrNameLst>
+                                          <p:attrName>style.visibility</p:attrName>
+                                        </p:attrNameLst>
+                                      </p:cBhvr>
+                                      <p:to>
+                                        <p:strVal val="hidden"/>
+                                      </p:to>
+                                    </p:set>
+                                  </p:childTnLst>
+                                </p:cTn>
+                              </p:par>
+                            </p:childTnLst>
+                          </p:cTn>
+                        </p:par>
+                      </p:childTnLst>
+                    </p:cTn>
+                  </p:par>
+                  <p:par>
+                    <p:cTn id="33" fill="hold">
+                      <p:stCondLst>
+                        <p:cond delay="indefinite"/>
+                      </p:stCondLst>
+                      <p:childTnLst>
+                        <p:par>
+                          <p:cTn id="34" fill="hold">
+                            <p:stCondLst>
+                              <p:cond delay="0"/>
+                            </p:stCondLst>
+                            <p:childTnLst>
+                              <p:par>
+                                <p:cTn id="35" presetID="2" presetClass="entr" presetSubtype="4" fill="hold" grpId="0" nodeType="clickEffect">
+                                  <p:stCondLst>
+                                    <p:cond delay="0"/>
+                                  </p:stCondLst>
+                                  <p:childTnLst>
+                                    <p:set>
+                                      <p:cBhvr>
+                                        <p:cTn id="36" dur="1" fill="hold">
+                                          <p:stCondLst>
+                                            <p:cond delay="0"/>
+                                          </p:stCondLst>
+                                        </p:cTn>
+                                        <p:tgtEl>
+                                          <p:spTgt spid="13"/>
+                                        </p:tgtEl>
+                                        <p:attrNameLst>
+                                          <p:attrName>style.visibility</p:attrName>
+                                        </p:attrNameLst>
+                                      </p:cBhvr>
+                                      <p:to>
+                                        <p:strVal val="visible"/>
+                                      </p:to>
+                                    </p:set>
+                                    <p:anim calcmode="lin" valueType="num">
+                                      <p:cBhvr additive="base">
+                                        <p:cTn id="37" dur="500" fill="hold"/>
+                                        <p:tgtEl>
+                                          <p:spTgt spid="13"/>
+                                        </p:tgtEl>
+                                        <p:attrNameLst>
+                                          <p:attrName>ppt_x</p:attrName>
+                                        </p:attrNameLst>
+                                      </p:cBhvr>
+                                      <p:tavLst>
+                                        <p:tav tm="0">
+                                          <p:val>
+                                            <p:strVal val="#ppt_x"/>
+                                          </p:val>
+                                        </p:tav>
+                                        <p:tav tm="100000">
+                                          <p:val>
+                                            <p:strVal val="#ppt_x"/>
+                                          </p:val>
+                                        </p:tav>
+                                      </p:tavLst>
+                                    </p:anim>
+                                    <p:anim calcmode="lin" valueType="num">
+                                      <p:cBhvr additive="base">
+                                        <p:cTn id="38" dur="500" fill="hold"/>
+                                        <p:tgtEl>
+                                          <p:spTgt spid="13"/>
+                                        </p:tgtEl>
+                                        <p:attrNameLst>
+                                          <p:attrName>ppt_y</p:attrName>
+                                        </p:attrNameLst>
+                                      </p:cBhvr>
+                                      <p:tavLst>
+                                        <p:tav tm="0">
+                                          <p:val>
+                                            <p:strVal val="1+#ppt_h/2"/>
+                                          </p:val>
+                                        </p:tav>
+                                        <p:tav tm="100000">
+                                          <p:val>
+                                            <p:strVal val="#ppt_y"/>
+                                          </p:val>
+                                        </p:tav>
+                                      </p:tavLst>
+                                    </p:anim>
+                                  </p:childTnLst>
+                                </p:cTn>
+                              </p:par>
+                            </p:childTnLst>
+                          </p:cTn>
+                        </p:par>
+                      </p:childTnLst>
+                    </p:cTn>
+                  </p:par>
+                  <p:par>
+                    <p:cTn id="39" fill="hold">
+                      <p:stCondLst>
+                        <p:cond delay="indefinite"/>
+                      </p:stCondLst>
+                      <p:childTnLst>
+                        <p:par>
+                          <p:cTn id="40" fill="hold">
+                            <p:stCondLst>
+                              <p:cond delay="0"/>
+                            </p:stCondLst>
+                            <p:childTnLst>
+                              <p:par>
+                                <p:cTn id="41" presetID="1" presetClass="exit" presetSubtype="0" fill="hold" grpId="1" nodeType="clickEffect">
+                                  <p:stCondLst>
+                                    <p:cond delay="0"/>
+                                  </p:stCondLst>
+                                  <p:childTnLst>
+                                    <p:set>
+                                      <p:cBhvr>
+                                        <p:cTn id="42" dur="1" fill="hold">
+                                          <p:stCondLst>
+                                            <p:cond delay="0"/>
+                                          </p:stCondLst>
+                                        </p:cTn>
+                                        <p:tgtEl>
+                                          <p:spTgt spid="13"/>
+                                        </p:tgtEl>
+                                        <p:attrNameLst>
+                                          <p:attrName>style.visibility</p:attrName>
+                                        </p:attrNameLst>
+                                      </p:cBhvr>
+                                      <p:to>
+                                        <p:strVal val="hidden"/>
+                                      </p:to>
+                                    </p:set>
+                                  </p:childTnLst>
+                                </p:cTn>
+                              </p:par>
+                            </p:childTnLst>
+                          </p:cTn>
+                        </p:par>
+                      </p:childTnLst>
+                    </p:cTn>
+                  </p:par>
+                  <p:par>
+                    <p:cTn id="43" fill="hold">
+                      <p:stCondLst>
+                        <p:cond delay="indefinite"/>
+                      </p:stCondLst>
+                      <p:childTnLst>
+                        <p:par>
+                          <p:cTn id="44" fill="hold">
+                            <p:stCondLst>
+                              <p:cond delay="0"/>
+                            </p:stCondLst>
+                            <p:childTnLst>
+                              <p:par>
+                                <p:cTn id="45" presetID="2" presetClass="entr" presetSubtype="4" fill="hold" grpId="0" nodeType="clickEffect">
+                                  <p:stCondLst>
+                                    <p:cond delay="0"/>
+                                  </p:stCondLst>
+                                  <p:childTnLst>
+                                    <p:set>
+                                      <p:cBhvr>
+                                        <p:cTn id="46" dur="1" fill="hold">
+                                          <p:stCondLst>
+                                            <p:cond delay="0"/>
+                                          </p:stCondLst>
+                                        </p:cTn>
+                                        <p:tgtEl>
+                                          <p:spTgt spid="14"/>
+                                        </p:tgtEl>
+                                        <p:attrNameLst>
+                                          <p:attrName>style.visibility</p:attrName>
+                                        </p:attrNameLst>
+                                      </p:cBhvr>
+                                      <p:to>
+                                        <p:strVal val="visible"/>
+                                      </p:to>
+                                    </p:set>
+                                    <p:anim calcmode="lin" valueType="num">
+                                      <p:cBhvr additive="base">
+                                        <p:cTn id="47" dur="500" fill="hold"/>
+                                        <p:tgtEl>
+                                          <p:spTgt spid="14"/>
+                                        </p:tgtEl>
+                                        <p:attrNameLst>
+                                          <p:attrName>ppt_x</p:attrName>
+                                        </p:attrNameLst>
+                                      </p:cBhvr>
+                                      <p:tavLst>
+                                        <p:tav tm="0">
+                                          <p:val>
+                                            <p:strVal val="#ppt_x"/>
+                                          </p:val>
+                                        </p:tav>
+                                        <p:tav tm="100000">
+                                          <p:val>
+                                            <p:strVal val="#ppt_x"/>
+                                          </p:val>
+                                        </p:tav>
+                                      </p:tavLst>
+                                    </p:anim>
+                                    <p:anim calcmode="lin" valueType="num">
+                                      <p:cBhvr additive="base">
+                                        <p:cTn id="48" dur="500" fill="hold"/>
+                                        <p:tgtEl>
+                                          <p:spTgt spid="14"/>
+                                        </p:tgtEl>
+                                        <p:attrNameLst>
+                                          <p:attrName>ppt_y</p:attrName>
+                                        </p:attrNameLst>
+                                      </p:cBhvr>
+                                      <p:tavLst>
+                                        <p:tav tm="0">
+                                          <p:val>
+                                            <p:strVal val="1+#ppt_h/2"/>
+                                          </p:val>
+                                        </p:tav>
+                                        <p:tav tm="100000">
+                                          <p:val>
+                                            <p:strVal val="#ppt_y"/>
+                                          </p:val>
+                                        </p:tav>
+                                      </p:tavLst>
+                                    </p:anim>
+                                  </p:childTnLst>
+                                </p:cTn>
+                              </p:par>
+                            </p:childTnLst>
+                          </p:cTn>
+                        </p:par>
+                      </p:childTnLst>
+                    </p:cTn>
+                  </p:par>
+                  <p:par>
+                    <p:cTn id="49" fill="hold">
+                      <p:stCondLst>
+                        <p:cond delay="indefinite"/>
+                      </p:stCondLst>
+                      <p:childTnLst>
+                        <p:par>
+                          <p:cTn id="50" fill="hold">
+                            <p:stCondLst>
+                              <p:cond delay="0"/>
+                            </p:stCondLst>
+                            <p:childTnLst>
+                              <p:par>
+                                <p:cTn id="51" presetID="1" presetClass="exit" presetSubtype="0" fill="hold" grpId="1" nodeType="clickEffect">
+                                  <p:stCondLst>
+                                    <p:cond delay="0"/>
+                                  </p:stCondLst>
+                                  <p:childTnLst>
+                                    <p:set>
+                                      <p:cBhvr>
+                                        <p:cTn id="52" dur="1" fill="hold">
+                                          <p:stCondLst>
+                                            <p:cond delay="0"/>
+                                          </p:stCondLst>
+                                        </p:cTn>
+                                        <p:tgtEl>
+                                          <p:spTgt spid="14"/>
+                                        </p:tgtEl>
+                                        <p:attrNameLst>
+                                          <p:attrName>style.visibility</p:attrName>
+                                        </p:attrNameLst>
+                                      </p:cBhvr>
+                                      <p:to>
+                                        <p:strVal val="hidden"/>
+                                      </p:to>
+                                    </p:set>
+                                  </p:childTnLst>
+                                </p:cTn>
+                              </p:par>
+                            </p:childTnLst>
+                          </p:cTn>
+                        </p:par>
+                      </p:childTnLst>
+                    </p:cTn>
+                  </p:par>
+                  <p:par>
+                    <p:cTn id="53" fill="hold">
+                      <p:stCondLst>
+                        <p:cond delay="indefinite"/>
+                      </p:stCondLst>
+                      <p:childTnLst>
+                        <p:par>
+                          <p:cTn id="54" fill="hold">
+                            <p:stCondLst>
+                              <p:cond delay="0"/>
+                            </p:stCondLst>
+                            <p:childTnLst>
+                              <p:par>
+                                <p:cTn id="55" presetID="2" presetClass="entr" presetSubtype="4" fill="hold" nodeType="clickEffect">
+                                  <p:stCondLst>
+                                    <p:cond delay="0"/>
+                                  </p:stCondLst>
+                                  <p:childTnLst>
+                                    <p:set>
+                                      <p:cBhvr>
+                                        <p:cTn id="56" dur="1" fill="hold">
+                                          <p:stCondLst>
+                                            <p:cond delay="0"/>
+                                          </p:stCondLst>
+                                        </p:cTn>
+                                        <p:tgtEl>
+                                          <p:spTgt spid="17"/>
+                                        </p:tgtEl>
+                                        <p:attrNameLst>
+                                          <p:attrName>style.visibility</p:attrName>
+                                        </p:attrNameLst>
+                                      </p:cBhvr>
+                                      <p:to>
+                                        <p:strVal val="visible"/>
+                                      </p:to>
+                                    </p:set>
+                                    <p:anim calcmode="lin" valueType="num">
+                                      <p:cBhvr additive="base">
+                                        <p:cTn id="57" dur="500" fill="hold"/>
+                                        <p:tgtEl>
+                                          <p:spTgt spid="17"/>
+                                        </p:tgtEl>
+                                        <p:attrNameLst>
+                                          <p:attrName>ppt_x</p:attrName>
+                                        </p:attrNameLst>
+                                      </p:cBhvr>
+                                      <p:tavLst>
+                                        <p:tav tm="0">
+                                          <p:val>
+                                            <p:strVal val="#ppt_x"/>
+                                          </p:val>
+                                        </p:tav>
+                                        <p:tav tm="100000">
+                                          <p:val>
+                                            <p:strVal val="#ppt_x"/>
+                                          </p:val>
+                                        </p:tav>
+                                      </p:tavLst>
+                                    </p:anim>
+                                    <p:anim calcmode="lin" valueType="num">
+                                      <p:cBhvr additive="base">
+                                        <p:cTn id="58" dur="500" fill="hold"/>
+                                        <p:tgtEl>
+                                          <p:spTgt spid="17"/>
+                                        </p:tgtEl>
+                                        <p:attrNameLst>
+                                          <p:attrName>ppt_y</p:attrName>
+                                        </p:attrNameLst>
+                                      </p:cBhvr>
+                                      <p:tavLst>
+                                        <p:tav tm="0">
+                                          <p:val>
+                                            <p:strVal val="1+#ppt_h/2"/>
+                                          </p:val>
+                                        </p:tav>
+                                        <p:tav tm="100000">
+                                          <p:val>
+                                            <p:strVal val="#ppt_y"/>
+                                          </p:val>
+                                        </p:tav>
+                                      </p:tavLst>
+                                    </p:anim>
+                                  </p:childTnLst>
+                                </p:cTn>
+                              </p:par>
+                            </p:childTnLst>
+                          </p:cTn>
+                        </p:par>
+                      </p:childTnLst>
+                    </p:cTn>
+                  </p:par>
+                  <p:par>
+                    <p:cTn id="59" fill="hold">
+                      <p:stCondLst>
+                        <p:cond delay="indefinite"/>
+                      </p:stCondLst>
+                      <p:childTnLst>
+                        <p:par>
+                          <p:cTn id="60" fill="hold">
+                            <p:stCondLst>
+                              <p:cond delay="0"/>
+                            </p:stCondLst>
+                            <p:childTnLst>
+                              <p:par>
+                                <p:cTn id="61" presetID="1" presetClass="exit" presetSubtype="0" fill="hold" nodeType="clickEffect">
+                                  <p:stCondLst>
+                                    <p:cond delay="0"/>
+                                  </p:stCondLst>
+                                  <p:childTnLst>
+                                    <p:set>
+                                      <p:cBhvr>
+                                        <p:cTn id="62" dur="1" fill="hold">
+                                          <p:stCondLst>
+                                            <p:cond delay="0"/>
+                                          </p:stCondLst>
+                                        </p:cTn>
+                                        <p:tgtEl>
+                                          <p:spTgt spid="17"/>
+                                        </p:tgtEl>
+                                        <p:attrNameLst>
+                                          <p:attrName>style.visibility</p:attrName>
+                                        </p:attrNameLst>
+                                      </p:cBhvr>
+                                      <p:to>
+                                        <p:strVal val="hidden"/>
+                                      </p:to>
+                                    </p:set>
+                                  </p:childTnLst>
+                                </p:cTn>
+                              </p:par>
+                            </p:childTnLst>
+                          </p:cTn>
+                        </p:par>
+                      </p:childTnLst>
+                    </p:cTn>
+                  </p:par>
+                </p:childTnLst>
+              </p:cTn>
+              <p:prevCondLst>
+                <p:cond evt="onPrev" delay="0">
+                  <p:tgtEl>
+                    <p:sldTgt/>
+                  </p:tgtEl>
+                </p:cond>
+              </p:prevCondLst>
+              <p:nextCondLst>
+                <p:cond evt="onNext" delay="0">
+                  <p:tgtEl>
+                    <p:sldTgt/>
+                  </p:tgtEl>
+                </p:cond>
+              </p:nextCondLst>
+            </p:seq>
+          </p:childTnLst>
+        </p:cTn>
+      </p:par>
+    </p:tnLst>
+    <p:bldLst>
+      <p:bldP spid="11" grpId="0" animBg="1"/>
+      <p:bldP spid="11" grpId="1" animBg="1"/>
+      <p:bldP spid="12" grpId="0" animBg="1"/>
+      <p:bldP spid="12" grpId="1" animBg="1"/>
+      <p:bldP spid="13" grpId="0" animBg="1"/>
+      <p:bldP spid="13" grpId="1" animBg="1"/>
+      <p:bldP spid="14" grpId="0" animBg="1"/>
+      <p:bldP spid="14" grpId="1" animBg="1"/>
+    </p:bldLst>
   </p:timing>
 </p:sld>
 </file>

--- a/Club Meetings 2023/Meeting 07 - July 02 2023/Sharing.pptx
+++ b/Club Meetings 2023/Meeting 07 - July 02 2023/Sharing.pptx
@@ -273,7 +273,7 @@
           <a:p>
             <a:fld id="{6651E86F-4435-47D2-A141-1EB75546EE8A}" type="datetimeFigureOut">
               <a:rPr lang="en-SG" smtClean="0"/>
-              <a:t>29/6/2023</a:t>
+              <a:t>4/7/2023</a:t>
             </a:fld>
             <a:endParaRPr lang="en-SG"/>
           </a:p>
@@ -473,7 +473,7 @@
           <a:p>
             <a:fld id="{6651E86F-4435-47D2-A141-1EB75546EE8A}" type="datetimeFigureOut">
               <a:rPr lang="en-SG" smtClean="0"/>
-              <a:t>29/6/2023</a:t>
+              <a:t>4/7/2023</a:t>
             </a:fld>
             <a:endParaRPr lang="en-SG"/>
           </a:p>
@@ -683,7 +683,7 @@
           <a:p>
             <a:fld id="{6651E86F-4435-47D2-A141-1EB75546EE8A}" type="datetimeFigureOut">
               <a:rPr lang="en-SG" smtClean="0"/>
-              <a:t>29/6/2023</a:t>
+              <a:t>4/7/2023</a:t>
             </a:fld>
             <a:endParaRPr lang="en-SG"/>
           </a:p>
@@ -883,7 +883,7 @@
           <a:p>
             <a:fld id="{6651E86F-4435-47D2-A141-1EB75546EE8A}" type="datetimeFigureOut">
               <a:rPr lang="en-SG" smtClean="0"/>
-              <a:t>29/6/2023</a:t>
+              <a:t>4/7/2023</a:t>
             </a:fld>
             <a:endParaRPr lang="en-SG"/>
           </a:p>
@@ -1159,7 +1159,7 @@
           <a:p>
             <a:fld id="{6651E86F-4435-47D2-A141-1EB75546EE8A}" type="datetimeFigureOut">
               <a:rPr lang="en-SG" smtClean="0"/>
-              <a:t>29/6/2023</a:t>
+              <a:t>4/7/2023</a:t>
             </a:fld>
             <a:endParaRPr lang="en-SG"/>
           </a:p>
@@ -1427,7 +1427,7 @@
           <a:p>
             <a:fld id="{6651E86F-4435-47D2-A141-1EB75546EE8A}" type="datetimeFigureOut">
               <a:rPr lang="en-SG" smtClean="0"/>
-              <a:t>29/6/2023</a:t>
+              <a:t>4/7/2023</a:t>
             </a:fld>
             <a:endParaRPr lang="en-SG"/>
           </a:p>
@@ -1842,7 +1842,7 @@
           <a:p>
             <a:fld id="{6651E86F-4435-47D2-A141-1EB75546EE8A}" type="datetimeFigureOut">
               <a:rPr lang="en-SG" smtClean="0"/>
-              <a:t>29/6/2023</a:t>
+              <a:t>4/7/2023</a:t>
             </a:fld>
             <a:endParaRPr lang="en-SG"/>
           </a:p>
@@ -1984,7 +1984,7 @@
           <a:p>
             <a:fld id="{6651E86F-4435-47D2-A141-1EB75546EE8A}" type="datetimeFigureOut">
               <a:rPr lang="en-SG" smtClean="0"/>
-              <a:t>29/6/2023</a:t>
+              <a:t>4/7/2023</a:t>
             </a:fld>
             <a:endParaRPr lang="en-SG"/>
           </a:p>
@@ -2097,7 +2097,7 @@
           <a:p>
             <a:fld id="{6651E86F-4435-47D2-A141-1EB75546EE8A}" type="datetimeFigureOut">
               <a:rPr lang="en-SG" smtClean="0"/>
-              <a:t>29/6/2023</a:t>
+              <a:t>4/7/2023</a:t>
             </a:fld>
             <a:endParaRPr lang="en-SG"/>
           </a:p>
@@ -2410,7 +2410,7 @@
           <a:p>
             <a:fld id="{6651E86F-4435-47D2-A141-1EB75546EE8A}" type="datetimeFigureOut">
               <a:rPr lang="en-SG" smtClean="0"/>
-              <a:t>29/6/2023</a:t>
+              <a:t>4/7/2023</a:t>
             </a:fld>
             <a:endParaRPr lang="en-SG"/>
           </a:p>
@@ -2699,7 +2699,7 @@
           <a:p>
             <a:fld id="{6651E86F-4435-47D2-A141-1EB75546EE8A}" type="datetimeFigureOut">
               <a:rPr lang="en-SG" smtClean="0"/>
-              <a:t>29/6/2023</a:t>
+              <a:t>4/7/2023</a:t>
             </a:fld>
             <a:endParaRPr lang="en-SG"/>
           </a:p>
@@ -2942,7 +2942,7 @@
           <a:p>
             <a:fld id="{6651E86F-4435-47D2-A141-1EB75546EE8A}" type="datetimeFigureOut">
               <a:rPr lang="en-SG" smtClean="0"/>
-              <a:t>29/6/2023</a:t>
+              <a:t>4/7/2023</a:t>
             </a:fld>
             <a:endParaRPr lang="en-SG"/>
           </a:p>
@@ -3644,10 +3644,10 @@
       </p:grpSp>
       <p:pic>
         <p:nvPicPr>
-          <p:cNvPr id="13" name="Picture 12">
+          <p:cNvPr id="12" name="Picture 11">
             <a:extLst>
               <a:ext uri="{FF2B5EF4-FFF2-40B4-BE49-F238E27FC236}">
-                <a16:creationId xmlns:a16="http://schemas.microsoft.com/office/drawing/2014/main" id="{49C75B97-83C0-79A5-A76E-FE8023BB0E2B}"/>
+                <a16:creationId xmlns:a16="http://schemas.microsoft.com/office/drawing/2014/main" id="{F72AB67D-39BC-7762-62A2-0C915EF06D36}"/>
               </a:ext>
             </a:extLst>
           </p:cNvPr>
@@ -3664,8 +3664,8 @@
         </p:blipFill>
         <p:spPr>
           <a:xfrm>
-            <a:off x="6770987" y="581018"/>
-            <a:ext cx="4434828" cy="4017995"/>
+            <a:off x="6201911" y="595618"/>
+            <a:ext cx="5215506" cy="4051831"/>
           </a:xfrm>
           <a:prstGeom prst="rect">
             <a:avLst/>
@@ -3686,8 +3686,8 @@
         </p:nvSpPr>
         <p:spPr>
           <a:xfrm>
-            <a:off x="7040875" y="1003737"/>
-            <a:ext cx="1244709" cy="321210"/>
+            <a:off x="6577674" y="1003737"/>
+            <a:ext cx="1249254" cy="321210"/>
           </a:xfrm>
           <a:prstGeom prst="rect">
             <a:avLst/>
@@ -4028,7 +4028,7 @@
                             </p:stCondLst>
                             <p:childTnLst>
                               <p:par>
-                                <p:cTn id="23" presetID="2" presetClass="entr" presetSubtype="4" fill="hold" nodeType="clickEffect">
+                                <p:cTn id="23" presetID="2" presetClass="entr" presetSubtype="4" fill="hold" grpId="0" nodeType="clickEffect">
                                   <p:stCondLst>
                                     <p:cond delay="0"/>
                                   </p:stCondLst>
@@ -4041,7 +4041,7 @@
                                           </p:stCondLst>
                                         </p:cTn>
                                         <p:tgtEl>
-                                          <p:spTgt spid="13"/>
+                                          <p:spTgt spid="14"/>
                                         </p:tgtEl>
                                         <p:attrNameLst>
                                           <p:attrName>style.visibility</p:attrName>
@@ -4055,7 +4055,7 @@
                                       <p:cBhvr additive="base">
                                         <p:cTn id="25" dur="500" fill="hold"/>
                                         <p:tgtEl>
-                                          <p:spTgt spid="13"/>
+                                          <p:spTgt spid="14"/>
                                         </p:tgtEl>
                                         <p:attrNameLst>
                                           <p:attrName>ppt_x</p:attrName>
@@ -4077,97 +4077,6 @@
                                     <p:anim calcmode="lin" valueType="num">
                                       <p:cBhvr additive="base">
                                         <p:cTn id="26" dur="500" fill="hold"/>
-                                        <p:tgtEl>
-                                          <p:spTgt spid="13"/>
-                                        </p:tgtEl>
-                                        <p:attrNameLst>
-                                          <p:attrName>ppt_y</p:attrName>
-                                        </p:attrNameLst>
-                                      </p:cBhvr>
-                                      <p:tavLst>
-                                        <p:tav tm="0">
-                                          <p:val>
-                                            <p:strVal val="1+#ppt_h/2"/>
-                                          </p:val>
-                                        </p:tav>
-                                        <p:tav tm="100000">
-                                          <p:val>
-                                            <p:strVal val="#ppt_y"/>
-                                          </p:val>
-                                        </p:tav>
-                                      </p:tavLst>
-                                    </p:anim>
-                                  </p:childTnLst>
-                                </p:cTn>
-                              </p:par>
-                            </p:childTnLst>
-                          </p:cTn>
-                        </p:par>
-                      </p:childTnLst>
-                    </p:cTn>
-                  </p:par>
-                  <p:par>
-                    <p:cTn id="27" fill="hold">
-                      <p:stCondLst>
-                        <p:cond delay="indefinite"/>
-                      </p:stCondLst>
-                      <p:childTnLst>
-                        <p:par>
-                          <p:cTn id="28" fill="hold">
-                            <p:stCondLst>
-                              <p:cond delay="0"/>
-                            </p:stCondLst>
-                            <p:childTnLst>
-                              <p:par>
-                                <p:cTn id="29" presetID="2" presetClass="entr" presetSubtype="4" fill="hold" grpId="0" nodeType="clickEffect">
-                                  <p:stCondLst>
-                                    <p:cond delay="0"/>
-                                  </p:stCondLst>
-                                  <p:childTnLst>
-                                    <p:set>
-                                      <p:cBhvr>
-                                        <p:cTn id="30" dur="1" fill="hold">
-                                          <p:stCondLst>
-                                            <p:cond delay="0"/>
-                                          </p:stCondLst>
-                                        </p:cTn>
-                                        <p:tgtEl>
-                                          <p:spTgt spid="14"/>
-                                        </p:tgtEl>
-                                        <p:attrNameLst>
-                                          <p:attrName>style.visibility</p:attrName>
-                                        </p:attrNameLst>
-                                      </p:cBhvr>
-                                      <p:to>
-                                        <p:strVal val="visible"/>
-                                      </p:to>
-                                    </p:set>
-                                    <p:anim calcmode="lin" valueType="num">
-                                      <p:cBhvr additive="base">
-                                        <p:cTn id="31" dur="500" fill="hold"/>
-                                        <p:tgtEl>
-                                          <p:spTgt spid="14"/>
-                                        </p:tgtEl>
-                                        <p:attrNameLst>
-                                          <p:attrName>ppt_x</p:attrName>
-                                        </p:attrNameLst>
-                                      </p:cBhvr>
-                                      <p:tavLst>
-                                        <p:tav tm="0">
-                                          <p:val>
-                                            <p:strVal val="#ppt_x"/>
-                                          </p:val>
-                                        </p:tav>
-                                        <p:tav tm="100000">
-                                          <p:val>
-                                            <p:strVal val="#ppt_x"/>
-                                          </p:val>
-                                        </p:tav>
-                                      </p:tavLst>
-                                    </p:anim>
-                                    <p:anim calcmode="lin" valueType="num">
-                                      <p:cBhvr additive="base">
-                                        <p:cTn id="32" dur="500" fill="hold"/>
                                         <p:tgtEl>
                                           <p:spTgt spid="14"/>
                                         </p:tgtEl>
@@ -6944,10 +6853,10 @@
       </p:grpSpPr>
       <p:pic>
         <p:nvPicPr>
-          <p:cNvPr id="13" name="Picture 12">
+          <p:cNvPr id="2" name="Picture 1">
             <a:extLst>
               <a:ext uri="{FF2B5EF4-FFF2-40B4-BE49-F238E27FC236}">
-                <a16:creationId xmlns:a16="http://schemas.microsoft.com/office/drawing/2014/main" id="{49C75B97-83C0-79A5-A76E-FE8023BB0E2B}"/>
+                <a16:creationId xmlns:a16="http://schemas.microsoft.com/office/drawing/2014/main" id="{82ABCB6C-85AC-D9C1-DC3B-72D60C55ED4A}"/>
               </a:ext>
             </a:extLst>
           </p:cNvPr>
@@ -6964,8 +6873,8 @@
         </p:blipFill>
         <p:spPr>
           <a:xfrm>
-            <a:off x="930023" y="543696"/>
-            <a:ext cx="5465767" cy="4952035"/>
+            <a:off x="1202066" y="595618"/>
+            <a:ext cx="5478171" cy="4255891"/>
           </a:xfrm>
           <a:prstGeom prst="rect">
             <a:avLst/>
@@ -6986,7 +6895,7 @@
         </p:nvSpPr>
         <p:spPr>
           <a:xfrm>
-            <a:off x="1367863" y="1156995"/>
+            <a:off x="1376252" y="1121820"/>
             <a:ext cx="1366006" cy="223935"/>
           </a:xfrm>
           <a:prstGeom prst="rect">
@@ -7068,8 +6977,8 @@
         </p:nvSpPr>
         <p:spPr>
           <a:xfrm>
-            <a:off x="1949472" y="1547914"/>
-            <a:ext cx="4446318" cy="1167294"/>
+            <a:off x="1840382" y="1505599"/>
+            <a:ext cx="4446318" cy="1002270"/>
           </a:xfrm>
           <a:prstGeom prst="rect">
             <a:avLst/>
@@ -7172,7 +7081,7 @@
         </p:nvSpPr>
         <p:spPr>
           <a:xfrm rot="6952179">
-            <a:off x="6240211" y="2610835"/>
+            <a:off x="6270588" y="2178508"/>
             <a:ext cx="484632" cy="978408"/>
           </a:xfrm>
           <a:prstGeom prst="downArrow">
@@ -7206,10 +7115,10 @@
       </p:sp>
       <p:grpSp>
         <p:nvGrpSpPr>
-          <p:cNvPr id="20" name="Group 19">
+          <p:cNvPr id="8" name="Group 7">
             <a:extLst>
               <a:ext uri="{FF2B5EF4-FFF2-40B4-BE49-F238E27FC236}">
-                <a16:creationId xmlns:a16="http://schemas.microsoft.com/office/drawing/2014/main" id="{010B17E6-8F64-CB0F-3917-969FE007B2C1}"/>
+                <a16:creationId xmlns:a16="http://schemas.microsoft.com/office/drawing/2014/main" id="{E5CD57B1-E0D4-5F33-08AC-4FD89DEA6538}"/>
               </a:ext>
             </a:extLst>
           </p:cNvPr>
@@ -7218,106 +7127,9 @@
         </p:nvGrpSpPr>
         <p:grpSpPr>
           <a:xfrm>
-            <a:off x="1676051" y="2807460"/>
-            <a:ext cx="4979437" cy="1477328"/>
-            <a:chOff x="1729273" y="4211696"/>
-            <a:chExt cx="4979437" cy="1477328"/>
-          </a:xfrm>
-        </p:grpSpPr>
-        <p:sp>
-          <p:nvSpPr>
-            <p:cNvPr id="19" name="TextBox 18">
-              <a:extLst>
-                <a:ext uri="{FF2B5EF4-FFF2-40B4-BE49-F238E27FC236}">
-                  <a16:creationId xmlns:a16="http://schemas.microsoft.com/office/drawing/2014/main" id="{BB4AE9FF-5FEB-C6AE-B1DB-C76FF373F47C}"/>
-                </a:ext>
-              </a:extLst>
-            </p:cNvPr>
-            <p:cNvSpPr txBox="1"/>
-            <p:nvPr/>
-          </p:nvSpPr>
-          <p:spPr>
-            <a:xfrm>
-              <a:off x="1729273" y="4211696"/>
-              <a:ext cx="4979437" cy="1477328"/>
-            </a:xfrm>
-            <a:prstGeom prst="rect">
-              <a:avLst/>
-            </a:prstGeom>
-            <a:solidFill>
-              <a:srgbClr val="FFC000"/>
-            </a:solidFill>
-          </p:spPr>
-          <p:txBody>
-            <a:bodyPr wrap="square" rtlCol="0">
-              <a:spAutoFit/>
-            </a:bodyPr>
-            <a:lstStyle/>
-            <a:p>
-              <a:endParaRPr lang="en-US" dirty="0"/>
-            </a:p>
-            <a:p>
-              <a:endParaRPr lang="en-SG" dirty="0"/>
-            </a:p>
-            <a:p>
-              <a:endParaRPr lang="en-SG" dirty="0"/>
-            </a:p>
-            <a:p>
-              <a:endParaRPr lang="en-SG" dirty="0"/>
-            </a:p>
-            <a:p>
-              <a:endParaRPr lang="en-SG" dirty="0"/>
-            </a:p>
-          </p:txBody>
-        </p:sp>
-        <p:pic>
-          <p:nvPicPr>
-            <p:cNvPr id="18" name="Picture 17">
-              <a:extLst>
-                <a:ext uri="{FF2B5EF4-FFF2-40B4-BE49-F238E27FC236}">
-                  <a16:creationId xmlns:a16="http://schemas.microsoft.com/office/drawing/2014/main" id="{98304F4A-AB53-11FD-6C42-3318A0DB27FD}"/>
-                </a:ext>
-              </a:extLst>
-            </p:cNvPr>
-            <p:cNvPicPr>
-              <a:picLocks noChangeAspect="1"/>
-            </p:cNvPicPr>
-            <p:nvPr/>
-          </p:nvPicPr>
-          <p:blipFill>
-            <a:blip r:embed="rId4"/>
-            <a:stretch>
-              <a:fillRect/>
-            </a:stretch>
-          </p:blipFill>
-          <p:spPr>
-            <a:xfrm>
-              <a:off x="1837741" y="4302229"/>
-              <a:ext cx="4762500" cy="1314450"/>
-            </a:xfrm>
-            <a:prstGeom prst="rect">
-              <a:avLst/>
-            </a:prstGeom>
-          </p:spPr>
-        </p:pic>
-      </p:grpSp>
-      <p:grpSp>
-        <p:nvGrpSpPr>
-          <p:cNvPr id="26" name="Group 25">
-            <a:extLst>
-              <a:ext uri="{FF2B5EF4-FFF2-40B4-BE49-F238E27FC236}">
-                <a16:creationId xmlns:a16="http://schemas.microsoft.com/office/drawing/2014/main" id="{D7AC1D83-1D28-9004-17FA-531736A5FE00}"/>
-              </a:ext>
-            </a:extLst>
-          </p:cNvPr>
-          <p:cNvGrpSpPr/>
-          <p:nvPr/>
-        </p:nvGrpSpPr>
-        <p:grpSpPr>
-          <a:xfrm>
-            <a:off x="1667446" y="2820184"/>
+            <a:off x="1230006" y="2766425"/>
             <a:ext cx="4988041" cy="2031325"/>
-            <a:chOff x="1667446" y="2820184"/>
+            <a:chOff x="1230006" y="2766425"/>
             <a:chExt cx="4988041" cy="2031325"/>
           </a:xfrm>
         </p:grpSpPr>
@@ -7335,7 +7147,7 @@
           </p:nvSpPr>
           <p:spPr>
             <a:xfrm>
-              <a:off x="1667446" y="2820184"/>
+              <a:off x="1230006" y="2766425"/>
               <a:ext cx="4988041" cy="2031325"/>
             </a:xfrm>
             <a:prstGeom prst="rect">
@@ -7375,10 +7187,10 @@
         </p:sp>
         <p:pic>
           <p:nvPicPr>
-            <p:cNvPr id="25" name="Picture 24">
+            <p:cNvPr id="7" name="Picture 6">
               <a:extLst>
                 <a:ext uri="{FF2B5EF4-FFF2-40B4-BE49-F238E27FC236}">
-                  <a16:creationId xmlns:a16="http://schemas.microsoft.com/office/drawing/2014/main" id="{ED900BA4-18C2-3140-2F6A-B41BFBED64A1}"/>
+                  <a16:creationId xmlns:a16="http://schemas.microsoft.com/office/drawing/2014/main" id="{EE3134F0-EB6A-8673-F016-2D62E646AB26}"/>
                 </a:ext>
               </a:extLst>
             </p:cNvPr>
@@ -7388,15 +7200,15 @@
             <p:nvPr/>
           </p:nvPicPr>
           <p:blipFill>
-            <a:blip r:embed="rId5"/>
+            <a:blip r:embed="rId4"/>
             <a:stretch>
               <a:fillRect/>
             </a:stretch>
           </p:blipFill>
           <p:spPr>
             <a:xfrm>
-              <a:off x="1739679" y="2924181"/>
-              <a:ext cx="4762500" cy="1800225"/>
+              <a:off x="1250147" y="2805644"/>
+              <a:ext cx="4914900" cy="1085850"/>
             </a:xfrm>
             <a:prstGeom prst="rect">
               <a:avLst/>
@@ -7404,6 +7216,36 @@
           </p:spPr>
         </p:pic>
       </p:grpSp>
+      <p:pic>
+        <p:nvPicPr>
+          <p:cNvPr id="5" name="Picture 4">
+            <a:extLst>
+              <a:ext uri="{FF2B5EF4-FFF2-40B4-BE49-F238E27FC236}">
+                <a16:creationId xmlns:a16="http://schemas.microsoft.com/office/drawing/2014/main" id="{1330DC33-AC71-F617-C27C-F4A9C90773D5}"/>
+              </a:ext>
+            </a:extLst>
+          </p:cNvPr>
+          <p:cNvPicPr>
+            <a:picLocks noChangeAspect="1"/>
+          </p:cNvPicPr>
+          <p:nvPr/>
+        </p:nvPicPr>
+        <p:blipFill>
+          <a:blip r:embed="rId5"/>
+          <a:stretch>
+            <a:fillRect/>
+          </a:stretch>
+        </p:blipFill>
+        <p:spPr>
+          <a:xfrm>
+            <a:off x="1250147" y="2805644"/>
+            <a:ext cx="4914558" cy="1733550"/>
+          </a:xfrm>
+          <a:prstGeom prst="rect">
+            <a:avLst/>
+          </a:prstGeom>
+        </p:spPr>
+      </p:pic>
     </p:spTree>
     <p:extLst>
       <p:ext uri="{BB962C8B-B14F-4D97-AF65-F5344CB8AC3E}">
@@ -7812,7 +7654,7 @@
                                           </p:stCondLst>
                                         </p:cTn>
                                         <p:tgtEl>
-                                          <p:spTgt spid="20"/>
+                                          <p:spTgt spid="8"/>
                                         </p:tgtEl>
                                         <p:attrNameLst>
                                           <p:attrName>style.visibility</p:attrName>
@@ -7826,7 +7668,7 @@
                                       <p:cBhvr additive="base">
                                         <p:cTn id="31" dur="500" fill="hold"/>
                                         <p:tgtEl>
-                                          <p:spTgt spid="20"/>
+                                          <p:spTgt spid="8"/>
                                         </p:tgtEl>
                                         <p:attrNameLst>
                                           <p:attrName>ppt_x</p:attrName>
@@ -7849,7 +7691,7 @@
                                       <p:cBhvr additive="base">
                                         <p:cTn id="32" dur="500" fill="hold"/>
                                         <p:tgtEl>
-                                          <p:spTgt spid="20"/>
+                                          <p:spTgt spid="8"/>
                                         </p:tgtEl>
                                         <p:attrNameLst>
                                           <p:attrName>ppt_y</p:attrName>
@@ -7890,7 +7732,7 @@
                             </p:stCondLst>
                             <p:childTnLst>
                               <p:par>
-                                <p:cTn id="35" presetID="1" presetClass="exit" presetSubtype="0" fill="hold" nodeType="clickEffect">
+                                <p:cTn id="35" presetID="2" presetClass="entr" presetSubtype="4" fill="hold" nodeType="clickEffect">
                                   <p:stCondLst>
                                     <p:cond delay="0"/>
                                   </p:stCondLst>
@@ -7903,52 +7745,7 @@
                                           </p:stCondLst>
                                         </p:cTn>
                                         <p:tgtEl>
-                                          <p:spTgt spid="20"/>
-                                        </p:tgtEl>
-                                        <p:attrNameLst>
-                                          <p:attrName>style.visibility</p:attrName>
-                                        </p:attrNameLst>
-                                      </p:cBhvr>
-                                      <p:to>
-                                        <p:strVal val="hidden"/>
-                                      </p:to>
-                                    </p:set>
-                                  </p:childTnLst>
-                                </p:cTn>
-                              </p:par>
-                            </p:childTnLst>
-                          </p:cTn>
-                        </p:par>
-                      </p:childTnLst>
-                    </p:cTn>
-                  </p:par>
-                  <p:par>
-                    <p:cTn id="37" fill="hold">
-                      <p:stCondLst>
-                        <p:cond delay="indefinite"/>
-                      </p:stCondLst>
-                      <p:childTnLst>
-                        <p:par>
-                          <p:cTn id="38" fill="hold">
-                            <p:stCondLst>
-                              <p:cond delay="0"/>
-                            </p:stCondLst>
-                            <p:childTnLst>
-                              <p:par>
-                                <p:cTn id="39" presetID="2" presetClass="entr" presetSubtype="4" fill="hold" nodeType="clickEffect">
-                                  <p:stCondLst>
-                                    <p:cond delay="0"/>
-                                  </p:stCondLst>
-                                  <p:childTnLst>
-                                    <p:set>
-                                      <p:cBhvr>
-                                        <p:cTn id="40" dur="1" fill="hold">
-                                          <p:stCondLst>
-                                            <p:cond delay="0"/>
-                                          </p:stCondLst>
-                                        </p:cTn>
-                                        <p:tgtEl>
-                                          <p:spTgt spid="26"/>
+                                          <p:spTgt spid="5"/>
                                         </p:tgtEl>
                                         <p:attrNameLst>
                                           <p:attrName>style.visibility</p:attrName>
@@ -7960,9 +7757,9 @@
                                     </p:set>
                                     <p:anim calcmode="lin" valueType="num">
                                       <p:cBhvr additive="base">
-                                        <p:cTn id="41" dur="500" fill="hold"/>
-                                        <p:tgtEl>
-                                          <p:spTgt spid="26"/>
+                                        <p:cTn id="37" dur="500" fill="hold"/>
+                                        <p:tgtEl>
+                                          <p:spTgt spid="5"/>
                                         </p:tgtEl>
                                         <p:attrNameLst>
                                           <p:attrName>ppt_x</p:attrName>
@@ -7983,9 +7780,9 @@
                                     </p:anim>
                                     <p:anim calcmode="lin" valueType="num">
                                       <p:cBhvr additive="base">
-                                        <p:cTn id="42" dur="500" fill="hold"/>
-                                        <p:tgtEl>
-                                          <p:spTgt spid="26"/>
+                                        <p:cTn id="38" dur="500" fill="hold"/>
+                                        <p:tgtEl>
+                                          <p:spTgt spid="5"/>
                                         </p:tgtEl>
                                         <p:attrNameLst>
                                           <p:attrName>ppt_y</p:attrName>
@@ -8094,7 +7891,7 @@
             </a:r>
             <a:r>
               <a:rPr lang="en-US" dirty="0" err="1"/>
-              <a:t>robotcar</a:t>
+              <a:t>Robotcar</a:t>
             </a:r>
             <a:r>
               <a:rPr lang="en-US" dirty="0"/>
@@ -8112,7 +7909,7 @@
             </a:r>
             <a:r>
               <a:rPr lang="en-US" dirty="0"/>
-              <a:t> python program – classRobotCar.py</a:t>
+              <a:t> python program – classrobotcar.py</a:t>
             </a:r>
           </a:p>
           <a:p>
@@ -8124,7 +7921,7 @@
           <a:p>
             <a:r>
               <a:rPr lang="en-US" dirty="0"/>
-              <a:t>Review of classRobotCar.py</a:t>
+              <a:t>Review of classrobotcar.py</a:t>
             </a:r>
             <a:endParaRPr lang="en-SG" dirty="0"/>
           </a:p>
@@ -8222,7 +8019,7 @@
             <a:p>
               <a:r>
                 <a:rPr lang="en-US" dirty="0"/>
-                <a:t>classRobotCar.py</a:t>
+                <a:t>classrobotcar.py</a:t>
               </a:r>
               <a:endParaRPr lang="en-SG" dirty="0"/>
             </a:p>
@@ -8319,7 +8116,7 @@
                   <a:srgbClr val="002060"/>
                 </a:solidFill>
               </a:rPr>
-              <a:t>robotcar</a:t>
+              <a:t>Robotcar</a:t>
             </a:r>
             <a:r>
               <a:rPr lang="en-US" dirty="0">
@@ -8447,7 +8244,7 @@
                   <a:srgbClr val="002060"/>
                 </a:solidFill>
               </a:rPr>
-              <a:t>classRobotCar</a:t>
+              <a:t>classrobotcar</a:t>
             </a:r>
             <a:r>
               <a:rPr lang="en-US" dirty="0">
@@ -8463,7 +8260,7 @@
                   <a:srgbClr val="002060"/>
                 </a:solidFill>
               </a:rPr>
-              <a:t>robotcar</a:t>
+              <a:t>Robotcar</a:t>
             </a:r>
             <a:endParaRPr lang="en-US" dirty="0"/>
           </a:p>
@@ -8820,8 +8617,8 @@
         </p:nvSpPr>
         <p:spPr>
           <a:xfrm>
-            <a:off x="4149857" y="1510018"/>
-            <a:ext cx="4143955" cy="2031325"/>
+            <a:off x="3923354" y="1177382"/>
+            <a:ext cx="4187813" cy="2031325"/>
           </a:xfrm>
           <a:prstGeom prst="rect">
             <a:avLst/>
@@ -8836,7 +8633,7 @@
           <a:p>
             <a:r>
               <a:rPr lang="en-US" dirty="0"/>
-              <a:t>The robot class has 5 modules or methods</a:t>
+              <a:t>The Robot class has 5 modules or methods</a:t>
             </a:r>
           </a:p>
           <a:p>
@@ -8849,7 +8646,7 @@
             </a:r>
             <a:r>
               <a:rPr lang="en-US" dirty="0"/>
-              <a:t>()</a:t>
+              <a:t>(self)</a:t>
             </a:r>
           </a:p>
           <a:p>
@@ -8859,7 +8656,7 @@
             </a:r>
             <a:r>
               <a:rPr lang="en-US" dirty="0"/>
-              <a:t>()</a:t>
+              <a:t>(self)</a:t>
             </a:r>
           </a:p>
           <a:p>
@@ -8869,7 +8666,7 @@
             </a:r>
             <a:r>
               <a:rPr lang="en-US" dirty="0"/>
-              <a:t>()</a:t>
+              <a:t>(self)</a:t>
             </a:r>
           </a:p>
           <a:p>
@@ -8879,13 +8676,13 @@
             </a:r>
             <a:r>
               <a:rPr lang="en-US" dirty="0"/>
-              <a:t>()</a:t>
+              <a:t>(self)</a:t>
             </a:r>
           </a:p>
           <a:p>
             <a:r>
               <a:rPr lang="en-US" dirty="0"/>
-              <a:t>stop()</a:t>
+              <a:t>stop(self)</a:t>
             </a:r>
             <a:endParaRPr lang="en-SG" dirty="0"/>
           </a:p>
@@ -8893,10 +8690,10 @@
       </p:sp>
       <p:pic>
         <p:nvPicPr>
-          <p:cNvPr id="3" name="Picture 2">
+          <p:cNvPr id="10" name="Picture 9">
             <a:extLst>
               <a:ext uri="{FF2B5EF4-FFF2-40B4-BE49-F238E27FC236}">
-                <a16:creationId xmlns:a16="http://schemas.microsoft.com/office/drawing/2014/main" id="{C7932EDE-64C1-0A72-1EC3-DA5835AB96BA}"/>
+                <a16:creationId xmlns:a16="http://schemas.microsoft.com/office/drawing/2014/main" id="{D8C5854F-4DC3-010D-A076-C7294D800C9D}"/>
               </a:ext>
             </a:extLst>
           </p:cNvPr>
@@ -8913,8 +8710,8 @@
         </p:blipFill>
         <p:spPr>
           <a:xfrm>
-            <a:off x="4149857" y="2433024"/>
-            <a:ext cx="5934075" cy="1438275"/>
+            <a:off x="815017" y="3429000"/>
+            <a:ext cx="7296150" cy="1466850"/>
           </a:xfrm>
           <a:prstGeom prst="rect">
             <a:avLst/>
@@ -8923,10 +8720,10 @@
       </p:pic>
       <p:grpSp>
         <p:nvGrpSpPr>
-          <p:cNvPr id="5" name="Group 4">
+          <p:cNvPr id="8" name="Group 7">
             <a:extLst>
               <a:ext uri="{FF2B5EF4-FFF2-40B4-BE49-F238E27FC236}">
-                <a16:creationId xmlns:a16="http://schemas.microsoft.com/office/drawing/2014/main" id="{B8466996-D0DC-591C-2441-8682082CCF43}"/>
+                <a16:creationId xmlns:a16="http://schemas.microsoft.com/office/drawing/2014/main" id="{B79C244F-A547-CDF8-935B-BB155B37300E}"/>
               </a:ext>
             </a:extLst>
           </p:cNvPr>
@@ -8935,9 +8732,9 @@
         </p:nvGrpSpPr>
         <p:grpSpPr>
           <a:xfrm>
-            <a:off x="4149857" y="3871299"/>
+            <a:off x="6280558" y="3146762"/>
             <a:ext cx="4988041" cy="2031325"/>
-            <a:chOff x="1667446" y="2820184"/>
+            <a:chOff x="6096000" y="2034110"/>
             <a:chExt cx="4988041" cy="2031325"/>
           </a:xfrm>
         </p:grpSpPr>
@@ -8955,7 +8752,7 @@
           </p:nvSpPr>
           <p:spPr>
             <a:xfrm>
-              <a:off x="1667446" y="2820184"/>
+              <a:off x="6096000" y="2034110"/>
               <a:ext cx="4988041" cy="2031325"/>
             </a:xfrm>
             <a:prstGeom prst="rect">
@@ -8995,10 +8792,10 @@
         </p:sp>
         <p:pic>
           <p:nvPicPr>
-            <p:cNvPr id="7" name="Picture 6">
+            <p:cNvPr id="4" name="Picture 3">
               <a:extLst>
                 <a:ext uri="{FF2B5EF4-FFF2-40B4-BE49-F238E27FC236}">
-                  <a16:creationId xmlns:a16="http://schemas.microsoft.com/office/drawing/2014/main" id="{87EC5618-5705-0BBA-4395-085709591139}"/>
+                  <a16:creationId xmlns:a16="http://schemas.microsoft.com/office/drawing/2014/main" id="{97E98021-9B3F-C488-4463-7953FA896E93}"/>
                 </a:ext>
               </a:extLst>
             </p:cNvPr>
@@ -9015,8 +8812,8 @@
           </p:blipFill>
           <p:spPr>
             <a:xfrm>
-              <a:off x="1739679" y="2924181"/>
-              <a:ext cx="4762500" cy="1800225"/>
+              <a:off x="6153943" y="2182997"/>
+              <a:ext cx="4914558" cy="1733550"/>
             </a:xfrm>
             <a:prstGeom prst="rect">
               <a:avLst/>
@@ -9068,7 +8865,7 @@
                                           </p:stCondLst>
                                         </p:cTn>
                                         <p:tgtEl>
-                                          <p:spTgt spid="3"/>
+                                          <p:spTgt spid="10"/>
                                         </p:tgtEl>
                                         <p:attrNameLst>
                                           <p:attrName>style.visibility</p:attrName>
@@ -9082,7 +8879,7 @@
                                       <p:cBhvr additive="base">
                                         <p:cTn id="7" dur="500" fill="hold"/>
                                         <p:tgtEl>
-                                          <p:spTgt spid="3"/>
+                                          <p:spTgt spid="10"/>
                                         </p:tgtEl>
                                         <p:attrNameLst>
                                           <p:attrName>ppt_x</p:attrName>
@@ -9105,7 +8902,7 @@
                                       <p:cBhvr additive="base">
                                         <p:cTn id="8" dur="500" fill="hold"/>
                                         <p:tgtEl>
-                                          <p:spTgt spid="3"/>
+                                          <p:spTgt spid="10"/>
                                         </p:tgtEl>
                                         <p:attrNameLst>
                                           <p:attrName>ppt_y</p:attrName>
@@ -9159,7 +8956,7 @@
                                           </p:stCondLst>
                                         </p:cTn>
                                         <p:tgtEl>
-                                          <p:spTgt spid="5"/>
+                                          <p:spTgt spid="8"/>
                                         </p:tgtEl>
                                         <p:attrNameLst>
                                           <p:attrName>style.visibility</p:attrName>
@@ -9173,7 +8970,7 @@
                                       <p:cBhvr additive="base">
                                         <p:cTn id="13" dur="500" fill="hold"/>
                                         <p:tgtEl>
-                                          <p:spTgt spid="5"/>
+                                          <p:spTgt spid="8"/>
                                         </p:tgtEl>
                                         <p:attrNameLst>
                                           <p:attrName>ppt_x</p:attrName>
@@ -9196,7 +8993,7 @@
                                       <p:cBhvr additive="base">
                                         <p:cTn id="14" dur="500" fill="hold"/>
                                         <p:tgtEl>
-                                          <p:spTgt spid="5"/>
+                                          <p:spTgt spid="8"/>
                                         </p:tgtEl>
                                         <p:attrNameLst>
                                           <p:attrName>ppt_y</p:attrName>
@@ -9266,6 +9063,36 @@
           <a:chExt cx="0" cy="0"/>
         </a:xfrm>
       </p:grpSpPr>
+      <p:pic>
+        <p:nvPicPr>
+          <p:cNvPr id="4" name="Picture 3">
+            <a:extLst>
+              <a:ext uri="{FF2B5EF4-FFF2-40B4-BE49-F238E27FC236}">
+                <a16:creationId xmlns:a16="http://schemas.microsoft.com/office/drawing/2014/main" id="{E7E8917B-46D5-8391-BE33-6B64F78B46CD}"/>
+              </a:ext>
+            </a:extLst>
+          </p:cNvPr>
+          <p:cNvPicPr>
+            <a:picLocks noChangeAspect="1"/>
+          </p:cNvPicPr>
+          <p:nvPr/>
+        </p:nvPicPr>
+        <p:blipFill>
+          <a:blip r:embed="rId2"/>
+          <a:stretch>
+            <a:fillRect/>
+          </a:stretch>
+        </p:blipFill>
+        <p:spPr>
+          <a:xfrm>
+            <a:off x="2219443" y="537004"/>
+            <a:ext cx="6334125" cy="6191250"/>
+          </a:xfrm>
+          <a:prstGeom prst="rect">
+            <a:avLst/>
+          </a:prstGeom>
+        </p:spPr>
+      </p:pic>
       <p:sp>
         <p:nvSpPr>
           <p:cNvPr id="3" name="TextBox 2">
@@ -9302,36 +9129,6 @@
           </a:p>
         </p:txBody>
       </p:sp>
-      <p:pic>
-        <p:nvPicPr>
-          <p:cNvPr id="5" name="Picture 4">
-            <a:extLst>
-              <a:ext uri="{FF2B5EF4-FFF2-40B4-BE49-F238E27FC236}">
-                <a16:creationId xmlns:a16="http://schemas.microsoft.com/office/drawing/2014/main" id="{C8568C46-D7EF-59CD-66EE-3F14942E7EC4}"/>
-              </a:ext>
-            </a:extLst>
-          </p:cNvPr>
-          <p:cNvPicPr>
-            <a:picLocks noChangeAspect="1"/>
-          </p:cNvPicPr>
-          <p:nvPr/>
-        </p:nvPicPr>
-        <p:blipFill>
-          <a:blip r:embed="rId2"/>
-          <a:stretch>
-            <a:fillRect/>
-          </a:stretch>
-        </p:blipFill>
-        <p:spPr>
-          <a:xfrm>
-            <a:off x="1970626" y="721670"/>
-            <a:ext cx="7562850" cy="5762625"/>
-          </a:xfrm>
-          <a:prstGeom prst="rect">
-            <a:avLst/>
-          </a:prstGeom>
-        </p:spPr>
-      </p:pic>
       <p:sp>
         <p:nvSpPr>
           <p:cNvPr id="6" name="Rectangle 5">
@@ -9443,7 +9240,7 @@
         <p:spPr>
           <a:xfrm>
             <a:off x="2310147" y="4668140"/>
-            <a:ext cx="6152718" cy="1915783"/>
+            <a:ext cx="6152718" cy="2060114"/>
           </a:xfrm>
           <a:prstGeom prst="rect">
             <a:avLst/>
@@ -9507,7 +9304,7 @@
                             </p:stCondLst>
                             <p:childTnLst>
                               <p:par>
-                                <p:cTn id="5" presetID="2" presetClass="entr" presetSubtype="4" fill="hold" nodeType="clickEffect">
+                                <p:cTn id="5" presetID="2" presetClass="entr" presetSubtype="4" fill="hold" grpId="0" nodeType="clickEffect">
                                   <p:stCondLst>
                                     <p:cond delay="0"/>
                                   </p:stCondLst>
@@ -9520,7 +9317,7 @@
                                           </p:stCondLst>
                                         </p:cTn>
                                         <p:tgtEl>
-                                          <p:spTgt spid="5"/>
+                                          <p:spTgt spid="6"/>
                                         </p:tgtEl>
                                         <p:attrNameLst>
                                           <p:attrName>style.visibility</p:attrName>
@@ -9534,7 +9331,7 @@
                                       <p:cBhvr additive="base">
                                         <p:cTn id="7" dur="500" fill="hold"/>
                                         <p:tgtEl>
-                                          <p:spTgt spid="5"/>
+                                          <p:spTgt spid="6"/>
                                         </p:tgtEl>
                                         <p:attrNameLst>
                                           <p:attrName>ppt_x</p:attrName>
@@ -9557,7 +9354,7 @@
                                       <p:cBhvr additive="base">
                                         <p:cTn id="8" dur="500" fill="hold"/>
                                         <p:tgtEl>
-                                          <p:spTgt spid="5"/>
+                                          <p:spTgt spid="6"/>
                                         </p:tgtEl>
                                         <p:attrNameLst>
                                           <p:attrName>ppt_y</p:attrName>
@@ -9598,7 +9395,7 @@
                             </p:stCondLst>
                             <p:childTnLst>
                               <p:par>
-                                <p:cTn id="11" presetID="2" presetClass="entr" presetSubtype="4" fill="hold" grpId="0" nodeType="clickEffect">
+                                <p:cTn id="11" presetID="1" presetClass="exit" presetSubtype="0" fill="hold" grpId="1" nodeType="clickEffect">
                                   <p:stCondLst>
                                     <p:cond delay="0"/>
                                   </p:stCondLst>
@@ -9618,55 +9415,9 @@
                                         </p:attrNameLst>
                                       </p:cBhvr>
                                       <p:to>
-                                        <p:strVal val="visible"/>
+                                        <p:strVal val="hidden"/>
                                       </p:to>
                                     </p:set>
-                                    <p:anim calcmode="lin" valueType="num">
-                                      <p:cBhvr additive="base">
-                                        <p:cTn id="13" dur="500" fill="hold"/>
-                                        <p:tgtEl>
-                                          <p:spTgt spid="6"/>
-                                        </p:tgtEl>
-                                        <p:attrNameLst>
-                                          <p:attrName>ppt_x</p:attrName>
-                                        </p:attrNameLst>
-                                      </p:cBhvr>
-                                      <p:tavLst>
-                                        <p:tav tm="0">
-                                          <p:val>
-                                            <p:strVal val="#ppt_x"/>
-                                          </p:val>
-                                        </p:tav>
-                                        <p:tav tm="100000">
-                                          <p:val>
-                                            <p:strVal val="#ppt_x"/>
-                                          </p:val>
-                                        </p:tav>
-                                      </p:tavLst>
-                                    </p:anim>
-                                    <p:anim calcmode="lin" valueType="num">
-                                      <p:cBhvr additive="base">
-                                        <p:cTn id="14" dur="500" fill="hold"/>
-                                        <p:tgtEl>
-                                          <p:spTgt spid="6"/>
-                                        </p:tgtEl>
-                                        <p:attrNameLst>
-                                          <p:attrName>ppt_y</p:attrName>
-                                        </p:attrNameLst>
-                                      </p:cBhvr>
-                                      <p:tavLst>
-                                        <p:tav tm="0">
-                                          <p:val>
-                                            <p:strVal val="1+#ppt_h/2"/>
-                                          </p:val>
-                                        </p:tav>
-                                        <p:tav tm="100000">
-                                          <p:val>
-                                            <p:strVal val="#ppt_y"/>
-                                          </p:val>
-                                        </p:tav>
-                                      </p:tavLst>
-                                    </p:anim>
                                   </p:childTnLst>
                                 </p:cTn>
                               </p:par>
@@ -9677,41 +9428,87 @@
                     </p:cTn>
                   </p:par>
                   <p:par>
-                    <p:cTn id="15" fill="hold">
+                    <p:cTn id="13" fill="hold">
                       <p:stCondLst>
                         <p:cond delay="indefinite"/>
                       </p:stCondLst>
                       <p:childTnLst>
                         <p:par>
-                          <p:cTn id="16" fill="hold">
+                          <p:cTn id="14" fill="hold">
                             <p:stCondLst>
                               <p:cond delay="0"/>
                             </p:stCondLst>
                             <p:childTnLst>
                               <p:par>
-                                <p:cTn id="17" presetID="1" presetClass="exit" presetSubtype="0" fill="hold" grpId="1" nodeType="clickEffect">
+                                <p:cTn id="15" presetID="2" presetClass="entr" presetSubtype="4" fill="hold" grpId="0" nodeType="clickEffect">
                                   <p:stCondLst>
                                     <p:cond delay="0"/>
                                   </p:stCondLst>
                                   <p:childTnLst>
                                     <p:set>
                                       <p:cBhvr>
-                                        <p:cTn id="18" dur="1" fill="hold">
+                                        <p:cTn id="16" dur="1" fill="hold">
                                           <p:stCondLst>
                                             <p:cond delay="0"/>
                                           </p:stCondLst>
                                         </p:cTn>
                                         <p:tgtEl>
-                                          <p:spTgt spid="6"/>
+                                          <p:spTgt spid="7"/>
                                         </p:tgtEl>
                                         <p:attrNameLst>
                                           <p:attrName>style.visibility</p:attrName>
                                         </p:attrNameLst>
                                       </p:cBhvr>
                                       <p:to>
-                                        <p:strVal val="hidden"/>
+                                        <p:strVal val="visible"/>
                                       </p:to>
                                     </p:set>
+                                    <p:anim calcmode="lin" valueType="num">
+                                      <p:cBhvr additive="base">
+                                        <p:cTn id="17" dur="500" fill="hold"/>
+                                        <p:tgtEl>
+                                          <p:spTgt spid="7"/>
+                                        </p:tgtEl>
+                                        <p:attrNameLst>
+                                          <p:attrName>ppt_x</p:attrName>
+                                        </p:attrNameLst>
+                                      </p:cBhvr>
+                                      <p:tavLst>
+                                        <p:tav tm="0">
+                                          <p:val>
+                                            <p:strVal val="#ppt_x"/>
+                                          </p:val>
+                                        </p:tav>
+                                        <p:tav tm="100000">
+                                          <p:val>
+                                            <p:strVal val="#ppt_x"/>
+                                          </p:val>
+                                        </p:tav>
+                                      </p:tavLst>
+                                    </p:anim>
+                                    <p:anim calcmode="lin" valueType="num">
+                                      <p:cBhvr additive="base">
+                                        <p:cTn id="18" dur="500" fill="hold"/>
+                                        <p:tgtEl>
+                                          <p:spTgt spid="7"/>
+                                        </p:tgtEl>
+                                        <p:attrNameLst>
+                                          <p:attrName>ppt_y</p:attrName>
+                                        </p:attrNameLst>
+                                      </p:cBhvr>
+                                      <p:tavLst>
+                                        <p:tav tm="0">
+                                          <p:val>
+                                            <p:strVal val="1+#ppt_h/2"/>
+                                          </p:val>
+                                        </p:tav>
+                                        <p:tav tm="100000">
+                                          <p:val>
+                                            <p:strVal val="#ppt_y"/>
+                                          </p:val>
+                                        </p:tav>
+                                      </p:tavLst>
+                                    </p:anim>
                                   </p:childTnLst>
                                 </p:cTn>
                               </p:par>
@@ -9734,7 +9531,7 @@
                             </p:stCondLst>
                             <p:childTnLst>
                               <p:par>
-                                <p:cTn id="21" presetID="2" presetClass="entr" presetSubtype="4" fill="hold" grpId="0" nodeType="clickEffect">
+                                <p:cTn id="21" presetID="1" presetClass="exit" presetSubtype="0" fill="hold" grpId="1" nodeType="clickEffect">
                                   <p:stCondLst>
                                     <p:cond delay="0"/>
                                   </p:stCondLst>
@@ -9754,55 +9551,9 @@
                                         </p:attrNameLst>
                                       </p:cBhvr>
                                       <p:to>
-                                        <p:strVal val="visible"/>
+                                        <p:strVal val="hidden"/>
                                       </p:to>
                                     </p:set>
-                                    <p:anim calcmode="lin" valueType="num">
-                                      <p:cBhvr additive="base">
-                                        <p:cTn id="23" dur="500" fill="hold"/>
-                                        <p:tgtEl>
-                                          <p:spTgt spid="7"/>
-                                        </p:tgtEl>
-                                        <p:attrNameLst>
-                                          <p:attrName>ppt_x</p:attrName>
-                                        </p:attrNameLst>
-                                      </p:cBhvr>
-                                      <p:tavLst>
-                                        <p:tav tm="0">
-                                          <p:val>
-                                            <p:strVal val="#ppt_x"/>
-                                          </p:val>
-                                        </p:tav>
-                                        <p:tav tm="100000">
-                                          <p:val>
-                                            <p:strVal val="#ppt_x"/>
-                                          </p:val>
-                                        </p:tav>
-                                      </p:tavLst>
-                                    </p:anim>
-                                    <p:anim calcmode="lin" valueType="num">
-                                      <p:cBhvr additive="base">
-                                        <p:cTn id="24" dur="500" fill="hold"/>
-                                        <p:tgtEl>
-                                          <p:spTgt spid="7"/>
-                                        </p:tgtEl>
-                                        <p:attrNameLst>
-                                          <p:attrName>ppt_y</p:attrName>
-                                        </p:attrNameLst>
-                                      </p:cBhvr>
-                                      <p:tavLst>
-                                        <p:tav tm="0">
-                                          <p:val>
-                                            <p:strVal val="1+#ppt_h/2"/>
-                                          </p:val>
-                                        </p:tav>
-                                        <p:tav tm="100000">
-                                          <p:val>
-                                            <p:strVal val="#ppt_y"/>
-                                          </p:val>
-                                        </p:tav>
-                                      </p:tavLst>
-                                    </p:anim>
                                   </p:childTnLst>
                                 </p:cTn>
                               </p:par>
@@ -9813,41 +9564,87 @@
                     </p:cTn>
                   </p:par>
                   <p:par>
-                    <p:cTn id="25" fill="hold">
+                    <p:cTn id="23" fill="hold">
                       <p:stCondLst>
                         <p:cond delay="indefinite"/>
                       </p:stCondLst>
                       <p:childTnLst>
                         <p:par>
-                          <p:cTn id="26" fill="hold">
+                          <p:cTn id="24" fill="hold">
                             <p:stCondLst>
                               <p:cond delay="0"/>
                             </p:stCondLst>
                             <p:childTnLst>
                               <p:par>
-                                <p:cTn id="27" presetID="1" presetClass="exit" presetSubtype="0" fill="hold" grpId="1" nodeType="clickEffect">
+                                <p:cTn id="25" presetID="2" presetClass="entr" presetSubtype="4" fill="hold" grpId="0" nodeType="clickEffect">
                                   <p:stCondLst>
                                     <p:cond delay="0"/>
                                   </p:stCondLst>
                                   <p:childTnLst>
                                     <p:set>
                                       <p:cBhvr>
-                                        <p:cTn id="28" dur="1" fill="hold">
+                                        <p:cTn id="26" dur="1" fill="hold">
                                           <p:stCondLst>
                                             <p:cond delay="0"/>
                                           </p:stCondLst>
                                         </p:cTn>
                                         <p:tgtEl>
-                                          <p:spTgt spid="7"/>
+                                          <p:spTgt spid="8"/>
                                         </p:tgtEl>
                                         <p:attrNameLst>
                                           <p:attrName>style.visibility</p:attrName>
                                         </p:attrNameLst>
                                       </p:cBhvr>
                                       <p:to>
-                                        <p:strVal val="hidden"/>
+                                        <p:strVal val="visible"/>
                                       </p:to>
                                     </p:set>
+                                    <p:anim calcmode="lin" valueType="num">
+                                      <p:cBhvr additive="base">
+                                        <p:cTn id="27" dur="500" fill="hold"/>
+                                        <p:tgtEl>
+                                          <p:spTgt spid="8"/>
+                                        </p:tgtEl>
+                                        <p:attrNameLst>
+                                          <p:attrName>ppt_x</p:attrName>
+                                        </p:attrNameLst>
+                                      </p:cBhvr>
+                                      <p:tavLst>
+                                        <p:tav tm="0">
+                                          <p:val>
+                                            <p:strVal val="#ppt_x"/>
+                                          </p:val>
+                                        </p:tav>
+                                        <p:tav tm="100000">
+                                          <p:val>
+                                            <p:strVal val="#ppt_x"/>
+                                          </p:val>
+                                        </p:tav>
+                                      </p:tavLst>
+                                    </p:anim>
+                                    <p:anim calcmode="lin" valueType="num">
+                                      <p:cBhvr additive="base">
+                                        <p:cTn id="28" dur="500" fill="hold"/>
+                                        <p:tgtEl>
+                                          <p:spTgt spid="8"/>
+                                        </p:tgtEl>
+                                        <p:attrNameLst>
+                                          <p:attrName>ppt_y</p:attrName>
+                                        </p:attrNameLst>
+                                      </p:cBhvr>
+                                      <p:tavLst>
+                                        <p:tav tm="0">
+                                          <p:val>
+                                            <p:strVal val="1+#ppt_h/2"/>
+                                          </p:val>
+                                        </p:tav>
+                                        <p:tav tm="100000">
+                                          <p:val>
+                                            <p:strVal val="#ppt_y"/>
+                                          </p:val>
+                                        </p:tav>
+                                      </p:tavLst>
+                                    </p:anim>
                                   </p:childTnLst>
                                 </p:cTn>
                               </p:par>
@@ -9870,7 +9667,7 @@
                             </p:stCondLst>
                             <p:childTnLst>
                               <p:par>
-                                <p:cTn id="31" presetID="2" presetClass="entr" presetSubtype="4" fill="hold" grpId="0" nodeType="clickEffect">
+                                <p:cTn id="31" presetID="1" presetClass="exit" presetSubtype="0" fill="hold" grpId="1" nodeType="clickEffect">
                                   <p:stCondLst>
                                     <p:cond delay="0"/>
                                   </p:stCondLst>
@@ -9878,97 +9675,6 @@
                                     <p:set>
                                       <p:cBhvr>
                                         <p:cTn id="32" dur="1" fill="hold">
-                                          <p:stCondLst>
-                                            <p:cond delay="0"/>
-                                          </p:stCondLst>
-                                        </p:cTn>
-                                        <p:tgtEl>
-                                          <p:spTgt spid="8"/>
-                                        </p:tgtEl>
-                                        <p:attrNameLst>
-                                          <p:attrName>style.visibility</p:attrName>
-                                        </p:attrNameLst>
-                                      </p:cBhvr>
-                                      <p:to>
-                                        <p:strVal val="visible"/>
-                                      </p:to>
-                                    </p:set>
-                                    <p:anim calcmode="lin" valueType="num">
-                                      <p:cBhvr additive="base">
-                                        <p:cTn id="33" dur="500" fill="hold"/>
-                                        <p:tgtEl>
-                                          <p:spTgt spid="8"/>
-                                        </p:tgtEl>
-                                        <p:attrNameLst>
-                                          <p:attrName>ppt_x</p:attrName>
-                                        </p:attrNameLst>
-                                      </p:cBhvr>
-                                      <p:tavLst>
-                                        <p:tav tm="0">
-                                          <p:val>
-                                            <p:strVal val="#ppt_x"/>
-                                          </p:val>
-                                        </p:tav>
-                                        <p:tav tm="100000">
-                                          <p:val>
-                                            <p:strVal val="#ppt_x"/>
-                                          </p:val>
-                                        </p:tav>
-                                      </p:tavLst>
-                                    </p:anim>
-                                    <p:anim calcmode="lin" valueType="num">
-                                      <p:cBhvr additive="base">
-                                        <p:cTn id="34" dur="500" fill="hold"/>
-                                        <p:tgtEl>
-                                          <p:spTgt spid="8"/>
-                                        </p:tgtEl>
-                                        <p:attrNameLst>
-                                          <p:attrName>ppt_y</p:attrName>
-                                        </p:attrNameLst>
-                                      </p:cBhvr>
-                                      <p:tavLst>
-                                        <p:tav tm="0">
-                                          <p:val>
-                                            <p:strVal val="1+#ppt_h/2"/>
-                                          </p:val>
-                                        </p:tav>
-                                        <p:tav tm="100000">
-                                          <p:val>
-                                            <p:strVal val="#ppt_y"/>
-                                          </p:val>
-                                        </p:tav>
-                                      </p:tavLst>
-                                    </p:anim>
-                                  </p:childTnLst>
-                                </p:cTn>
-                              </p:par>
-                            </p:childTnLst>
-                          </p:cTn>
-                        </p:par>
-                      </p:childTnLst>
-                    </p:cTn>
-                  </p:par>
-                  <p:par>
-                    <p:cTn id="35" fill="hold">
-                      <p:stCondLst>
-                        <p:cond delay="indefinite"/>
-                      </p:stCondLst>
-                      <p:childTnLst>
-                        <p:par>
-                          <p:cTn id="36" fill="hold">
-                            <p:stCondLst>
-                              <p:cond delay="0"/>
-                            </p:stCondLst>
-                            <p:childTnLst>
-                              <p:par>
-                                <p:cTn id="37" presetID="1" presetClass="exit" presetSubtype="0" fill="hold" grpId="1" nodeType="clickEffect">
-                                  <p:stCondLst>
-                                    <p:cond delay="0"/>
-                                  </p:stCondLst>
-                                  <p:childTnLst>
-                                    <p:set>
-                                      <p:cBhvr>
-                                        <p:cTn id="38" dur="1" fill="hold">
                                           <p:stCondLst>
                                             <p:cond delay="0"/>
                                           </p:stCondLst>
